--- a/Presentation workflow draft 709b.pptx
+++ b/Presentation workflow draft 709b.pptx
@@ -4,17 +4,19 @@
   <p:sldMasterIdLst>
     <p:sldMasterId id="2147483648" r:id="rId1"/>
   </p:sldMasterIdLst>
+  <p:notesMasterIdLst>
+    <p:notesMasterId r:id="rId11"/>
+  </p:notesMasterIdLst>
   <p:sldIdLst>
     <p:sldId id="256" r:id="rId2"/>
-    <p:sldId id="257" r:id="rId3"/>
-    <p:sldId id="258" r:id="rId4"/>
-    <p:sldId id="264" r:id="rId5"/>
+    <p:sldId id="258" r:id="rId3"/>
+    <p:sldId id="270" r:id="rId4"/>
+    <p:sldId id="272" r:id="rId5"/>
     <p:sldId id="265" r:id="rId6"/>
-    <p:sldId id="262" r:id="rId7"/>
-    <p:sldId id="263" r:id="rId8"/>
-    <p:sldId id="259" r:id="rId9"/>
-    <p:sldId id="260" r:id="rId10"/>
-    <p:sldId id="261" r:id="rId11"/>
+    <p:sldId id="263" r:id="rId7"/>
+    <p:sldId id="260" r:id="rId8"/>
+    <p:sldId id="261" r:id="rId9"/>
+    <p:sldId id="266" r:id="rId10"/>
   </p:sldIdLst>
   <p:sldSz cx="12192000" cy="6858000"/>
   <p:notesSz cx="6858000" cy="9144000"/>
@@ -114,6 +116,819 @@
     </a:lvl9pPr>
   </p:defaultTextStyle>
 </p:presentation>
+</file>
+
+<file path=ppt/notesMasters/notesMaster1.xml><?xml version="1.0" encoding="utf-8"?>
+<p:notesMaster xmlns:a="http://schemas.openxmlformats.org/drawingml/2006/main" xmlns:r="http://schemas.openxmlformats.org/officeDocument/2006/relationships" xmlns:p="http://schemas.openxmlformats.org/presentationml/2006/main">
+  <p:cSld>
+    <p:bg>
+      <p:bgRef idx="1001">
+        <a:schemeClr val="bg1"/>
+      </p:bgRef>
+    </p:bg>
+    <p:spTree>
+      <p:nvGrpSpPr>
+        <p:cNvPr id="1" name=""/>
+        <p:cNvGrpSpPr/>
+        <p:nvPr/>
+      </p:nvGrpSpPr>
+      <p:grpSpPr>
+        <a:xfrm>
+          <a:off x="0" y="0"/>
+          <a:ext cx="0" cy="0"/>
+          <a:chOff x="0" y="0"/>
+          <a:chExt cx="0" cy="0"/>
+        </a:xfrm>
+      </p:grpSpPr>
+      <p:sp>
+        <p:nvSpPr>
+          <p:cNvPr id="2" name="Header Placeholder 1"/>
+          <p:cNvSpPr>
+            <a:spLocks noGrp="1"/>
+          </p:cNvSpPr>
+          <p:nvPr>
+            <p:ph type="hdr" sz="quarter"/>
+          </p:nvPr>
+        </p:nvSpPr>
+        <p:spPr>
+          <a:xfrm>
+            <a:off x="0" y="0"/>
+            <a:ext cx="2971800" cy="458788"/>
+          </a:xfrm>
+          <a:prstGeom prst="rect">
+            <a:avLst/>
+          </a:prstGeom>
+        </p:spPr>
+        <p:txBody>
+          <a:bodyPr vert="horz" lIns="91440" tIns="45720" rIns="91440" bIns="45720" rtlCol="0"/>
+          <a:lstStyle>
+            <a:lvl1pPr algn="l">
+              <a:defRPr sz="1200"/>
+            </a:lvl1pPr>
+          </a:lstStyle>
+          <a:p>
+            <a:endParaRPr lang="en-US"/>
+          </a:p>
+        </p:txBody>
+      </p:sp>
+      <p:sp>
+        <p:nvSpPr>
+          <p:cNvPr id="3" name="Date Placeholder 2"/>
+          <p:cNvSpPr>
+            <a:spLocks noGrp="1"/>
+          </p:cNvSpPr>
+          <p:nvPr>
+            <p:ph type="dt" idx="1"/>
+          </p:nvPr>
+        </p:nvSpPr>
+        <p:spPr>
+          <a:xfrm>
+            <a:off x="3884613" y="0"/>
+            <a:ext cx="2971800" cy="458788"/>
+          </a:xfrm>
+          <a:prstGeom prst="rect">
+            <a:avLst/>
+          </a:prstGeom>
+        </p:spPr>
+        <p:txBody>
+          <a:bodyPr vert="horz" lIns="91440" tIns="45720" rIns="91440" bIns="45720" rtlCol="0"/>
+          <a:lstStyle>
+            <a:lvl1pPr algn="r">
+              <a:defRPr sz="1200"/>
+            </a:lvl1pPr>
+          </a:lstStyle>
+          <a:p>
+            <a:fld id="{A87737EE-0747-4044-A7CD-8CB9224E437A}" type="datetimeFigureOut">
+              <a:rPr lang="en-US" smtClean="0"/>
+              <a:t>10/5/17</a:t>
+            </a:fld>
+            <a:endParaRPr lang="en-US"/>
+          </a:p>
+        </p:txBody>
+      </p:sp>
+      <p:sp>
+        <p:nvSpPr>
+          <p:cNvPr id="4" name="Slide Image Placeholder 3"/>
+          <p:cNvSpPr>
+            <a:spLocks noGrp="1" noRot="1" noChangeAspect="1"/>
+          </p:cNvSpPr>
+          <p:nvPr>
+            <p:ph type="sldImg" idx="2"/>
+          </p:nvPr>
+        </p:nvSpPr>
+        <p:spPr>
+          <a:xfrm>
+            <a:off x="685800" y="1143000"/>
+            <a:ext cx="5486400" cy="3086100"/>
+          </a:xfrm>
+          <a:prstGeom prst="rect">
+            <a:avLst/>
+          </a:prstGeom>
+          <a:noFill/>
+          <a:ln w="12700">
+            <a:solidFill>
+              <a:prstClr val="black"/>
+            </a:solidFill>
+          </a:ln>
+        </p:spPr>
+        <p:txBody>
+          <a:bodyPr vert="horz" lIns="91440" tIns="45720" rIns="91440" bIns="45720" rtlCol="0" anchor="ctr"/>
+          <a:lstStyle/>
+          <a:p>
+            <a:endParaRPr lang="en-US"/>
+          </a:p>
+        </p:txBody>
+      </p:sp>
+      <p:sp>
+        <p:nvSpPr>
+          <p:cNvPr id="5" name="Notes Placeholder 4"/>
+          <p:cNvSpPr>
+            <a:spLocks noGrp="1"/>
+          </p:cNvSpPr>
+          <p:nvPr>
+            <p:ph type="body" sz="quarter" idx="3"/>
+          </p:nvPr>
+        </p:nvSpPr>
+        <p:spPr>
+          <a:xfrm>
+            <a:off x="685800" y="4400550"/>
+            <a:ext cx="5486400" cy="3600450"/>
+          </a:xfrm>
+          <a:prstGeom prst="rect">
+            <a:avLst/>
+          </a:prstGeom>
+        </p:spPr>
+        <p:txBody>
+          <a:bodyPr vert="horz" lIns="91440" tIns="45720" rIns="91440" bIns="45720" rtlCol="0"/>
+          <a:lstStyle/>
+          <a:p>
+            <a:pPr lvl="0"/>
+            <a:r>
+              <a:rPr lang="en-US" smtClean="0"/>
+              <a:t>Click to edit Master text styles</a:t>
+            </a:r>
+          </a:p>
+          <a:p>
+            <a:pPr lvl="1"/>
+            <a:r>
+              <a:rPr lang="en-US" smtClean="0"/>
+              <a:t>Second level</a:t>
+            </a:r>
+          </a:p>
+          <a:p>
+            <a:pPr lvl="2"/>
+            <a:r>
+              <a:rPr lang="en-US" smtClean="0"/>
+              <a:t>Third level</a:t>
+            </a:r>
+          </a:p>
+          <a:p>
+            <a:pPr lvl="3"/>
+            <a:r>
+              <a:rPr lang="en-US" smtClean="0"/>
+              <a:t>Fourth level</a:t>
+            </a:r>
+          </a:p>
+          <a:p>
+            <a:pPr lvl="4"/>
+            <a:r>
+              <a:rPr lang="en-US" smtClean="0"/>
+              <a:t>Fifth level</a:t>
+            </a:r>
+            <a:endParaRPr lang="en-US"/>
+          </a:p>
+        </p:txBody>
+      </p:sp>
+      <p:sp>
+        <p:nvSpPr>
+          <p:cNvPr id="6" name="Footer Placeholder 5"/>
+          <p:cNvSpPr>
+            <a:spLocks noGrp="1"/>
+          </p:cNvSpPr>
+          <p:nvPr>
+            <p:ph type="ftr" sz="quarter" idx="4"/>
+          </p:nvPr>
+        </p:nvSpPr>
+        <p:spPr>
+          <a:xfrm>
+            <a:off x="0" y="8685213"/>
+            <a:ext cx="2971800" cy="458787"/>
+          </a:xfrm>
+          <a:prstGeom prst="rect">
+            <a:avLst/>
+          </a:prstGeom>
+        </p:spPr>
+        <p:txBody>
+          <a:bodyPr vert="horz" lIns="91440" tIns="45720" rIns="91440" bIns="45720" rtlCol="0" anchor="b"/>
+          <a:lstStyle>
+            <a:lvl1pPr algn="l">
+              <a:defRPr sz="1200"/>
+            </a:lvl1pPr>
+          </a:lstStyle>
+          <a:p>
+            <a:endParaRPr lang="en-US"/>
+          </a:p>
+        </p:txBody>
+      </p:sp>
+      <p:sp>
+        <p:nvSpPr>
+          <p:cNvPr id="7" name="Slide Number Placeholder 6"/>
+          <p:cNvSpPr>
+            <a:spLocks noGrp="1"/>
+          </p:cNvSpPr>
+          <p:nvPr>
+            <p:ph type="sldNum" sz="quarter" idx="5"/>
+          </p:nvPr>
+        </p:nvSpPr>
+        <p:spPr>
+          <a:xfrm>
+            <a:off x="3884613" y="8685213"/>
+            <a:ext cx="2971800" cy="458787"/>
+          </a:xfrm>
+          <a:prstGeom prst="rect">
+            <a:avLst/>
+          </a:prstGeom>
+        </p:spPr>
+        <p:txBody>
+          <a:bodyPr vert="horz" lIns="91440" tIns="45720" rIns="91440" bIns="45720" rtlCol="0" anchor="b"/>
+          <a:lstStyle>
+            <a:lvl1pPr algn="r">
+              <a:defRPr sz="1200"/>
+            </a:lvl1pPr>
+          </a:lstStyle>
+          <a:p>
+            <a:fld id="{A0309D27-C847-6442-B1B3-8E323062575D}" type="slidenum">
+              <a:rPr lang="en-US" smtClean="0"/>
+              <a:t>‹#›</a:t>
+            </a:fld>
+            <a:endParaRPr lang="en-US"/>
+          </a:p>
+        </p:txBody>
+      </p:sp>
+    </p:spTree>
+    <p:extLst>
+      <p:ext uri="{BB962C8B-B14F-4D97-AF65-F5344CB8AC3E}">
+        <p14:creationId xmlns:p14="http://schemas.microsoft.com/office/powerpoint/2010/main" val="409058623"/>
+      </p:ext>
+    </p:extLst>
+  </p:cSld>
+  <p:clrMap bg1="lt1" tx1="dk1" bg2="lt2" tx2="dk2" accent1="accent1" accent2="accent2" accent3="accent3" accent4="accent4" accent5="accent5" accent6="accent6" hlink="hlink" folHlink="folHlink"/>
+  <p:notesStyle>
+    <a:lvl1pPr marL="0" algn="l" defTabSz="914400" rtl="0" eaLnBrk="1" latinLnBrk="0" hangingPunct="1">
+      <a:defRPr sz="1200" kern="1200">
+        <a:solidFill>
+          <a:schemeClr val="tx1"/>
+        </a:solidFill>
+        <a:latin typeface="+mn-lt"/>
+        <a:ea typeface="+mn-ea"/>
+        <a:cs typeface="+mn-cs"/>
+      </a:defRPr>
+    </a:lvl1pPr>
+    <a:lvl2pPr marL="457200" algn="l" defTabSz="914400" rtl="0" eaLnBrk="1" latinLnBrk="0" hangingPunct="1">
+      <a:defRPr sz="1200" kern="1200">
+        <a:solidFill>
+          <a:schemeClr val="tx1"/>
+        </a:solidFill>
+        <a:latin typeface="+mn-lt"/>
+        <a:ea typeface="+mn-ea"/>
+        <a:cs typeface="+mn-cs"/>
+      </a:defRPr>
+    </a:lvl2pPr>
+    <a:lvl3pPr marL="914400" algn="l" defTabSz="914400" rtl="0" eaLnBrk="1" latinLnBrk="0" hangingPunct="1">
+      <a:defRPr sz="1200" kern="1200">
+        <a:solidFill>
+          <a:schemeClr val="tx1"/>
+        </a:solidFill>
+        <a:latin typeface="+mn-lt"/>
+        <a:ea typeface="+mn-ea"/>
+        <a:cs typeface="+mn-cs"/>
+      </a:defRPr>
+    </a:lvl3pPr>
+    <a:lvl4pPr marL="1371600" algn="l" defTabSz="914400" rtl="0" eaLnBrk="1" latinLnBrk="0" hangingPunct="1">
+      <a:defRPr sz="1200" kern="1200">
+        <a:solidFill>
+          <a:schemeClr val="tx1"/>
+        </a:solidFill>
+        <a:latin typeface="+mn-lt"/>
+        <a:ea typeface="+mn-ea"/>
+        <a:cs typeface="+mn-cs"/>
+      </a:defRPr>
+    </a:lvl4pPr>
+    <a:lvl5pPr marL="1828800" algn="l" defTabSz="914400" rtl="0" eaLnBrk="1" latinLnBrk="0" hangingPunct="1">
+      <a:defRPr sz="1200" kern="1200">
+        <a:solidFill>
+          <a:schemeClr val="tx1"/>
+        </a:solidFill>
+        <a:latin typeface="+mn-lt"/>
+        <a:ea typeface="+mn-ea"/>
+        <a:cs typeface="+mn-cs"/>
+      </a:defRPr>
+    </a:lvl5pPr>
+    <a:lvl6pPr marL="2286000" algn="l" defTabSz="914400" rtl="0" eaLnBrk="1" latinLnBrk="0" hangingPunct="1">
+      <a:defRPr sz="1200" kern="1200">
+        <a:solidFill>
+          <a:schemeClr val="tx1"/>
+        </a:solidFill>
+        <a:latin typeface="+mn-lt"/>
+        <a:ea typeface="+mn-ea"/>
+        <a:cs typeface="+mn-cs"/>
+      </a:defRPr>
+    </a:lvl6pPr>
+    <a:lvl7pPr marL="2743200" algn="l" defTabSz="914400" rtl="0" eaLnBrk="1" latinLnBrk="0" hangingPunct="1">
+      <a:defRPr sz="1200" kern="1200">
+        <a:solidFill>
+          <a:schemeClr val="tx1"/>
+        </a:solidFill>
+        <a:latin typeface="+mn-lt"/>
+        <a:ea typeface="+mn-ea"/>
+        <a:cs typeface="+mn-cs"/>
+      </a:defRPr>
+    </a:lvl7pPr>
+    <a:lvl8pPr marL="3200400" algn="l" defTabSz="914400" rtl="0" eaLnBrk="1" latinLnBrk="0" hangingPunct="1">
+      <a:defRPr sz="1200" kern="1200">
+        <a:solidFill>
+          <a:schemeClr val="tx1"/>
+        </a:solidFill>
+        <a:latin typeface="+mn-lt"/>
+        <a:ea typeface="+mn-ea"/>
+        <a:cs typeface="+mn-cs"/>
+      </a:defRPr>
+    </a:lvl8pPr>
+    <a:lvl9pPr marL="3657600" algn="l" defTabSz="914400" rtl="0" eaLnBrk="1" latinLnBrk="0" hangingPunct="1">
+      <a:defRPr sz="1200" kern="1200">
+        <a:solidFill>
+          <a:schemeClr val="tx1"/>
+        </a:solidFill>
+        <a:latin typeface="+mn-lt"/>
+        <a:ea typeface="+mn-ea"/>
+        <a:cs typeface="+mn-cs"/>
+      </a:defRPr>
+    </a:lvl9pPr>
+  </p:notesStyle>
+</p:notesMaster>
+</file>
+
+<file path=ppt/notesSlides/notesSlide1.xml><?xml version="1.0" encoding="utf-8"?>
+<p:notes xmlns:a="http://schemas.openxmlformats.org/drawingml/2006/main" xmlns:r="http://schemas.openxmlformats.org/officeDocument/2006/relationships" xmlns:p="http://schemas.openxmlformats.org/presentationml/2006/main">
+  <p:cSld>
+    <p:spTree>
+      <p:nvGrpSpPr>
+        <p:cNvPr id="1" name=""/>
+        <p:cNvGrpSpPr/>
+        <p:nvPr/>
+      </p:nvGrpSpPr>
+      <p:grpSpPr>
+        <a:xfrm>
+          <a:off x="0" y="0"/>
+          <a:ext cx="0" cy="0"/>
+          <a:chOff x="0" y="0"/>
+          <a:chExt cx="0" cy="0"/>
+        </a:xfrm>
+      </p:grpSpPr>
+      <p:sp>
+        <p:nvSpPr>
+          <p:cNvPr id="2" name="Slide Image Placeholder 1"/>
+          <p:cNvSpPr>
+            <a:spLocks noGrp="1" noRot="1" noChangeAspect="1"/>
+          </p:cNvSpPr>
+          <p:nvPr>
+            <p:ph type="sldImg"/>
+          </p:nvPr>
+        </p:nvSpPr>
+        <p:spPr/>
+      </p:sp>
+      <p:sp>
+        <p:nvSpPr>
+          <p:cNvPr id="3" name="Notes Placeholder 2"/>
+          <p:cNvSpPr>
+            <a:spLocks noGrp="1"/>
+          </p:cNvSpPr>
+          <p:nvPr>
+            <p:ph type="body" idx="1"/>
+          </p:nvPr>
+        </p:nvSpPr>
+        <p:spPr/>
+        <p:txBody>
+          <a:bodyPr/>
+          <a:lstStyle/>
+          <a:p>
+            <a:r>
+              <a:rPr lang="en-US" dirty="0" smtClean="0"/>
+              <a:t>The solution for this is a </a:t>
+            </a:r>
+            <a:br>
+              <a:rPr lang="en-US" dirty="0" smtClean="0"/>
+            </a:br>
+            <a:r>
+              <a:rPr lang="en-US" dirty="0" smtClean="0"/>
+              <a:t>rarefaction curve: </a:t>
+            </a:r>
+          </a:p>
+          <a:p>
+            <a:endParaRPr lang="en-US" dirty="0" smtClean="0"/>
+          </a:p>
+          <a:p>
+            <a:r>
+              <a:rPr lang="en-US" dirty="0" smtClean="0"/>
+              <a:t>But results may differ depending </a:t>
+            </a:r>
+            <a:br>
+              <a:rPr lang="en-US" dirty="0" smtClean="0"/>
+            </a:br>
+            <a:r>
+              <a:rPr lang="en-US" dirty="0" smtClean="0"/>
+              <a:t>on how you rarefy</a:t>
+            </a:r>
+          </a:p>
+          <a:p>
+            <a:r>
+              <a:rPr lang="en-US" dirty="0" smtClean="0"/>
+              <a:t>Standardizing data sets by area or sampling effort may produce very different results compared to standardizing by number of individuals collected, and it is not always clear which measure of diversity is more appropriate. Asymptotic richness estimators provide lower-bound estimates for taxon-rich groups such as tropical arthropods, in which observed richness rarely reaches an asymptote, despite intensive sampling.</a:t>
+            </a:r>
+            <a:endParaRPr lang="en-US" dirty="0"/>
+          </a:p>
+        </p:txBody>
+      </p:sp>
+      <p:sp>
+        <p:nvSpPr>
+          <p:cNvPr id="4" name="Slide Number Placeholder 3"/>
+          <p:cNvSpPr>
+            <a:spLocks noGrp="1"/>
+          </p:cNvSpPr>
+          <p:nvPr>
+            <p:ph type="sldNum" sz="quarter" idx="10"/>
+          </p:nvPr>
+        </p:nvSpPr>
+        <p:spPr/>
+        <p:txBody>
+          <a:bodyPr/>
+          <a:lstStyle/>
+          <a:p>
+            <a:fld id="{A0309D27-C847-6442-B1B3-8E323062575D}" type="slidenum">
+              <a:rPr lang="en-US" smtClean="0"/>
+              <a:t>5</a:t>
+            </a:fld>
+            <a:endParaRPr lang="en-US"/>
+          </a:p>
+        </p:txBody>
+      </p:sp>
+    </p:spTree>
+    <p:extLst>
+      <p:ext uri="{BB962C8B-B14F-4D97-AF65-F5344CB8AC3E}">
+        <p14:creationId xmlns:p14="http://schemas.microsoft.com/office/powerpoint/2010/main" val="953122714"/>
+      </p:ext>
+    </p:extLst>
+  </p:cSld>
+  <p:clrMapOvr>
+    <a:masterClrMapping/>
+  </p:clrMapOvr>
+</p:notes>
+</file>
+
+<file path=ppt/notesSlides/notesSlide2.xml><?xml version="1.0" encoding="utf-8"?>
+<p:notes xmlns:a="http://schemas.openxmlformats.org/drawingml/2006/main" xmlns:r="http://schemas.openxmlformats.org/officeDocument/2006/relationships" xmlns:p="http://schemas.openxmlformats.org/presentationml/2006/main">
+  <p:cSld>
+    <p:spTree>
+      <p:nvGrpSpPr>
+        <p:cNvPr id="1" name=""/>
+        <p:cNvGrpSpPr/>
+        <p:nvPr/>
+      </p:nvGrpSpPr>
+      <p:grpSpPr>
+        <a:xfrm>
+          <a:off x="0" y="0"/>
+          <a:ext cx="0" cy="0"/>
+          <a:chOff x="0" y="0"/>
+          <a:chExt cx="0" cy="0"/>
+        </a:xfrm>
+      </p:grpSpPr>
+      <p:sp>
+        <p:nvSpPr>
+          <p:cNvPr id="2" name="Slide Image Placeholder 1"/>
+          <p:cNvSpPr>
+            <a:spLocks noGrp="1" noRot="1" noChangeAspect="1"/>
+          </p:cNvSpPr>
+          <p:nvPr>
+            <p:ph type="sldImg"/>
+          </p:nvPr>
+        </p:nvSpPr>
+        <p:spPr/>
+      </p:sp>
+      <p:sp>
+        <p:nvSpPr>
+          <p:cNvPr id="3" name="Notes Placeholder 2"/>
+          <p:cNvSpPr>
+            <a:spLocks noGrp="1"/>
+          </p:cNvSpPr>
+          <p:nvPr>
+            <p:ph type="body" idx="1"/>
+          </p:nvPr>
+        </p:nvSpPr>
+        <p:spPr/>
+        <p:txBody>
+          <a:bodyPr/>
+          <a:lstStyle/>
+          <a:p>
+            <a:pPr marL="0" marR="0" indent="0" algn="l" defTabSz="914400" rtl="0" eaLnBrk="1" fontAlgn="auto" latinLnBrk="0" hangingPunct="1">
+              <a:lnSpc>
+                <a:spcPct val="100000"/>
+              </a:lnSpc>
+              <a:spcBef>
+                <a:spcPts val="0"/>
+              </a:spcBef>
+              <a:spcAft>
+                <a:spcPts val="0"/>
+              </a:spcAft>
+              <a:buClrTx/>
+              <a:buSzTx/>
+              <a:buFontTx/>
+              <a:buNone/>
+              <a:tabLst/>
+              <a:defRPr/>
+            </a:pPr>
+            <a:r>
+              <a:rPr lang="en-US" dirty="0" smtClean="0"/>
+              <a:t>. Numbers of individuals (i.e., density effects)</a:t>
+            </a:r>
+            <a:br>
+              <a:rPr lang="en-US" dirty="0" smtClean="0"/>
+            </a:br>
+            <a:r>
+              <a:rPr lang="en-US" dirty="0" smtClean="0"/>
+              <a:t>2. The distribution of rarity and commonness (i.e., the SAD) </a:t>
+            </a:r>
+            <a:br>
+              <a:rPr lang="en-US" dirty="0" smtClean="0"/>
+            </a:br>
+            <a:r>
+              <a:rPr lang="en-US" dirty="0" smtClean="0"/>
+              <a:t>3. The spatial patchiness or aggregation of conspecifics. </a:t>
+            </a:r>
+            <a:endParaRPr lang="en-US" dirty="0" smtClean="0">
+              <a:effectLst/>
+            </a:endParaRPr>
+          </a:p>
+          <a:p>
+            <a:endParaRPr lang="en-US" dirty="0"/>
+          </a:p>
+        </p:txBody>
+      </p:sp>
+      <p:sp>
+        <p:nvSpPr>
+          <p:cNvPr id="4" name="Slide Number Placeholder 3"/>
+          <p:cNvSpPr>
+            <a:spLocks noGrp="1"/>
+          </p:cNvSpPr>
+          <p:nvPr>
+            <p:ph type="sldNum" sz="quarter" idx="10"/>
+          </p:nvPr>
+        </p:nvSpPr>
+        <p:spPr/>
+        <p:txBody>
+          <a:bodyPr/>
+          <a:lstStyle/>
+          <a:p>
+            <a:fld id="{A0309D27-C847-6442-B1B3-8E323062575D}" type="slidenum">
+              <a:rPr lang="en-US" smtClean="0"/>
+              <a:t>6</a:t>
+            </a:fld>
+            <a:endParaRPr lang="en-US"/>
+          </a:p>
+        </p:txBody>
+      </p:sp>
+    </p:spTree>
+    <p:extLst>
+      <p:ext uri="{BB962C8B-B14F-4D97-AF65-F5344CB8AC3E}">
+        <p14:creationId xmlns:p14="http://schemas.microsoft.com/office/powerpoint/2010/main" val="433505111"/>
+      </p:ext>
+    </p:extLst>
+  </p:cSld>
+  <p:clrMapOvr>
+    <a:masterClrMapping/>
+  </p:clrMapOvr>
+</p:notes>
+</file>
+
+<file path=ppt/notesSlides/notesSlide3.xml><?xml version="1.0" encoding="utf-8"?>
+<p:notes xmlns:a="http://schemas.openxmlformats.org/drawingml/2006/main" xmlns:r="http://schemas.openxmlformats.org/officeDocument/2006/relationships" xmlns:p="http://schemas.openxmlformats.org/presentationml/2006/main">
+  <p:cSld>
+    <p:spTree>
+      <p:nvGrpSpPr>
+        <p:cNvPr id="1" name=""/>
+        <p:cNvGrpSpPr/>
+        <p:nvPr/>
+      </p:nvGrpSpPr>
+      <p:grpSpPr>
+        <a:xfrm>
+          <a:off x="0" y="0"/>
+          <a:ext cx="0" cy="0"/>
+          <a:chOff x="0" y="0"/>
+          <a:chExt cx="0" cy="0"/>
+        </a:xfrm>
+      </p:grpSpPr>
+      <p:sp>
+        <p:nvSpPr>
+          <p:cNvPr id="2" name="Slide Image Placeholder 1"/>
+          <p:cNvSpPr>
+            <a:spLocks noGrp="1" noRot="1" noChangeAspect="1"/>
+          </p:cNvSpPr>
+          <p:nvPr>
+            <p:ph type="sldImg"/>
+          </p:nvPr>
+        </p:nvSpPr>
+        <p:spPr/>
+      </p:sp>
+      <p:sp>
+        <p:nvSpPr>
+          <p:cNvPr id="3" name="Notes Placeholder 2"/>
+          <p:cNvSpPr>
+            <a:spLocks noGrp="1"/>
+          </p:cNvSpPr>
+          <p:nvPr>
+            <p:ph type="body" idx="1"/>
+          </p:nvPr>
+        </p:nvSpPr>
+        <p:spPr/>
+        <p:txBody>
+          <a:bodyPr/>
+          <a:lstStyle/>
+          <a:p>
+            <a:r>
+              <a:rPr lang="en-US" dirty="0" smtClean="0"/>
+              <a:t>Creators of the package aimed to make it as close to click and point as possible</a:t>
+            </a:r>
+          </a:p>
+          <a:p>
+            <a:r>
+              <a:rPr lang="en-US" dirty="0" smtClean="0"/>
+              <a:t>Because so much happens backstage, and it</a:t>
+            </a:r>
+            <a:r>
+              <a:rPr lang="mr-IN" dirty="0" smtClean="0"/>
+              <a:t>’</a:t>
+            </a:r>
+            <a:r>
+              <a:rPr lang="en-US" dirty="0" smtClean="0"/>
+              <a:t>s a new package, this means that when you have a problem it’s almost impossible to troubleshoot</a:t>
+            </a:r>
+          </a:p>
+          <a:p>
+            <a:endParaRPr lang="en-US" dirty="0" smtClean="0"/>
+          </a:p>
+          <a:p>
+            <a:r>
+              <a:rPr lang="en-US" dirty="0" smtClean="0"/>
+              <a:t>My aim is to bring forward the code behind the package, apply to my data, and annotate to be able to find problems</a:t>
+            </a:r>
+          </a:p>
+          <a:p>
+            <a:endParaRPr lang="en-US" dirty="0"/>
+          </a:p>
+        </p:txBody>
+      </p:sp>
+      <p:sp>
+        <p:nvSpPr>
+          <p:cNvPr id="4" name="Slide Number Placeholder 3"/>
+          <p:cNvSpPr>
+            <a:spLocks noGrp="1"/>
+          </p:cNvSpPr>
+          <p:nvPr>
+            <p:ph type="sldNum" sz="quarter" idx="10"/>
+          </p:nvPr>
+        </p:nvSpPr>
+        <p:spPr/>
+        <p:txBody>
+          <a:bodyPr/>
+          <a:lstStyle/>
+          <a:p>
+            <a:fld id="{A0309D27-C847-6442-B1B3-8E323062575D}" type="slidenum">
+              <a:rPr lang="en-US" smtClean="0"/>
+              <a:t>8</a:t>
+            </a:fld>
+            <a:endParaRPr lang="en-US"/>
+          </a:p>
+        </p:txBody>
+      </p:sp>
+    </p:spTree>
+    <p:extLst>
+      <p:ext uri="{BB962C8B-B14F-4D97-AF65-F5344CB8AC3E}">
+        <p14:creationId xmlns:p14="http://schemas.microsoft.com/office/powerpoint/2010/main" val="483991748"/>
+      </p:ext>
+    </p:extLst>
+  </p:cSld>
+  <p:clrMapOvr>
+    <a:masterClrMapping/>
+  </p:clrMapOvr>
+</p:notes>
+</file>
+
+<file path=ppt/notesSlides/notesSlide4.xml><?xml version="1.0" encoding="utf-8"?>
+<p:notes xmlns:a="http://schemas.openxmlformats.org/drawingml/2006/main" xmlns:r="http://schemas.openxmlformats.org/officeDocument/2006/relationships" xmlns:p="http://schemas.openxmlformats.org/presentationml/2006/main">
+  <p:cSld>
+    <p:spTree>
+      <p:nvGrpSpPr>
+        <p:cNvPr id="1" name=""/>
+        <p:cNvGrpSpPr/>
+        <p:nvPr/>
+      </p:nvGrpSpPr>
+      <p:grpSpPr>
+        <a:xfrm>
+          <a:off x="0" y="0"/>
+          <a:ext cx="0" cy="0"/>
+          <a:chOff x="0" y="0"/>
+          <a:chExt cx="0" cy="0"/>
+        </a:xfrm>
+      </p:grpSpPr>
+      <p:sp>
+        <p:nvSpPr>
+          <p:cNvPr id="2" name="Slide Image Placeholder 1"/>
+          <p:cNvSpPr>
+            <a:spLocks noGrp="1" noRot="1" noChangeAspect="1"/>
+          </p:cNvSpPr>
+          <p:nvPr>
+            <p:ph type="sldImg"/>
+          </p:nvPr>
+        </p:nvSpPr>
+        <p:spPr/>
+      </p:sp>
+      <p:sp>
+        <p:nvSpPr>
+          <p:cNvPr id="3" name="Notes Placeholder 2"/>
+          <p:cNvSpPr>
+            <a:spLocks noGrp="1"/>
+          </p:cNvSpPr>
+          <p:nvPr>
+            <p:ph type="body" idx="1"/>
+          </p:nvPr>
+        </p:nvSpPr>
+        <p:spPr/>
+        <p:txBody>
+          <a:bodyPr/>
+          <a:lstStyle/>
+          <a:p>
+            <a:r>
+              <a:rPr lang="en-US" dirty="0" smtClean="0"/>
+              <a:t>Of course when I code similar functions,</a:t>
+            </a:r>
+            <a:r>
+              <a:rPr lang="en-US" baseline="0" dirty="0" smtClean="0"/>
+              <a:t> I will omit creating the side code that helps it troubleshoot and assume you do this with data that it works with. </a:t>
+            </a:r>
+          </a:p>
+          <a:p>
+            <a:endParaRPr lang="en-US" baseline="0" dirty="0" smtClean="0"/>
+          </a:p>
+          <a:p>
+            <a:r>
+              <a:rPr lang="en-US" sz="1200" kern="1200" dirty="0" smtClean="0">
+                <a:solidFill>
+                  <a:schemeClr val="tx1"/>
+                </a:solidFill>
+                <a:effectLst/>
+                <a:latin typeface="+mn-lt"/>
+                <a:ea typeface="+mn-ea"/>
+                <a:cs typeface="+mn-cs"/>
+              </a:rPr>
+              <a:t>However, individuals are almost never randomly distributed in space, either due to heterogeneity of environmental factors or non-random dispersal of individuals. Thus, it is necessary to develop rarefaction methods that account for such non-random distributions. </a:t>
+            </a:r>
+            <a:endParaRPr lang="en-US" dirty="0"/>
+          </a:p>
+        </p:txBody>
+      </p:sp>
+      <p:sp>
+        <p:nvSpPr>
+          <p:cNvPr id="4" name="Slide Number Placeholder 3"/>
+          <p:cNvSpPr>
+            <a:spLocks noGrp="1"/>
+          </p:cNvSpPr>
+          <p:nvPr>
+            <p:ph type="sldNum" sz="quarter" idx="10"/>
+          </p:nvPr>
+        </p:nvSpPr>
+        <p:spPr/>
+        <p:txBody>
+          <a:bodyPr/>
+          <a:lstStyle/>
+          <a:p>
+            <a:fld id="{A0309D27-C847-6442-B1B3-8E323062575D}" type="slidenum">
+              <a:rPr lang="en-US" smtClean="0"/>
+              <a:t>9</a:t>
+            </a:fld>
+            <a:endParaRPr lang="en-US"/>
+          </a:p>
+        </p:txBody>
+      </p:sp>
+    </p:spTree>
+    <p:extLst>
+      <p:ext uri="{BB962C8B-B14F-4D97-AF65-F5344CB8AC3E}">
+        <p14:creationId xmlns:p14="http://schemas.microsoft.com/office/powerpoint/2010/main" val="1075109885"/>
+      </p:ext>
+    </p:extLst>
+  </p:cSld>
+  <p:clrMapOvr>
+    <a:masterClrMapping/>
+  </p:clrMapOvr>
+</p:notes>
 </file>
 
 <file path=ppt/slideLayouts/slideLayout1.xml><?xml version="1.0" encoding="utf-8"?>
@@ -2988,7 +3803,11 @@
           <a:bodyPr/>
           <a:lstStyle/>
           <a:p>
-            <a:endParaRPr lang="en-US"/>
+            <a:r>
+              <a:rPr lang="en-US" dirty="0" smtClean="0"/>
+              <a:t>Understanding species richness and rarefaction</a:t>
+            </a:r>
+            <a:endParaRPr lang="en-US" dirty="0"/>
           </a:p>
         </p:txBody>
       </p:sp>
@@ -3007,7 +3826,20 @@
           <a:bodyPr/>
           <a:lstStyle/>
           <a:p>
-            <a:endParaRPr lang="en-US"/>
+            <a:endParaRPr lang="en-US" dirty="0" smtClean="0"/>
+          </a:p>
+          <a:p>
+            <a:r>
+              <a:rPr lang="en-US" dirty="0" smtClean="0"/>
+              <a:t>Proposal project BIOL709b</a:t>
+            </a:r>
+          </a:p>
+          <a:p>
+            <a:r>
+              <a:rPr lang="en-US" dirty="0" smtClean="0"/>
+              <a:t>Elske Tielens</a:t>
+            </a:r>
+            <a:endParaRPr lang="en-US" dirty="0"/>
           </a:p>
         </p:txBody>
       </p:sp>
@@ -3015,78 +3847,6 @@
     <p:extLst>
       <p:ext uri="{BB962C8B-B14F-4D97-AF65-F5344CB8AC3E}">
         <p14:creationId xmlns:p14="http://schemas.microsoft.com/office/powerpoint/2010/main" val="932379806"/>
-      </p:ext>
-    </p:extLst>
-  </p:cSld>
-  <p:clrMapOvr>
-    <a:masterClrMapping/>
-  </p:clrMapOvr>
-</p:sld>
-</file>
-
-<file path=ppt/slides/slide10.xml><?xml version="1.0" encoding="utf-8"?>
-<p:sld xmlns:a="http://schemas.openxmlformats.org/drawingml/2006/main" xmlns:r="http://schemas.openxmlformats.org/officeDocument/2006/relationships" xmlns:p="http://schemas.openxmlformats.org/presentationml/2006/main">
-  <p:cSld>
-    <p:spTree>
-      <p:nvGrpSpPr>
-        <p:cNvPr id="1" name=""/>
-        <p:cNvGrpSpPr/>
-        <p:nvPr/>
-      </p:nvGrpSpPr>
-      <p:grpSpPr>
-        <a:xfrm>
-          <a:off x="0" y="0"/>
-          <a:ext cx="0" cy="0"/>
-          <a:chOff x="0" y="0"/>
-          <a:chExt cx="0" cy="0"/>
-        </a:xfrm>
-      </p:grpSpPr>
-      <p:sp>
-        <p:nvSpPr>
-          <p:cNvPr id="2" name="Title 1"/>
-          <p:cNvSpPr>
-            <a:spLocks noGrp="1"/>
-          </p:cNvSpPr>
-          <p:nvPr>
-            <p:ph type="title"/>
-          </p:nvPr>
-        </p:nvSpPr>
-        <p:spPr/>
-        <p:txBody>
-          <a:bodyPr/>
-          <a:lstStyle/>
-          <a:p>
-            <a:endParaRPr lang="en-US"/>
-          </a:p>
-        </p:txBody>
-      </p:sp>
-      <p:sp>
-        <p:nvSpPr>
-          <p:cNvPr id="3" name="Content Placeholder 2"/>
-          <p:cNvSpPr>
-            <a:spLocks noGrp="1"/>
-          </p:cNvSpPr>
-          <p:nvPr>
-            <p:ph idx="1"/>
-          </p:nvPr>
-        </p:nvSpPr>
-        <p:spPr/>
-        <p:txBody>
-          <a:bodyPr/>
-          <a:lstStyle/>
-          <a:p>
-            <a:r>
-              <a:rPr lang="en-US" dirty="0" smtClean="0"/>
-              <a:t>approach</a:t>
-            </a:r>
-            <a:endParaRPr lang="en-US" dirty="0"/>
-          </a:p>
-        </p:txBody>
-      </p:sp>
-    </p:spTree>
-    <p:extLst>
-      <p:ext uri="{BB962C8B-B14F-4D97-AF65-F5344CB8AC3E}">
-        <p14:creationId xmlns:p14="http://schemas.microsoft.com/office/powerpoint/2010/main" val="1940931787"/>
       </p:ext>
     </p:extLst>
   </p:cSld>
@@ -3115,7 +3875,7 @@
       </p:grpSpPr>
       <p:sp>
         <p:nvSpPr>
-          <p:cNvPr id="2" name="Title 1"/>
+          <p:cNvPr id="5" name="Title 4"/>
           <p:cNvSpPr>
             <a:spLocks noGrp="1"/>
           </p:cNvSpPr>
@@ -3132,59 +3892,51 @@
           </a:p>
         </p:txBody>
       </p:sp>
-      <p:sp>
-        <p:nvSpPr>
-          <p:cNvPr id="3" name="Content Placeholder 2"/>
-          <p:cNvSpPr>
-            <a:spLocks noGrp="1"/>
-          </p:cNvSpPr>
-          <p:nvPr>
-            <p:ph idx="1"/>
-          </p:nvPr>
-        </p:nvSpPr>
-        <p:spPr/>
-        <p:txBody>
-          <a:bodyPr/>
-          <a:lstStyle/>
-          <a:p>
-            <a:r>
-              <a:rPr lang="en-US" dirty="0" smtClean="0">
-                <a:effectLst/>
-              </a:rPr>
-              <a:t>For next week, presentation of group project</a:t>
-            </a:r>
-          </a:p>
-          <a:p>
-            <a:r>
-              <a:rPr lang="en-US" dirty="0" smtClean="0"/>
-              <a:t>Present biological problem and also workflow, what are the steps both in stats and coding that you need to do</a:t>
-            </a:r>
-          </a:p>
-          <a:p>
-            <a:r>
-              <a:rPr lang="en-US" dirty="0" smtClean="0"/>
-              <a:t/>
-            </a:r>
-            <a:br>
-              <a:rPr lang="en-US" dirty="0" smtClean="0"/>
-            </a:br>
-            <a:endParaRPr lang="en-US" dirty="0" smtClean="0"/>
-          </a:p>
-          <a:p>
-            <a:r>
-              <a:rPr lang="en-US" dirty="0" smtClean="0"/>
-              <a:t>Final slide should have box and arrow chart</a:t>
-            </a:r>
-          </a:p>
-          <a:p>
-            <a:endParaRPr lang="en-US" dirty="0"/>
-          </a:p>
-        </p:txBody>
-      </p:sp>
+      <p:pic>
+        <p:nvPicPr>
+          <p:cNvPr id="5122" name="Picture 2" descr="/var/folders/1k/frw0hb79133_p4hnc2v2_vtc0000gn/T/com.microsoft.Powerpoint/WebArchiveCopyPasteTempFiles/p3495"/>
+          <p:cNvPicPr>
+            <a:picLocks noChangeAspect="1" noChangeArrowheads="1"/>
+          </p:cNvPicPr>
+          <p:nvPr/>
+        </p:nvPicPr>
+        <p:blipFill>
+          <a:blip r:embed="rId2">
+            <a:extLst>
+              <a:ext uri="{28A0092B-C50C-407E-A947-70E740481C1C}">
+                <a14:useLocalDpi xmlns:a14="http://schemas.microsoft.com/office/drawing/2010/main" val="0"/>
+              </a:ext>
+            </a:extLst>
+          </a:blip>
+          <a:srcRect/>
+          <a:stretch>
+            <a:fillRect/>
+          </a:stretch>
+        </p:blipFill>
+        <p:spPr bwMode="auto">
+          <a:xfrm>
+            <a:off x="1863042" y="1690688"/>
+            <a:ext cx="8465916" cy="4742481"/>
+          </a:xfrm>
+          <a:prstGeom prst="rect">
+            <a:avLst/>
+          </a:prstGeom>
+          <a:noFill/>
+          <a:extLst>
+            <a:ext uri="{909E8E84-426E-40DD-AFC4-6F175D3DCCD1}">
+              <a14:hiddenFill xmlns:a14="http://schemas.microsoft.com/office/drawing/2010/main">
+                <a:solidFill>
+                  <a:srgbClr val="FFFFFF"/>
+                </a:solidFill>
+              </a14:hiddenFill>
+            </a:ext>
+          </a:extLst>
+        </p:spPr>
+      </p:pic>
     </p:spTree>
     <p:extLst>
       <p:ext uri="{BB962C8B-B14F-4D97-AF65-F5344CB8AC3E}">
-        <p14:creationId xmlns:p14="http://schemas.microsoft.com/office/powerpoint/2010/main" val="319227283"/>
+        <p14:creationId xmlns:p14="http://schemas.microsoft.com/office/powerpoint/2010/main" val="838795175"/>
       </p:ext>
     </p:extLst>
   </p:cSld>
@@ -3226,50 +3978,106 @@
           <a:bodyPr/>
           <a:lstStyle/>
           <a:p>
+            <a:endParaRPr lang="en-US"/>
+          </a:p>
+        </p:txBody>
+      </p:sp>
+      <p:sp>
+        <p:nvSpPr>
+          <p:cNvPr id="3" name="Content Placeholder 2"/>
+          <p:cNvSpPr>
+            <a:spLocks noGrp="1"/>
+          </p:cNvSpPr>
+          <p:nvPr>
+            <p:ph idx="1"/>
+          </p:nvPr>
+        </p:nvSpPr>
+        <p:spPr/>
+        <p:txBody>
+          <a:bodyPr/>
+          <a:lstStyle/>
+          <a:p>
+            <a:endParaRPr lang="en-US"/>
+          </a:p>
+        </p:txBody>
+      </p:sp>
+      <p:pic>
+        <p:nvPicPr>
+          <p:cNvPr id="3074" name="Picture 2" descr="mage result for transect sampling"/>
+          <p:cNvPicPr>
+            <a:picLocks noChangeAspect="1" noChangeArrowheads="1"/>
+          </p:cNvPicPr>
+          <p:nvPr/>
+        </p:nvPicPr>
+        <p:blipFill rotWithShape="1">
+          <a:blip r:embed="rId2">
+            <a:extLst>
+              <a:ext uri="{28A0092B-C50C-407E-A947-70E740481C1C}">
+                <a14:useLocalDpi xmlns:a14="http://schemas.microsoft.com/office/drawing/2010/main" val="0"/>
+              </a:ext>
+            </a:extLst>
+          </a:blip>
+          <a:srcRect t="51486"/>
+          <a:stretch/>
+        </p:blipFill>
+        <p:spPr bwMode="auto">
+          <a:xfrm>
+            <a:off x="1859796" y="3239145"/>
+            <a:ext cx="8741201" cy="2743200"/>
+          </a:xfrm>
+          <a:prstGeom prst="rect">
+            <a:avLst/>
+          </a:prstGeom>
+          <a:noFill/>
+          <a:extLst>
+            <a:ext uri="{909E8E84-426E-40DD-AFC4-6F175D3DCCD1}">
+              <a14:hiddenFill xmlns:a14="http://schemas.microsoft.com/office/drawing/2010/main">
+                <a:solidFill>
+                  <a:srgbClr val="FFFFFF"/>
+                </a:solidFill>
+              </a14:hiddenFill>
+            </a:ext>
+          </a:extLst>
+        </p:spPr>
+      </p:pic>
+      <p:sp>
+        <p:nvSpPr>
+          <p:cNvPr id="4" name="TextBox 3"/>
+          <p:cNvSpPr txBox="1"/>
+          <p:nvPr/>
+        </p:nvSpPr>
+        <p:spPr>
+          <a:xfrm>
+            <a:off x="8444756" y="6488668"/>
+            <a:ext cx="3747244" cy="369332"/>
+          </a:xfrm>
+          <a:prstGeom prst="rect">
+            <a:avLst/>
+          </a:prstGeom>
+          <a:noFill/>
+        </p:spPr>
+        <p:txBody>
+          <a:bodyPr wrap="none" rtlCol="0">
+            <a:spAutoFit/>
+          </a:bodyPr>
+          <a:lstStyle/>
+          <a:p>
             <a:r>
               <a:rPr lang="en-US" dirty="0" smtClean="0"/>
-              <a:t>Biological question</a:t>
-            </a:r>
-            <a:endParaRPr lang="en-US" dirty="0"/>
-          </a:p>
-        </p:txBody>
-      </p:sp>
-      <p:sp>
-        <p:nvSpPr>
-          <p:cNvPr id="3" name="Content Placeholder 2"/>
-          <p:cNvSpPr>
-            <a:spLocks noGrp="1"/>
-          </p:cNvSpPr>
-          <p:nvPr>
-            <p:ph idx="1"/>
-          </p:nvPr>
-        </p:nvSpPr>
-        <p:spPr/>
-        <p:txBody>
-          <a:bodyPr/>
-          <a:lstStyle/>
-          <a:p>
-            <a:r>
-              <a:rPr lang="en-US" dirty="0" smtClean="0"/>
-              <a:t>Why are there so many species?</a:t>
-            </a:r>
-          </a:p>
-          <a:p>
-            <a:endParaRPr lang="en-US" dirty="0"/>
-          </a:p>
-          <a:p>
-            <a:r>
-              <a:rPr lang="en-US" dirty="0" smtClean="0"/>
-              <a:t>What does this number of species richness really mean?</a:t>
-            </a:r>
-            <a:endParaRPr lang="en-US" dirty="0"/>
+              <a:t>From: Pinterest, user </a:t>
+            </a:r>
+            <a:r>
+              <a:rPr lang="en-US" smtClean="0"/>
+              <a:t>The Educationist</a:t>
+            </a:r>
+            <a:endParaRPr lang="en-US"/>
           </a:p>
         </p:txBody>
       </p:sp>
     </p:spTree>
     <p:extLst>
       <p:ext uri="{BB962C8B-B14F-4D97-AF65-F5344CB8AC3E}">
-        <p14:creationId xmlns:p14="http://schemas.microsoft.com/office/powerpoint/2010/main" val="838795175"/>
+        <p14:creationId xmlns:p14="http://schemas.microsoft.com/office/powerpoint/2010/main" val="695719949"/>
       </p:ext>
     </p:extLst>
   </p:cSld>
@@ -3311,58 +4119,116 @@
           <a:bodyPr/>
           <a:lstStyle/>
           <a:p>
+            <a:endParaRPr lang="en-US"/>
+          </a:p>
+        </p:txBody>
+      </p:sp>
+      <p:sp>
+        <p:nvSpPr>
+          <p:cNvPr id="3" name="Content Placeholder 2"/>
+          <p:cNvSpPr>
+            <a:spLocks noGrp="1"/>
+          </p:cNvSpPr>
+          <p:nvPr>
+            <p:ph idx="1"/>
+          </p:nvPr>
+        </p:nvSpPr>
+        <p:spPr/>
+        <p:txBody>
+          <a:bodyPr/>
+          <a:lstStyle/>
+          <a:p>
+            <a:r>
+              <a:rPr lang="en-US" dirty="0" smtClean="0"/>
+              <a:t>Sampling is not complete</a:t>
+            </a:r>
+          </a:p>
+          <a:p>
+            <a:r>
+              <a:rPr lang="en-US" dirty="0" smtClean="0"/>
+              <a:t>Spatial autocorrelation</a:t>
+            </a:r>
             <a:endParaRPr lang="en-US" dirty="0"/>
           </a:p>
         </p:txBody>
       </p:sp>
-      <p:sp>
-        <p:nvSpPr>
-          <p:cNvPr id="3" name="Content Placeholder 2"/>
-          <p:cNvSpPr>
-            <a:spLocks noGrp="1"/>
-          </p:cNvSpPr>
-          <p:nvPr>
-            <p:ph idx="1"/>
-          </p:nvPr>
-        </p:nvSpPr>
-        <p:spPr/>
-        <p:txBody>
-          <a:bodyPr/>
+      <p:pic>
+        <p:nvPicPr>
+          <p:cNvPr id="3074" name="Picture 2" descr="mage result for transect sampling"/>
+          <p:cNvPicPr>
+            <a:picLocks noChangeAspect="1" noChangeArrowheads="1"/>
+          </p:cNvPicPr>
+          <p:nvPr/>
+        </p:nvPicPr>
+        <p:blipFill rotWithShape="1">
+          <a:blip r:embed="rId2">
+            <a:extLst>
+              <a:ext uri="{28A0092B-C50C-407E-A947-70E740481C1C}">
+                <a14:useLocalDpi xmlns:a14="http://schemas.microsoft.com/office/drawing/2010/main" val="0"/>
+              </a:ext>
+            </a:extLst>
+          </a:blip>
+          <a:srcRect t="51486"/>
+          <a:stretch/>
+        </p:blipFill>
+        <p:spPr bwMode="auto">
+          <a:xfrm>
+            <a:off x="1859796" y="3239145"/>
+            <a:ext cx="8741201" cy="2743200"/>
+          </a:xfrm>
+          <a:prstGeom prst="rect">
+            <a:avLst/>
+          </a:prstGeom>
+          <a:noFill/>
+          <a:extLst>
+            <a:ext uri="{909E8E84-426E-40DD-AFC4-6F175D3DCCD1}">
+              <a14:hiddenFill xmlns:a14="http://schemas.microsoft.com/office/drawing/2010/main">
+                <a:solidFill>
+                  <a:srgbClr val="FFFFFF"/>
+                </a:solidFill>
+              </a14:hiddenFill>
+            </a:ext>
+          </a:extLst>
+        </p:spPr>
+      </p:pic>
+      <p:sp>
+        <p:nvSpPr>
+          <p:cNvPr id="4" name="TextBox 3"/>
+          <p:cNvSpPr txBox="1"/>
+          <p:nvPr/>
+        </p:nvSpPr>
+        <p:spPr>
+          <a:xfrm>
+            <a:off x="8444756" y="6488668"/>
+            <a:ext cx="3747244" cy="369332"/>
+          </a:xfrm>
+          <a:prstGeom prst="rect">
+            <a:avLst/>
+          </a:prstGeom>
+          <a:noFill/>
+        </p:spPr>
+        <p:txBody>
+          <a:bodyPr wrap="none" rtlCol="0">
+            <a:spAutoFit/>
+          </a:bodyPr>
           <a:lstStyle/>
           <a:p>
             <a:r>
               <a:rPr lang="en-US" dirty="0" smtClean="0"/>
-              <a:t>The observed richness is not actually the number of species present- because sampling is not complete</a:t>
-            </a:r>
-          </a:p>
-          <a:p>
-            <a:endParaRPr lang="en-US" dirty="0"/>
-          </a:p>
-          <a:p>
-            <a:r>
-              <a:rPr lang="en-US" dirty="0" smtClean="0"/>
-              <a:t>So rarefaction curves</a:t>
-            </a:r>
-          </a:p>
-          <a:p>
-            <a:r>
-              <a:rPr lang="en-US" dirty="0" smtClean="0"/>
-              <a:t>But- both shape and height of rarefaction curve dependent on other things</a:t>
-            </a:r>
-          </a:p>
-          <a:p>
-            <a:r>
-              <a:rPr lang="en-US" smtClean="0"/>
-              <a:t>Examples of the three processes</a:t>
-            </a:r>
-            <a:endParaRPr lang="en-US" dirty="0"/>
+              <a:t>From: Pinterest, user </a:t>
+            </a:r>
+            <a:r>
+              <a:rPr lang="en-US" smtClean="0"/>
+              <a:t>The Educationist</a:t>
+            </a:r>
+            <a:endParaRPr lang="en-US"/>
           </a:p>
         </p:txBody>
       </p:sp>
     </p:spTree>
     <p:extLst>
       <p:ext uri="{BB962C8B-B14F-4D97-AF65-F5344CB8AC3E}">
-        <p14:creationId xmlns:p14="http://schemas.microsoft.com/office/powerpoint/2010/main" val="651254151"/>
+        <p14:creationId xmlns:p14="http://schemas.microsoft.com/office/powerpoint/2010/main" val="31837483"/>
       </p:ext>
     </p:extLst>
   </p:cSld>
@@ -3404,7 +4270,11 @@
           <a:bodyPr/>
           <a:lstStyle/>
           <a:p>
-            <a:endParaRPr lang="en-US"/>
+            <a:r>
+              <a:rPr lang="en-US" dirty="0" smtClean="0"/>
+              <a:t>Solution:</a:t>
+            </a:r>
+            <a:endParaRPr lang="en-US" dirty="0"/>
           </a:p>
         </p:txBody>
       </p:sp>
@@ -3423,7 +4293,82 @@
           <a:bodyPr/>
           <a:lstStyle/>
           <a:p>
-            <a:endParaRPr lang="en-US"/>
+            <a:endParaRPr lang="en-US" dirty="0"/>
+          </a:p>
+        </p:txBody>
+      </p:sp>
+      <p:pic>
+        <p:nvPicPr>
+          <p:cNvPr id="1026" name="Picture 2" descr="/var/folders/1k/frw0hb79133_p4hnc2v2_vtc0000gn/T/com.microsoft.Powerpoint/WebArchiveCopyPasteTempFiles/p3744"/>
+          <p:cNvPicPr>
+            <a:picLocks noChangeAspect="1" noChangeArrowheads="1"/>
+          </p:cNvPicPr>
+          <p:nvPr/>
+        </p:nvPicPr>
+        <p:blipFill>
+          <a:blip r:embed="rId3">
+            <a:extLst>
+              <a:ext uri="{28A0092B-C50C-407E-A947-70E740481C1C}">
+                <a14:useLocalDpi xmlns:a14="http://schemas.microsoft.com/office/drawing/2010/main" val="0"/>
+              </a:ext>
+            </a:extLst>
+          </a:blip>
+          <a:srcRect/>
+          <a:stretch>
+            <a:fillRect/>
+          </a:stretch>
+        </p:blipFill>
+        <p:spPr bwMode="auto">
+          <a:xfrm>
+            <a:off x="3039334" y="139483"/>
+            <a:ext cx="6113332" cy="9744559"/>
+          </a:xfrm>
+          <a:prstGeom prst="rect">
+            <a:avLst/>
+          </a:prstGeom>
+          <a:noFill/>
+          <a:extLst>
+            <a:ext uri="{909E8E84-426E-40DD-AFC4-6F175D3DCCD1}">
+              <a14:hiddenFill xmlns:a14="http://schemas.microsoft.com/office/drawing/2010/main">
+                <a:solidFill>
+                  <a:srgbClr val="FFFFFF"/>
+                </a:solidFill>
+              </a14:hiddenFill>
+            </a:ext>
+          </a:extLst>
+        </p:spPr>
+      </p:pic>
+      <p:sp>
+        <p:nvSpPr>
+          <p:cNvPr id="4" name="TextBox 3"/>
+          <p:cNvSpPr txBox="1"/>
+          <p:nvPr/>
+        </p:nvSpPr>
+        <p:spPr>
+          <a:xfrm>
+            <a:off x="8493072" y="6488668"/>
+            <a:ext cx="3787832" cy="369332"/>
+          </a:xfrm>
+          <a:prstGeom prst="rect">
+            <a:avLst/>
+          </a:prstGeom>
+          <a:noFill/>
+        </p:spPr>
+        <p:txBody>
+          <a:bodyPr wrap="none" rtlCol="0">
+            <a:spAutoFit/>
+          </a:bodyPr>
+          <a:lstStyle/>
+          <a:p>
+            <a:r>
+              <a:rPr lang="en-US" dirty="0" err="1" smtClean="0"/>
+              <a:t>Gotelli</a:t>
+            </a:r>
+            <a:r>
+              <a:rPr lang="en-US" dirty="0" smtClean="0"/>
+              <a:t> &amp; Colwell, Ecology Letters 2001</a:t>
+            </a:r>
+            <a:endParaRPr lang="en-US" dirty="0"/>
           </a:p>
         </p:txBody>
       </p:sp>
@@ -3474,7 +4419,7 @@
           <a:p>
             <a:r>
               <a:rPr lang="en-US" dirty="0" smtClean="0"/>
-              <a:t>Biodiversity varies across scales because:</a:t>
+              <a:t>Observed richness is driven by:</a:t>
             </a:r>
             <a:endParaRPr lang="en-US" dirty="0"/>
           </a:p>
@@ -3497,14 +4442,31 @@
           <a:p>
             <a:r>
               <a:rPr lang="en-US" dirty="0" smtClean="0"/>
-              <a:t>The richness to sampling curve is non linear- and so you can’t extrapolate based on how much you sampled what the richness in a larger sampling area would be</a:t>
-            </a:r>
+              <a:t>Regional richness</a:t>
+            </a:r>
+          </a:p>
+          <a:p>
+            <a:endParaRPr lang="en-US" dirty="0"/>
           </a:p>
           <a:p>
             <a:r>
               <a:rPr lang="en-US" dirty="0" smtClean="0"/>
-              <a:t>Shape of the </a:t>
-            </a:r>
+              <a:t>Number of individuals</a:t>
+            </a:r>
+          </a:p>
+          <a:p>
+            <a:r>
+              <a:rPr lang="en-US" dirty="0" smtClean="0"/>
+              <a:t>Evenness distribution</a:t>
+            </a:r>
+          </a:p>
+          <a:p>
+            <a:r>
+              <a:rPr lang="en-US" dirty="0" smtClean="0"/>
+              <a:t>Aggregation of conspecifics</a:t>
+            </a:r>
+          </a:p>
+          <a:p>
             <a:endParaRPr lang="en-US" dirty="0"/>
           </a:p>
         </p:txBody>
@@ -3512,7 +4474,7 @@
     </p:spTree>
     <p:extLst>
       <p:ext uri="{BB962C8B-B14F-4D97-AF65-F5344CB8AC3E}">
-        <p14:creationId xmlns:p14="http://schemas.microsoft.com/office/powerpoint/2010/main" val="1047422968"/>
+        <p14:creationId xmlns:p14="http://schemas.microsoft.com/office/powerpoint/2010/main" val="1798253038"/>
       </p:ext>
     </p:extLst>
   </p:cSld>
@@ -3554,62 +4516,102 @@
           <a:bodyPr/>
           <a:lstStyle/>
           <a:p>
+            <a:endParaRPr lang="en-US"/>
+          </a:p>
+        </p:txBody>
+      </p:sp>
+      <p:pic>
+        <p:nvPicPr>
+          <p:cNvPr id="6" name="Picture 5"/>
+          <p:cNvPicPr>
+            <a:picLocks noChangeAspect="1"/>
+          </p:cNvPicPr>
+          <p:nvPr/>
+        </p:nvPicPr>
+        <p:blipFill>
+          <a:blip r:embed="rId2">
+            <a:extLst>
+              <a:ext uri="{28A0092B-C50C-407E-A947-70E740481C1C}">
+                <a14:useLocalDpi xmlns:a14="http://schemas.microsoft.com/office/drawing/2010/main" val="0"/>
+              </a:ext>
+            </a:extLst>
+          </a:blip>
+          <a:stretch>
+            <a:fillRect/>
+          </a:stretch>
+        </p:blipFill>
+        <p:spPr>
+          <a:xfrm>
+            <a:off x="501758" y="0"/>
+            <a:ext cx="10116497" cy="6858000"/>
+          </a:xfrm>
+          <a:prstGeom prst="rect">
+            <a:avLst/>
+          </a:prstGeom>
+        </p:spPr>
+      </p:pic>
+      <p:sp>
+        <p:nvSpPr>
+          <p:cNvPr id="7" name="TextBox 6"/>
+          <p:cNvSpPr txBox="1"/>
+          <p:nvPr/>
+        </p:nvSpPr>
+        <p:spPr>
+          <a:xfrm>
+            <a:off x="10703846" y="5301211"/>
+            <a:ext cx="1299908" cy="1384995"/>
+          </a:xfrm>
+          <a:prstGeom prst="rect">
+            <a:avLst/>
+          </a:prstGeom>
+          <a:solidFill>
+            <a:schemeClr val="bg2"/>
+          </a:solidFill>
+          <a:ln>
+            <a:solidFill>
+              <a:schemeClr val="tx1"/>
+            </a:solidFill>
+          </a:ln>
+        </p:spPr>
+        <p:txBody>
+          <a:bodyPr wrap="none" rtlCol="0">
+            <a:spAutoFit/>
+          </a:bodyPr>
+          <a:lstStyle/>
+          <a:p>
             <a:r>
               <a:rPr lang="en-US" dirty="0" smtClean="0"/>
-              <a:t>Observed richness is driven by:</a:t>
-            </a:r>
-            <a:endParaRPr lang="en-US" dirty="0"/>
-          </a:p>
-        </p:txBody>
-      </p:sp>
-      <p:sp>
-        <p:nvSpPr>
-          <p:cNvPr id="3" name="Content Placeholder 2"/>
-          <p:cNvSpPr>
-            <a:spLocks noGrp="1"/>
-          </p:cNvSpPr>
-          <p:nvPr>
-            <p:ph idx="1"/>
-          </p:nvPr>
-        </p:nvSpPr>
-        <p:spPr/>
-        <p:txBody>
-          <a:bodyPr/>
-          <a:lstStyle/>
-          <a:p>
-            <a:r>
-              <a:rPr lang="en-US" dirty="0" smtClean="0"/>
-              <a:t>Regional richness</a:t>
-            </a:r>
-          </a:p>
-          <a:p>
-            <a:endParaRPr lang="en-US" dirty="0"/>
-          </a:p>
-          <a:p>
-            <a:r>
-              <a:rPr lang="en-US" dirty="0" smtClean="0"/>
-              <a:t>Abundance/density</a:t>
-            </a:r>
-          </a:p>
-          <a:p>
-            <a:r>
-              <a:rPr lang="en-US" dirty="0" smtClean="0"/>
-              <a:t>Spatial aggregation</a:t>
-            </a:r>
-          </a:p>
-          <a:p>
-            <a:r>
-              <a:rPr lang="en-US" dirty="0" smtClean="0"/>
-              <a:t>Evenness/SAD</a:t>
-            </a:r>
-            <a:endParaRPr lang="en-US" dirty="0"/>
+              <a:t>Developers:</a:t>
+            </a:r>
+          </a:p>
+          <a:p>
+            <a:endParaRPr lang="en-US" dirty="0" smtClean="0"/>
+          </a:p>
+          <a:p>
+            <a:r>
+              <a:rPr lang="en-US" sz="1600" dirty="0" smtClean="0"/>
+              <a:t>Dan McGlinn</a:t>
+            </a:r>
+          </a:p>
+          <a:p>
+            <a:r>
+              <a:rPr lang="en-US" sz="1600" dirty="0" smtClean="0"/>
+              <a:t>Felix May</a:t>
+            </a:r>
+          </a:p>
+          <a:p>
+            <a:r>
+              <a:rPr lang="en-US" sz="1600" dirty="0" smtClean="0"/>
+              <a:t>Xiao Xiao</a:t>
+            </a:r>
+            <a:endParaRPr lang="en-US" sz="1600" dirty="0"/>
           </a:p>
         </p:txBody>
       </p:sp>
     </p:spTree>
     <p:extLst>
       <p:ext uri="{BB962C8B-B14F-4D97-AF65-F5344CB8AC3E}">
-        <p14:creationId xmlns:p14="http://schemas.microsoft.com/office/powerpoint/2010/main" val="1798253038"/>
+        <p14:creationId xmlns:p14="http://schemas.microsoft.com/office/powerpoint/2010/main" val="495152406"/>
       </p:ext>
     </p:extLst>
   </p:cSld>
@@ -3672,36 +4674,74 @@
           <a:p>
             <a:r>
               <a:rPr lang="en-US" dirty="0" smtClean="0"/>
-              <a:t>Image of system (maybe leave out system in case </a:t>
+              <a:t>Point and click &gt;&gt; true function going </a:t>
             </a:r>
             <a:r>
               <a:rPr lang="en-US" dirty="0" err="1" smtClean="0"/>
-              <a:t>doesn</a:t>
-            </a:r>
-            <a:r>
-              <a:rPr lang="mr-IN" dirty="0" smtClean="0"/>
-              <a:t>’</a:t>
+              <a:t>ons</a:t>
             </a:r>
             <a:r>
               <a:rPr lang="en-US" dirty="0" smtClean="0"/>
-              <a:t>t work for lack of scale differences in </a:t>
-            </a:r>
-            <a:r>
-              <a:rPr lang="en-US" dirty="0" err="1" smtClean="0"/>
-              <a:t>kipuka</a:t>
-            </a:r>
+              <a:t> are hidden</a:t>
+            </a:r>
+          </a:p>
+          <a:p>
+            <a:endParaRPr lang="en-US" dirty="0" smtClean="0"/>
+          </a:p>
+          <a:p>
             <a:r>
               <a:rPr lang="en-US" dirty="0" smtClean="0"/>
-              <a:t>)</a:t>
-            </a:r>
-            <a:endParaRPr lang="en-US" dirty="0"/>
-          </a:p>
-        </p:txBody>
-      </p:sp>
+              <a:t>My aim is to bring forward the code behind the package, apply to my data, and annotate to be able to find problems</a:t>
+            </a:r>
+            <a:endParaRPr lang="en-US" dirty="0" smtClean="0"/>
+          </a:p>
+        </p:txBody>
+      </p:sp>
+      <p:pic>
+        <p:nvPicPr>
+          <p:cNvPr id="2050" name="Picture 2" descr="mage result for pull aside curtain"/>
+          <p:cNvPicPr>
+            <a:picLocks noChangeAspect="1" noChangeArrowheads="1"/>
+          </p:cNvPicPr>
+          <p:nvPr/>
+        </p:nvPicPr>
+        <p:blipFill>
+          <a:blip r:embed="rId3">
+            <a:extLst>
+              <a:ext uri="{28A0092B-C50C-407E-A947-70E740481C1C}">
+                <a14:useLocalDpi xmlns:a14="http://schemas.microsoft.com/office/drawing/2010/main" val="0"/>
+              </a:ext>
+            </a:extLst>
+          </a:blip>
+          <a:srcRect/>
+          <a:stretch>
+            <a:fillRect/>
+          </a:stretch>
+        </p:blipFill>
+        <p:spPr bwMode="auto">
+          <a:xfrm>
+            <a:off x="-918883" y="0"/>
+            <a:ext cx="13110883" cy="6858000"/>
+          </a:xfrm>
+          <a:prstGeom prst="rect">
+            <a:avLst/>
+          </a:prstGeom>
+          <a:noFill/>
+          <a:extLst>
+            <a:ext uri="{909E8E84-426E-40DD-AFC4-6F175D3DCCD1}">
+              <a14:hiddenFill xmlns:a14="http://schemas.microsoft.com/office/drawing/2010/main">
+                <a:solidFill>
+                  <a:srgbClr val="FFFFFF"/>
+                </a:solidFill>
+              </a14:hiddenFill>
+            </a:ext>
+          </a:extLst>
+        </p:spPr>
+      </p:pic>
     </p:spTree>
     <p:extLst>
       <p:ext uri="{BB962C8B-B14F-4D97-AF65-F5344CB8AC3E}">
-        <p14:creationId xmlns:p14="http://schemas.microsoft.com/office/powerpoint/2010/main" val="463870473"/>
+        <p14:creationId xmlns:p14="http://schemas.microsoft.com/office/powerpoint/2010/main" val="1940931787"/>
       </p:ext>
     </p:extLst>
   </p:cSld>
@@ -3730,7 +4770,880 @@
       </p:grpSpPr>
       <p:sp>
         <p:nvSpPr>
-          <p:cNvPr id="2" name="Title 1"/>
+          <p:cNvPr id="9" name="TextBox 8"/>
+          <p:cNvSpPr txBox="1"/>
+          <p:nvPr/>
+        </p:nvSpPr>
+        <p:spPr>
+          <a:xfrm>
+            <a:off x="588936" y="337208"/>
+            <a:ext cx="3130657" cy="646331"/>
+          </a:xfrm>
+          <a:prstGeom prst="rect">
+            <a:avLst/>
+          </a:prstGeom>
+          <a:solidFill>
+            <a:schemeClr val="accent5">
+              <a:lumMod val="60000"/>
+              <a:lumOff val="40000"/>
+            </a:schemeClr>
+          </a:solidFill>
+        </p:spPr>
+        <p:txBody>
+          <a:bodyPr wrap="square" rtlCol="0">
+            <a:spAutoFit/>
+          </a:bodyPr>
+          <a:lstStyle/>
+          <a:p>
+            <a:r>
+              <a:rPr lang="en-US" dirty="0" smtClean="0"/>
+              <a:t>Get data in the right format</a:t>
+            </a:r>
+          </a:p>
+          <a:p>
+            <a:endParaRPr lang="en-US" dirty="0"/>
+          </a:p>
+        </p:txBody>
+      </p:sp>
+      <p:sp>
+        <p:nvSpPr>
+          <p:cNvPr id="10" name="TextBox 9"/>
+          <p:cNvSpPr txBox="1"/>
+          <p:nvPr/>
+        </p:nvSpPr>
+        <p:spPr>
+          <a:xfrm>
+            <a:off x="588936" y="1407062"/>
+            <a:ext cx="3130657" cy="646331"/>
+          </a:xfrm>
+          <a:prstGeom prst="rect">
+            <a:avLst/>
+          </a:prstGeom>
+          <a:solidFill>
+            <a:schemeClr val="accent5">
+              <a:lumMod val="60000"/>
+              <a:lumOff val="40000"/>
+            </a:schemeClr>
+          </a:solidFill>
+        </p:spPr>
+        <p:txBody>
+          <a:bodyPr wrap="square" rtlCol="0">
+            <a:spAutoFit/>
+          </a:bodyPr>
+          <a:lstStyle/>
+          <a:p>
+            <a:r>
+              <a:rPr lang="en-US" dirty="0" smtClean="0"/>
+              <a:t>Exploratory plotting:</a:t>
+            </a:r>
+          </a:p>
+          <a:p>
+            <a:r>
+              <a:rPr lang="en-US" dirty="0" smtClean="0"/>
+              <a:t>Calculate richness, SAD</a:t>
+            </a:r>
+            <a:endParaRPr lang="en-US" dirty="0"/>
+          </a:p>
+        </p:txBody>
+      </p:sp>
+      <p:sp>
+        <p:nvSpPr>
+          <p:cNvPr id="12" name="TextBox 11"/>
+          <p:cNvSpPr txBox="1"/>
+          <p:nvPr/>
+        </p:nvSpPr>
+        <p:spPr>
+          <a:xfrm>
+            <a:off x="588936" y="2678761"/>
+            <a:ext cx="3130657" cy="646331"/>
+          </a:xfrm>
+          <a:prstGeom prst="rect">
+            <a:avLst/>
+          </a:prstGeom>
+          <a:solidFill>
+            <a:schemeClr val="accent5">
+              <a:lumMod val="60000"/>
+              <a:lumOff val="40000"/>
+            </a:schemeClr>
+          </a:solidFill>
+        </p:spPr>
+        <p:txBody>
+          <a:bodyPr wrap="square" rtlCol="0">
+            <a:spAutoFit/>
+          </a:bodyPr>
+          <a:lstStyle/>
+          <a:p>
+            <a:r>
+              <a:rPr lang="en-US" dirty="0" smtClean="0"/>
+              <a:t>Create spatial, </a:t>
+            </a:r>
+            <a:r>
+              <a:rPr lang="en-US" dirty="0" err="1" smtClean="0"/>
+              <a:t>nonspatial</a:t>
+            </a:r>
+            <a:r>
+              <a:rPr lang="en-US" dirty="0" smtClean="0"/>
+              <a:t> </a:t>
+            </a:r>
+          </a:p>
+          <a:p>
+            <a:r>
+              <a:rPr lang="en-US" dirty="0" smtClean="0"/>
+              <a:t>and individual rarefaction curve</a:t>
+            </a:r>
+          </a:p>
+        </p:txBody>
+      </p:sp>
+      <p:sp>
+        <p:nvSpPr>
+          <p:cNvPr id="13" name="TextBox 12"/>
+          <p:cNvSpPr txBox="1"/>
+          <p:nvPr/>
+        </p:nvSpPr>
+        <p:spPr>
+          <a:xfrm>
+            <a:off x="588936" y="3986407"/>
+            <a:ext cx="3130656" cy="923330"/>
+          </a:xfrm>
+          <a:prstGeom prst="rect">
+            <a:avLst/>
+          </a:prstGeom>
+          <a:solidFill>
+            <a:schemeClr val="accent5">
+              <a:lumMod val="60000"/>
+              <a:lumOff val="40000"/>
+            </a:schemeClr>
+          </a:solidFill>
+        </p:spPr>
+        <p:txBody>
+          <a:bodyPr wrap="square" rtlCol="0">
+            <a:spAutoFit/>
+          </a:bodyPr>
+          <a:lstStyle/>
+          <a:p>
+            <a:r>
+              <a:rPr lang="en-US" dirty="0" smtClean="0"/>
+              <a:t>Calculate rarefied richness difference </a:t>
+            </a:r>
+            <a:r>
+              <a:rPr lang="en-US" smtClean="0"/>
+              <a:t>between treatments </a:t>
+            </a:r>
+            <a:r>
+              <a:rPr lang="en-US" dirty="0" smtClean="0"/>
+              <a:t>across samples/individuals</a:t>
+            </a:r>
+            <a:endParaRPr lang="en-US" dirty="0"/>
+          </a:p>
+        </p:txBody>
+      </p:sp>
+      <p:sp>
+        <p:nvSpPr>
+          <p:cNvPr id="14" name="TextBox 13"/>
+          <p:cNvSpPr txBox="1"/>
+          <p:nvPr/>
+        </p:nvSpPr>
+        <p:spPr>
+          <a:xfrm>
+            <a:off x="588936" y="5483665"/>
+            <a:ext cx="3130656" cy="923330"/>
+          </a:xfrm>
+          <a:prstGeom prst="rect">
+            <a:avLst/>
+          </a:prstGeom>
+          <a:solidFill>
+            <a:schemeClr val="accent5">
+              <a:lumMod val="60000"/>
+              <a:lumOff val="40000"/>
+            </a:schemeClr>
+          </a:solidFill>
+        </p:spPr>
+        <p:txBody>
+          <a:bodyPr wrap="square" rtlCol="0">
+            <a:spAutoFit/>
+          </a:bodyPr>
+          <a:lstStyle/>
+          <a:p>
+            <a:r>
+              <a:rPr lang="en-US" dirty="0" smtClean="0"/>
+              <a:t>Calculate difference between </a:t>
+            </a:r>
+          </a:p>
+          <a:p>
+            <a:r>
+              <a:rPr lang="en-US" dirty="0" smtClean="0"/>
+              <a:t>spatial, </a:t>
+            </a:r>
+            <a:r>
+              <a:rPr lang="en-US" dirty="0" err="1" smtClean="0"/>
+              <a:t>nonspatial</a:t>
+            </a:r>
+            <a:r>
+              <a:rPr lang="en-US" dirty="0" smtClean="0"/>
+              <a:t> and </a:t>
+            </a:r>
+          </a:p>
+          <a:p>
+            <a:r>
+              <a:rPr lang="en-US" dirty="0" smtClean="0"/>
+              <a:t>individual rarefaction</a:t>
+            </a:r>
+            <a:endParaRPr lang="en-US" dirty="0"/>
+          </a:p>
+        </p:txBody>
+      </p:sp>
+      <p:sp>
+        <p:nvSpPr>
+          <p:cNvPr id="15" name="TextBox 14"/>
+          <p:cNvSpPr txBox="1"/>
+          <p:nvPr/>
+        </p:nvSpPr>
+        <p:spPr>
+          <a:xfrm>
+            <a:off x="4472458" y="4309900"/>
+            <a:ext cx="2591215" cy="646331"/>
+          </a:xfrm>
+          <a:prstGeom prst="rect">
+            <a:avLst/>
+          </a:prstGeom>
+          <a:solidFill>
+            <a:schemeClr val="accent5">
+              <a:lumMod val="60000"/>
+              <a:lumOff val="40000"/>
+            </a:schemeClr>
+          </a:solidFill>
+        </p:spPr>
+        <p:txBody>
+          <a:bodyPr wrap="square" rtlCol="0">
+            <a:spAutoFit/>
+          </a:bodyPr>
+          <a:lstStyle/>
+          <a:p>
+            <a:r>
+              <a:rPr lang="en-US" dirty="0" smtClean="0"/>
+              <a:t>Plot these values against  sample n</a:t>
+            </a:r>
+          </a:p>
+        </p:txBody>
+      </p:sp>
+      <p:sp>
+        <p:nvSpPr>
+          <p:cNvPr id="16" name="TextBox 15"/>
+          <p:cNvSpPr txBox="1"/>
+          <p:nvPr/>
+        </p:nvSpPr>
+        <p:spPr>
+          <a:xfrm>
+            <a:off x="8493071" y="4726763"/>
+            <a:ext cx="2991173" cy="923330"/>
+          </a:xfrm>
+          <a:prstGeom prst="rect">
+            <a:avLst/>
+          </a:prstGeom>
+          <a:noFill/>
+          <a:ln w="44450">
+            <a:solidFill>
+              <a:schemeClr val="tx1"/>
+            </a:solidFill>
+          </a:ln>
+        </p:spPr>
+        <p:txBody>
+          <a:bodyPr wrap="square" rtlCol="0">
+            <a:spAutoFit/>
+          </a:bodyPr>
+          <a:lstStyle/>
+          <a:p>
+            <a:r>
+              <a:rPr lang="en-US" smtClean="0"/>
+              <a:t>Hand code </a:t>
+            </a:r>
+            <a:r>
+              <a:rPr lang="en-US" dirty="0" smtClean="0"/>
+              <a:t>similar </a:t>
+            </a:r>
+            <a:r>
+              <a:rPr lang="en-US" smtClean="0"/>
+              <a:t>functions (</a:t>
+            </a:r>
+            <a:r>
+              <a:rPr lang="en-US" dirty="0" smtClean="0"/>
+              <a:t>annotated function can function as </a:t>
+            </a:r>
+            <a:r>
+              <a:rPr lang="en-US" dirty="0" err="1" smtClean="0"/>
+              <a:t>cheatsheet</a:t>
+            </a:r>
+            <a:r>
+              <a:rPr lang="en-US" dirty="0" smtClean="0"/>
+              <a:t>)</a:t>
+            </a:r>
+            <a:endParaRPr lang="en-US" dirty="0"/>
+          </a:p>
+        </p:txBody>
+      </p:sp>
+      <p:sp>
+        <p:nvSpPr>
+          <p:cNvPr id="17" name="TextBox 16"/>
+          <p:cNvSpPr txBox="1"/>
+          <p:nvPr/>
+        </p:nvSpPr>
+        <p:spPr>
+          <a:xfrm>
+            <a:off x="8493071" y="2598824"/>
+            <a:ext cx="2991173" cy="646331"/>
+          </a:xfrm>
+          <a:prstGeom prst="rect">
+            <a:avLst/>
+          </a:prstGeom>
+          <a:noFill/>
+          <a:ln w="44450">
+            <a:solidFill>
+              <a:schemeClr val="tx1"/>
+            </a:solidFill>
+          </a:ln>
+        </p:spPr>
+        <p:txBody>
+          <a:bodyPr wrap="square" rtlCol="0">
+            <a:spAutoFit/>
+          </a:bodyPr>
+          <a:lstStyle/>
+          <a:p>
+            <a:r>
+              <a:rPr lang="en-US" dirty="0" smtClean="0"/>
+              <a:t>Extract functions from </a:t>
+            </a:r>
+            <a:r>
+              <a:rPr lang="en-US" dirty="0" err="1" smtClean="0"/>
+              <a:t>mobr</a:t>
+            </a:r>
+            <a:r>
+              <a:rPr lang="en-US" dirty="0" smtClean="0"/>
+              <a:t> package</a:t>
+            </a:r>
+            <a:endParaRPr lang="en-US" dirty="0"/>
+          </a:p>
+        </p:txBody>
+      </p:sp>
+      <p:sp>
+        <p:nvSpPr>
+          <p:cNvPr id="18" name="TextBox 17"/>
+          <p:cNvSpPr txBox="1"/>
+          <p:nvPr/>
+        </p:nvSpPr>
+        <p:spPr>
+          <a:xfrm>
+            <a:off x="8493071" y="3596569"/>
+            <a:ext cx="2991173" cy="646331"/>
+          </a:xfrm>
+          <a:prstGeom prst="rect">
+            <a:avLst/>
+          </a:prstGeom>
+          <a:noFill/>
+          <a:ln w="44450">
+            <a:solidFill>
+              <a:schemeClr val="tx1"/>
+            </a:solidFill>
+          </a:ln>
+        </p:spPr>
+        <p:txBody>
+          <a:bodyPr wrap="square" rtlCol="0">
+            <a:spAutoFit/>
+          </a:bodyPr>
+          <a:lstStyle/>
+          <a:p>
+            <a:r>
+              <a:rPr lang="en-US" dirty="0" smtClean="0"/>
+              <a:t>Annotate </a:t>
+            </a:r>
+            <a:r>
+              <a:rPr lang="en-US" dirty="0" err="1" smtClean="0"/>
+              <a:t>mobr</a:t>
+            </a:r>
+            <a:r>
+              <a:rPr lang="en-US" dirty="0" smtClean="0"/>
+              <a:t> functions to </a:t>
+            </a:r>
+          </a:p>
+          <a:p>
+            <a:r>
+              <a:rPr lang="en-US" dirty="0" smtClean="0"/>
+              <a:t>produce ‘dummy-proof’ code</a:t>
+            </a:r>
+            <a:endParaRPr lang="en-US" dirty="0"/>
+          </a:p>
+        </p:txBody>
+      </p:sp>
+      <p:sp>
+        <p:nvSpPr>
+          <p:cNvPr id="21" name="Down Arrow 20"/>
+          <p:cNvSpPr/>
+          <p:nvPr/>
+        </p:nvSpPr>
+        <p:spPr>
+          <a:xfrm>
+            <a:off x="1991532" y="895646"/>
+            <a:ext cx="325464" cy="323165"/>
+          </a:xfrm>
+          <a:prstGeom prst="downArrow">
+            <a:avLst/>
+          </a:prstGeom>
+          <a:solidFill>
+            <a:schemeClr val="tx1"/>
+          </a:solidFill>
+          <a:ln>
+            <a:solidFill>
+              <a:schemeClr val="tx1"/>
+            </a:solidFill>
+          </a:ln>
+        </p:spPr>
+        <p:style>
+          <a:lnRef idx="2">
+            <a:schemeClr val="accent1">
+              <a:shade val="50000"/>
+            </a:schemeClr>
+          </a:lnRef>
+          <a:fillRef idx="1">
+            <a:schemeClr val="accent1"/>
+          </a:fillRef>
+          <a:effectRef idx="0">
+            <a:schemeClr val="accent1"/>
+          </a:effectRef>
+          <a:fontRef idx="minor">
+            <a:schemeClr val="lt1"/>
+          </a:fontRef>
+        </p:style>
+        <p:txBody>
+          <a:bodyPr rtlCol="0" anchor="ctr"/>
+          <a:lstStyle/>
+          <a:p>
+            <a:pPr algn="ctr"/>
+            <a:endParaRPr lang="en-US"/>
+          </a:p>
+        </p:txBody>
+      </p:sp>
+      <p:sp>
+        <p:nvSpPr>
+          <p:cNvPr id="22" name="Down Arrow 21"/>
+          <p:cNvSpPr/>
+          <p:nvPr/>
+        </p:nvSpPr>
+        <p:spPr>
+          <a:xfrm>
+            <a:off x="1991532" y="2316828"/>
+            <a:ext cx="325464" cy="323165"/>
+          </a:xfrm>
+          <a:prstGeom prst="downArrow">
+            <a:avLst/>
+          </a:prstGeom>
+          <a:solidFill>
+            <a:schemeClr val="tx1"/>
+          </a:solidFill>
+          <a:ln>
+            <a:solidFill>
+              <a:schemeClr val="tx1"/>
+            </a:solidFill>
+          </a:ln>
+        </p:spPr>
+        <p:style>
+          <a:lnRef idx="2">
+            <a:schemeClr val="accent1">
+              <a:shade val="50000"/>
+            </a:schemeClr>
+          </a:lnRef>
+          <a:fillRef idx="1">
+            <a:schemeClr val="accent1"/>
+          </a:fillRef>
+          <a:effectRef idx="0">
+            <a:schemeClr val="accent1"/>
+          </a:effectRef>
+          <a:fontRef idx="minor">
+            <a:schemeClr val="lt1"/>
+          </a:fontRef>
+        </p:style>
+        <p:txBody>
+          <a:bodyPr rtlCol="0" anchor="ctr"/>
+          <a:lstStyle/>
+          <a:p>
+            <a:pPr algn="ctr"/>
+            <a:endParaRPr lang="en-US"/>
+          </a:p>
+        </p:txBody>
+      </p:sp>
+      <p:sp>
+        <p:nvSpPr>
+          <p:cNvPr id="23" name="Down Arrow 22"/>
+          <p:cNvSpPr/>
+          <p:nvPr/>
+        </p:nvSpPr>
+        <p:spPr>
+          <a:xfrm>
+            <a:off x="1991532" y="3596570"/>
+            <a:ext cx="325464" cy="323165"/>
+          </a:xfrm>
+          <a:prstGeom prst="downArrow">
+            <a:avLst/>
+          </a:prstGeom>
+          <a:solidFill>
+            <a:schemeClr val="tx1"/>
+          </a:solidFill>
+          <a:ln>
+            <a:solidFill>
+              <a:schemeClr val="tx1"/>
+            </a:solidFill>
+          </a:ln>
+        </p:spPr>
+        <p:style>
+          <a:lnRef idx="2">
+            <a:schemeClr val="accent1">
+              <a:shade val="50000"/>
+            </a:schemeClr>
+          </a:lnRef>
+          <a:fillRef idx="1">
+            <a:schemeClr val="accent1"/>
+          </a:fillRef>
+          <a:effectRef idx="0">
+            <a:schemeClr val="accent1"/>
+          </a:effectRef>
+          <a:fontRef idx="minor">
+            <a:schemeClr val="lt1"/>
+          </a:fontRef>
+        </p:style>
+        <p:txBody>
+          <a:bodyPr rtlCol="0" anchor="ctr"/>
+          <a:lstStyle/>
+          <a:p>
+            <a:pPr algn="ctr"/>
+            <a:endParaRPr lang="en-US"/>
+          </a:p>
+        </p:txBody>
+      </p:sp>
+      <p:sp>
+        <p:nvSpPr>
+          <p:cNvPr id="24" name="Down Arrow 23"/>
+          <p:cNvSpPr/>
+          <p:nvPr/>
+        </p:nvSpPr>
+        <p:spPr>
+          <a:xfrm>
+            <a:off x="1991532" y="5114006"/>
+            <a:ext cx="325464" cy="323165"/>
+          </a:xfrm>
+          <a:prstGeom prst="downArrow">
+            <a:avLst/>
+          </a:prstGeom>
+          <a:solidFill>
+            <a:schemeClr val="tx1"/>
+          </a:solidFill>
+          <a:ln>
+            <a:solidFill>
+              <a:schemeClr val="tx1"/>
+            </a:solidFill>
+          </a:ln>
+        </p:spPr>
+        <p:style>
+          <a:lnRef idx="2">
+            <a:schemeClr val="accent1">
+              <a:shade val="50000"/>
+            </a:schemeClr>
+          </a:lnRef>
+          <a:fillRef idx="1">
+            <a:schemeClr val="accent1"/>
+          </a:fillRef>
+          <a:effectRef idx="0">
+            <a:schemeClr val="accent1"/>
+          </a:effectRef>
+          <a:fontRef idx="minor">
+            <a:schemeClr val="lt1"/>
+          </a:fontRef>
+        </p:style>
+        <p:txBody>
+          <a:bodyPr rtlCol="0" anchor="ctr"/>
+          <a:lstStyle/>
+          <a:p>
+            <a:pPr algn="ctr"/>
+            <a:endParaRPr lang="en-US"/>
+          </a:p>
+        </p:txBody>
+      </p:sp>
+      <p:sp>
+        <p:nvSpPr>
+          <p:cNvPr id="25" name="TextBox 24"/>
+          <p:cNvSpPr txBox="1"/>
+          <p:nvPr/>
+        </p:nvSpPr>
+        <p:spPr>
+          <a:xfrm>
+            <a:off x="4472458" y="5437170"/>
+            <a:ext cx="2591215" cy="646331"/>
+          </a:xfrm>
+          <a:prstGeom prst="rect">
+            <a:avLst/>
+          </a:prstGeom>
+          <a:solidFill>
+            <a:schemeClr val="accent5">
+              <a:lumMod val="60000"/>
+              <a:lumOff val="40000"/>
+            </a:schemeClr>
+          </a:solidFill>
+        </p:spPr>
+        <p:txBody>
+          <a:bodyPr wrap="square" rtlCol="0">
+            <a:spAutoFit/>
+          </a:bodyPr>
+          <a:lstStyle/>
+          <a:p>
+            <a:r>
+              <a:rPr lang="en-US" dirty="0" smtClean="0"/>
+              <a:t>Interpret results</a:t>
+            </a:r>
+          </a:p>
+          <a:p>
+            <a:endParaRPr lang="en-US" dirty="0"/>
+          </a:p>
+        </p:txBody>
+      </p:sp>
+      <p:sp>
+        <p:nvSpPr>
+          <p:cNvPr id="26" name="Right Arrow 25"/>
+          <p:cNvSpPr/>
+          <p:nvPr/>
+        </p:nvSpPr>
+        <p:spPr>
+          <a:xfrm>
+            <a:off x="3518115" y="5054774"/>
+            <a:ext cx="954343" cy="267308"/>
+          </a:xfrm>
+          <a:prstGeom prst="rightArrow">
+            <a:avLst/>
+          </a:prstGeom>
+          <a:solidFill>
+            <a:schemeClr val="tx1"/>
+          </a:solidFill>
+          <a:ln>
+            <a:solidFill>
+              <a:schemeClr val="tx1"/>
+            </a:solidFill>
+          </a:ln>
+        </p:spPr>
+        <p:style>
+          <a:lnRef idx="2">
+            <a:schemeClr val="accent1">
+              <a:shade val="50000"/>
+            </a:schemeClr>
+          </a:lnRef>
+          <a:fillRef idx="1">
+            <a:schemeClr val="accent1"/>
+          </a:fillRef>
+          <a:effectRef idx="0">
+            <a:schemeClr val="accent1"/>
+          </a:effectRef>
+          <a:fontRef idx="minor">
+            <a:schemeClr val="lt1"/>
+          </a:fontRef>
+        </p:style>
+        <p:txBody>
+          <a:bodyPr rtlCol="0" anchor="ctr"/>
+          <a:lstStyle/>
+          <a:p>
+            <a:pPr algn="ctr"/>
+            <a:endParaRPr lang="en-US"/>
+          </a:p>
+        </p:txBody>
+      </p:sp>
+      <p:sp>
+        <p:nvSpPr>
+          <p:cNvPr id="27" name="TextBox 26"/>
+          <p:cNvSpPr txBox="1"/>
+          <p:nvPr/>
+        </p:nvSpPr>
+        <p:spPr>
+          <a:xfrm>
+            <a:off x="8493071" y="1191631"/>
+            <a:ext cx="2991173" cy="923330"/>
+          </a:xfrm>
+          <a:prstGeom prst="rect">
+            <a:avLst/>
+          </a:prstGeom>
+          <a:noFill/>
+          <a:ln w="44450">
+            <a:solidFill>
+              <a:schemeClr val="tx1"/>
+            </a:solidFill>
+          </a:ln>
+        </p:spPr>
+        <p:txBody>
+          <a:bodyPr wrap="square" rtlCol="0">
+            <a:spAutoFit/>
+          </a:bodyPr>
+          <a:lstStyle/>
+          <a:p>
+            <a:r>
+              <a:rPr lang="en-US" dirty="0" smtClean="0"/>
+              <a:t>Run data examples in </a:t>
+            </a:r>
+          </a:p>
+          <a:p>
+            <a:r>
+              <a:rPr lang="en-US" dirty="0" err="1" smtClean="0"/>
+              <a:t>mobr</a:t>
+            </a:r>
+            <a:r>
+              <a:rPr lang="en-US" dirty="0" smtClean="0"/>
+              <a:t> package</a:t>
+            </a:r>
+          </a:p>
+          <a:p>
+            <a:endParaRPr lang="en-US" dirty="0"/>
+          </a:p>
+        </p:txBody>
+      </p:sp>
+      <p:sp>
+        <p:nvSpPr>
+          <p:cNvPr id="28" name="Down Arrow 27"/>
+          <p:cNvSpPr/>
+          <p:nvPr/>
+        </p:nvSpPr>
+        <p:spPr>
+          <a:xfrm>
+            <a:off x="9825925" y="3119739"/>
+            <a:ext cx="325464" cy="323165"/>
+          </a:xfrm>
+          <a:prstGeom prst="downArrow">
+            <a:avLst/>
+          </a:prstGeom>
+          <a:solidFill>
+            <a:schemeClr val="tx1"/>
+          </a:solidFill>
+          <a:ln>
+            <a:solidFill>
+              <a:schemeClr val="tx1"/>
+            </a:solidFill>
+          </a:ln>
+        </p:spPr>
+        <p:style>
+          <a:lnRef idx="2">
+            <a:schemeClr val="accent1">
+              <a:shade val="50000"/>
+            </a:schemeClr>
+          </a:lnRef>
+          <a:fillRef idx="1">
+            <a:schemeClr val="accent1"/>
+          </a:fillRef>
+          <a:effectRef idx="0">
+            <a:schemeClr val="accent1"/>
+          </a:effectRef>
+          <a:fontRef idx="minor">
+            <a:schemeClr val="lt1"/>
+          </a:fontRef>
+        </p:style>
+        <p:txBody>
+          <a:bodyPr rtlCol="0" anchor="ctr"/>
+          <a:lstStyle/>
+          <a:p>
+            <a:pPr algn="ctr"/>
+            <a:endParaRPr lang="en-US"/>
+          </a:p>
+        </p:txBody>
+      </p:sp>
+      <p:sp>
+        <p:nvSpPr>
+          <p:cNvPr id="29" name="Down Arrow 28"/>
+          <p:cNvSpPr/>
+          <p:nvPr/>
+        </p:nvSpPr>
+        <p:spPr>
+          <a:xfrm>
+            <a:off x="9825925" y="2037244"/>
+            <a:ext cx="325464" cy="323165"/>
+          </a:xfrm>
+          <a:prstGeom prst="downArrow">
+            <a:avLst/>
+          </a:prstGeom>
+          <a:solidFill>
+            <a:schemeClr val="tx1"/>
+          </a:solidFill>
+          <a:ln>
+            <a:solidFill>
+              <a:schemeClr val="tx1"/>
+            </a:solidFill>
+          </a:ln>
+        </p:spPr>
+        <p:style>
+          <a:lnRef idx="2">
+            <a:schemeClr val="accent1">
+              <a:shade val="50000"/>
+            </a:schemeClr>
+          </a:lnRef>
+          <a:fillRef idx="1">
+            <a:schemeClr val="accent1"/>
+          </a:fillRef>
+          <a:effectRef idx="0">
+            <a:schemeClr val="accent1"/>
+          </a:effectRef>
+          <a:fontRef idx="minor">
+            <a:schemeClr val="lt1"/>
+          </a:fontRef>
+        </p:style>
+        <p:txBody>
+          <a:bodyPr rtlCol="0" anchor="ctr"/>
+          <a:lstStyle/>
+          <a:p>
+            <a:pPr algn="ctr"/>
+            <a:endParaRPr lang="en-US"/>
+          </a:p>
+        </p:txBody>
+      </p:sp>
+      <p:sp>
+        <p:nvSpPr>
+          <p:cNvPr id="30" name="Down Arrow 29"/>
+          <p:cNvSpPr/>
+          <p:nvPr/>
+        </p:nvSpPr>
+        <p:spPr>
+          <a:xfrm>
+            <a:off x="9825925" y="4343468"/>
+            <a:ext cx="325464" cy="323165"/>
+          </a:xfrm>
+          <a:prstGeom prst="downArrow">
+            <a:avLst/>
+          </a:prstGeom>
+          <a:solidFill>
+            <a:schemeClr val="tx1"/>
+          </a:solidFill>
+          <a:ln>
+            <a:solidFill>
+              <a:schemeClr val="tx1"/>
+            </a:solidFill>
+          </a:ln>
+        </p:spPr>
+        <p:style>
+          <a:lnRef idx="2">
+            <a:schemeClr val="accent1">
+              <a:shade val="50000"/>
+            </a:schemeClr>
+          </a:lnRef>
+          <a:fillRef idx="1">
+            <a:schemeClr val="accent1"/>
+          </a:fillRef>
+          <a:effectRef idx="0">
+            <a:schemeClr val="accent1"/>
+          </a:effectRef>
+          <a:fontRef idx="minor">
+            <a:schemeClr val="lt1"/>
+          </a:fontRef>
+        </p:style>
+        <p:txBody>
+          <a:bodyPr rtlCol="0" anchor="ctr"/>
+          <a:lstStyle/>
+          <a:p>
+            <a:pPr algn="ctr"/>
+            <a:endParaRPr lang="en-US"/>
+          </a:p>
+        </p:txBody>
+      </p:sp>
+      <p:sp>
+        <p:nvSpPr>
+          <p:cNvPr id="31" name="Title 30"/>
           <p:cNvSpPr>
             <a:spLocks noGrp="1"/>
           </p:cNvSpPr>
@@ -3743,28 +5656,10 @@
           <a:bodyPr/>
           <a:lstStyle/>
           <a:p>
-            <a:endParaRPr lang="en-US"/>
-          </a:p>
-        </p:txBody>
-      </p:sp>
-      <p:sp>
-        <p:nvSpPr>
-          <p:cNvPr id="3" name="Content Placeholder 2"/>
-          <p:cNvSpPr>
-            <a:spLocks noGrp="1"/>
-          </p:cNvSpPr>
-          <p:nvPr>
-            <p:ph idx="1"/>
-          </p:nvPr>
-        </p:nvSpPr>
-        <p:spPr/>
-        <p:txBody>
-          <a:bodyPr/>
-          <a:lstStyle/>
-          <a:p>
+            <a:pPr algn="ctr"/>
             <a:r>
               <a:rPr lang="en-US" dirty="0" smtClean="0"/>
-              <a:t>Biological question in system</a:t>
+              <a:t>Workflow:</a:t>
             </a:r>
             <a:endParaRPr lang="en-US" dirty="0"/>
           </a:p>
@@ -3773,7 +5668,7 @@
     </p:spTree>
     <p:extLst>
       <p:ext uri="{BB962C8B-B14F-4D97-AF65-F5344CB8AC3E}">
-        <p14:creationId xmlns:p14="http://schemas.microsoft.com/office/powerpoint/2010/main" val="495152406"/>
+        <p14:creationId xmlns:p14="http://schemas.microsoft.com/office/powerpoint/2010/main" val="843910275"/>
       </p:ext>
     </p:extLst>
   </p:cSld>
@@ -4042,4 +5937,265 @@
     </a:ext>
   </a:extLst>
 </a:theme>
+</file>
+
+<file path=ppt/theme/theme2.xml><?xml version="1.0" encoding="utf-8"?>
+<a:theme xmlns:a="http://schemas.openxmlformats.org/drawingml/2006/main" name="Office Theme">
+  <a:themeElements>
+    <a:clrScheme name="Office">
+      <a:dk1>
+        <a:sysClr val="windowText" lastClr="000000"/>
+      </a:dk1>
+      <a:lt1>
+        <a:sysClr val="window" lastClr="FFFFFF"/>
+      </a:lt1>
+      <a:dk2>
+        <a:srgbClr val="44546A"/>
+      </a:dk2>
+      <a:lt2>
+        <a:srgbClr val="E7E6E6"/>
+      </a:lt2>
+      <a:accent1>
+        <a:srgbClr val="4472C4"/>
+      </a:accent1>
+      <a:accent2>
+        <a:srgbClr val="ED7D31"/>
+      </a:accent2>
+      <a:accent3>
+        <a:srgbClr val="A5A5A5"/>
+      </a:accent3>
+      <a:accent4>
+        <a:srgbClr val="FFC000"/>
+      </a:accent4>
+      <a:accent5>
+        <a:srgbClr val="5B9BD5"/>
+      </a:accent5>
+      <a:accent6>
+        <a:srgbClr val="70AD47"/>
+      </a:accent6>
+      <a:hlink>
+        <a:srgbClr val="0563C1"/>
+      </a:hlink>
+      <a:folHlink>
+        <a:srgbClr val="954F72"/>
+      </a:folHlink>
+    </a:clrScheme>
+    <a:fontScheme name="Office">
+      <a:majorFont>
+        <a:latin typeface="Calibri Light" panose="020F0302020204030204"/>
+        <a:ea typeface=""/>
+        <a:cs typeface=""/>
+        <a:font script="Jpan" typeface="Yu Gothic Light"/>
+        <a:font script="Hang" typeface="맑은 고딕"/>
+        <a:font script="Hans" typeface="DengXian Light"/>
+        <a:font script="Hant" typeface="新細明體"/>
+        <a:font script="Arab" typeface="Times New Roman"/>
+        <a:font script="Hebr" typeface="Times New Roman"/>
+        <a:font script="Thai" typeface="Angsana New"/>
+        <a:font script="Ethi" typeface="Nyala"/>
+        <a:font script="Beng" typeface="Vrinda"/>
+        <a:font script="Gujr" typeface="Shruti"/>
+        <a:font script="Khmr" typeface="MoolBoran"/>
+        <a:font script="Knda" typeface="Tunga"/>
+        <a:font script="Guru" typeface="Raavi"/>
+        <a:font script="Cans" typeface="Euphemia"/>
+        <a:font script="Cher" typeface="Plantagenet Cherokee"/>
+        <a:font script="Yiii" typeface="Microsoft Yi Baiti"/>
+        <a:font script="Tibt" typeface="Microsoft Himalaya"/>
+        <a:font script="Thaa" typeface="MV Boli"/>
+        <a:font script="Deva" typeface="Mangal"/>
+        <a:font script="Telu" typeface="Gautami"/>
+        <a:font script="Taml" typeface="Latha"/>
+        <a:font script="Syrc" typeface="Estrangelo Edessa"/>
+        <a:font script="Orya" typeface="Kalinga"/>
+        <a:font script="Mlym" typeface="Kartika"/>
+        <a:font script="Laoo" typeface="DokChampa"/>
+        <a:font script="Sinh" typeface="Iskoola Pota"/>
+        <a:font script="Mong" typeface="Mongolian Baiti"/>
+        <a:font script="Viet" typeface="Times New Roman"/>
+        <a:font script="Uigh" typeface="Microsoft Uighur"/>
+        <a:font script="Geor" typeface="Sylfaen"/>
+      </a:majorFont>
+      <a:minorFont>
+        <a:latin typeface="Calibri" panose="020F0502020204030204"/>
+        <a:ea typeface=""/>
+        <a:cs typeface=""/>
+        <a:font script="Jpan" typeface="Yu Gothic"/>
+        <a:font script="Hang" typeface="맑은 고딕"/>
+        <a:font script="Hans" typeface="DengXian"/>
+        <a:font script="Hant" typeface="新細明體"/>
+        <a:font script="Arab" typeface="Arial"/>
+        <a:font script="Hebr" typeface="Arial"/>
+        <a:font script="Thai" typeface="Cordia New"/>
+        <a:font script="Ethi" typeface="Nyala"/>
+        <a:font script="Beng" typeface="Vrinda"/>
+        <a:font script="Gujr" typeface="Shruti"/>
+        <a:font script="Khmr" typeface="DaunPenh"/>
+        <a:font script="Knda" typeface="Tunga"/>
+        <a:font script="Guru" typeface="Raavi"/>
+        <a:font script="Cans" typeface="Euphemia"/>
+        <a:font script="Cher" typeface="Plantagenet Cherokee"/>
+        <a:font script="Yiii" typeface="Microsoft Yi Baiti"/>
+        <a:font script="Tibt" typeface="Microsoft Himalaya"/>
+        <a:font script="Thaa" typeface="MV Boli"/>
+        <a:font script="Deva" typeface="Mangal"/>
+        <a:font script="Telu" typeface="Gautami"/>
+        <a:font script="Taml" typeface="Latha"/>
+        <a:font script="Syrc" typeface="Estrangelo Edessa"/>
+        <a:font script="Orya" typeface="Kalinga"/>
+        <a:font script="Mlym" typeface="Kartika"/>
+        <a:font script="Laoo" typeface="DokChampa"/>
+        <a:font script="Sinh" typeface="Iskoola Pota"/>
+        <a:font script="Mong" typeface="Mongolian Baiti"/>
+        <a:font script="Viet" typeface="Arial"/>
+        <a:font script="Uigh" typeface="Microsoft Uighur"/>
+        <a:font script="Geor" typeface="Sylfaen"/>
+      </a:minorFont>
+    </a:fontScheme>
+    <a:fmtScheme name="Office">
+      <a:fillStyleLst>
+        <a:solidFill>
+          <a:schemeClr val="phClr"/>
+        </a:solidFill>
+        <a:gradFill rotWithShape="1">
+          <a:gsLst>
+            <a:gs pos="0">
+              <a:schemeClr val="phClr">
+                <a:lumMod val="110000"/>
+                <a:satMod val="105000"/>
+                <a:tint val="67000"/>
+              </a:schemeClr>
+            </a:gs>
+            <a:gs pos="50000">
+              <a:schemeClr val="phClr">
+                <a:lumMod val="105000"/>
+                <a:satMod val="103000"/>
+                <a:tint val="73000"/>
+              </a:schemeClr>
+            </a:gs>
+            <a:gs pos="100000">
+              <a:schemeClr val="phClr">
+                <a:lumMod val="105000"/>
+                <a:satMod val="109000"/>
+                <a:tint val="81000"/>
+              </a:schemeClr>
+            </a:gs>
+          </a:gsLst>
+          <a:lin ang="5400000" scaled="0"/>
+        </a:gradFill>
+        <a:gradFill rotWithShape="1">
+          <a:gsLst>
+            <a:gs pos="0">
+              <a:schemeClr val="phClr">
+                <a:satMod val="103000"/>
+                <a:lumMod val="102000"/>
+                <a:tint val="94000"/>
+              </a:schemeClr>
+            </a:gs>
+            <a:gs pos="50000">
+              <a:schemeClr val="phClr">
+                <a:satMod val="110000"/>
+                <a:lumMod val="100000"/>
+                <a:shade val="100000"/>
+              </a:schemeClr>
+            </a:gs>
+            <a:gs pos="100000">
+              <a:schemeClr val="phClr">
+                <a:lumMod val="99000"/>
+                <a:satMod val="120000"/>
+                <a:shade val="78000"/>
+              </a:schemeClr>
+            </a:gs>
+          </a:gsLst>
+          <a:lin ang="5400000" scaled="0"/>
+        </a:gradFill>
+      </a:fillStyleLst>
+      <a:lnStyleLst>
+        <a:ln w="6350" cap="flat" cmpd="sng" algn="ctr">
+          <a:solidFill>
+            <a:schemeClr val="phClr"/>
+          </a:solidFill>
+          <a:prstDash val="solid"/>
+          <a:miter lim="800000"/>
+        </a:ln>
+        <a:ln w="12700" cap="flat" cmpd="sng" algn="ctr">
+          <a:solidFill>
+            <a:schemeClr val="phClr"/>
+          </a:solidFill>
+          <a:prstDash val="solid"/>
+          <a:miter lim="800000"/>
+        </a:ln>
+        <a:ln w="19050" cap="flat" cmpd="sng" algn="ctr">
+          <a:solidFill>
+            <a:schemeClr val="phClr"/>
+          </a:solidFill>
+          <a:prstDash val="solid"/>
+          <a:miter lim="800000"/>
+        </a:ln>
+      </a:lnStyleLst>
+      <a:effectStyleLst>
+        <a:effectStyle>
+          <a:effectLst/>
+        </a:effectStyle>
+        <a:effectStyle>
+          <a:effectLst/>
+        </a:effectStyle>
+        <a:effectStyle>
+          <a:effectLst>
+            <a:outerShdw blurRad="57150" dist="19050" dir="5400000" algn="ctr" rotWithShape="0">
+              <a:srgbClr val="000000">
+                <a:alpha val="63000"/>
+              </a:srgbClr>
+            </a:outerShdw>
+          </a:effectLst>
+        </a:effectStyle>
+      </a:effectStyleLst>
+      <a:bgFillStyleLst>
+        <a:solidFill>
+          <a:schemeClr val="phClr"/>
+        </a:solidFill>
+        <a:solidFill>
+          <a:schemeClr val="phClr">
+            <a:tint val="95000"/>
+            <a:satMod val="170000"/>
+          </a:schemeClr>
+        </a:solidFill>
+        <a:gradFill rotWithShape="1">
+          <a:gsLst>
+            <a:gs pos="0">
+              <a:schemeClr val="phClr">
+                <a:tint val="93000"/>
+                <a:satMod val="150000"/>
+                <a:shade val="98000"/>
+                <a:lumMod val="102000"/>
+              </a:schemeClr>
+            </a:gs>
+            <a:gs pos="50000">
+              <a:schemeClr val="phClr">
+                <a:tint val="98000"/>
+                <a:satMod val="130000"/>
+                <a:shade val="90000"/>
+                <a:lumMod val="103000"/>
+              </a:schemeClr>
+            </a:gs>
+            <a:gs pos="100000">
+              <a:schemeClr val="phClr">
+                <a:shade val="63000"/>
+                <a:satMod val="120000"/>
+              </a:schemeClr>
+            </a:gs>
+          </a:gsLst>
+          <a:lin ang="5400000" scaled="0"/>
+        </a:gradFill>
+      </a:bgFillStyleLst>
+    </a:fmtScheme>
+  </a:themeElements>
+  <a:objectDefaults/>
+  <a:extraClrSchemeLst/>
+  <a:extLst>
+    <a:ext uri="{05A4C25C-085E-4340-85A3-A5531E510DB2}">
+      <thm15:themeFamily xmlns:thm15="http://schemas.microsoft.com/office/thememl/2012/main" name="Office Theme" id="{62F939B6-93AF-4DB8-9C6B-D6C7DFDC589F}" vid="{4A3C46E8-61CC-4603-A589-7422A47A8E4A}"/>
+    </a:ext>
+  </a:extLst>
+</a:theme>
 </file>
--- a/Presentation workflow draft 709b.pptx
+++ b/Presentation workflow draft 709b.pptx
@@ -5,7 +5,7 @@
     <p:sldMasterId id="2147483648" r:id="rId1"/>
   </p:sldMasterIdLst>
   <p:notesMasterIdLst>
-    <p:notesMasterId r:id="rId11"/>
+    <p:notesMasterId r:id="rId14"/>
   </p:notesMasterIdLst>
   <p:sldIdLst>
     <p:sldId id="256" r:id="rId2"/>
@@ -13,10 +13,13 @@
     <p:sldId id="270" r:id="rId4"/>
     <p:sldId id="272" r:id="rId5"/>
     <p:sldId id="265" r:id="rId6"/>
-    <p:sldId id="263" r:id="rId7"/>
-    <p:sldId id="260" r:id="rId8"/>
-    <p:sldId id="261" r:id="rId9"/>
-    <p:sldId id="266" r:id="rId10"/>
+    <p:sldId id="273" r:id="rId7"/>
+    <p:sldId id="263" r:id="rId8"/>
+    <p:sldId id="260" r:id="rId9"/>
+    <p:sldId id="261" r:id="rId10"/>
+    <p:sldId id="266" r:id="rId11"/>
+    <p:sldId id="274" r:id="rId12"/>
+    <p:sldId id="275" r:id="rId13"/>
   </p:sldIdLst>
   <p:sldSz cx="12192000" cy="6858000"/>
   <p:notesSz cx="6858000" cy="9144000"/>
@@ -514,37 +517,57 @@
           <a:p>
             <a:r>
               <a:rPr lang="en-US" dirty="0" smtClean="0"/>
-              <a:t>The solution for this is a </a:t>
-            </a:r>
-            <a:br>
+              <a:t>Of course, your little quadrat doesn’t capture all the species in the entire area</a:t>
+            </a:r>
+          </a:p>
+          <a:p>
+            <a:pPr marL="0" marR="0" indent="0" algn="l" defTabSz="914400" rtl="0" eaLnBrk="1" fontAlgn="auto" latinLnBrk="0" hangingPunct="1">
+              <a:lnSpc>
+                <a:spcPct val="100000"/>
+              </a:lnSpc>
+              <a:spcBef>
+                <a:spcPts val="0"/>
+              </a:spcBef>
+              <a:spcAft>
+                <a:spcPts val="0"/>
+              </a:spcAft>
+              <a:buClrTx/>
+              <a:buSzTx/>
+              <a:buFontTx/>
+              <a:buNone/>
+              <a:tabLst/>
+              <a:defRPr/>
+            </a:pPr>
+            <a:r>
               <a:rPr lang="en-US" dirty="0" smtClean="0"/>
-            </a:br>
-            <a:r>
-              <a:rPr lang="en-US" dirty="0" smtClean="0"/>
-              <a:t>rarefaction curve: </a:t>
-            </a:r>
-          </a:p>
-          <a:p>
+              <a:t>The richness to sampling curve is non linear- and so you can’t extrapolate based on how much you sampled what the richness in a larger sampling area would be</a:t>
+            </a:r>
+          </a:p>
+          <a:p>
+            <a:pPr marL="0" marR="0" indent="0" algn="l" defTabSz="914400" rtl="0" eaLnBrk="1" fontAlgn="auto" latinLnBrk="0" hangingPunct="1">
+              <a:lnSpc>
+                <a:spcPct val="100000"/>
+              </a:lnSpc>
+              <a:spcBef>
+                <a:spcPts val="0"/>
+              </a:spcBef>
+              <a:spcAft>
+                <a:spcPts val="0"/>
+              </a:spcAft>
+              <a:buClrTx/>
+              <a:buSzTx/>
+              <a:buFontTx/>
+              <a:buNone/>
+              <a:tabLst/>
+              <a:defRPr/>
+            </a:pPr>
+            <a:r>
+              <a:rPr lang="en-US" baseline="0" dirty="0" smtClean="0"/>
+              <a:t>The organisms in your samples are not sampled independent of one another, and there are spatial effects of clumping or aggregation of individuals present in your collection.</a:t>
+            </a:r>
             <a:endParaRPr lang="en-US" dirty="0" smtClean="0"/>
           </a:p>
           <a:p>
-            <a:r>
-              <a:rPr lang="en-US" dirty="0" smtClean="0"/>
-              <a:t>But results may differ depending </a:t>
-            </a:r>
-            <a:br>
-              <a:rPr lang="en-US" dirty="0" smtClean="0"/>
-            </a:br>
-            <a:r>
-              <a:rPr lang="en-US" dirty="0" smtClean="0"/>
-              <a:t>on how you rarefy</a:t>
-            </a:r>
-          </a:p>
-          <a:p>
-            <a:r>
-              <a:rPr lang="en-US" dirty="0" smtClean="0"/>
-              <a:t>Standardizing data sets by area or sampling effort may produce very different results compared to standardizing by number of individuals collected, and it is not always clear which measure of diversity is more appropriate. Asymptotic richness estimators provide lower-bound estimates for taxon-rich groups such as tropical arthropods, in which observed richness rarely reaches an asymptote, despite intensive sampling.</a:t>
-            </a:r>
             <a:endParaRPr lang="en-US" dirty="0"/>
           </a:p>
         </p:txBody>
@@ -566,7 +589,7 @@
           <a:p>
             <a:fld id="{A0309D27-C847-6442-B1B3-8E323062575D}" type="slidenum">
               <a:rPr lang="en-US" smtClean="0"/>
-              <a:t>5</a:t>
+              <a:t>4</a:t>
             </a:fld>
             <a:endParaRPr lang="en-US"/>
           </a:p>
@@ -575,7 +598,7 @@
     </p:spTree>
     <p:extLst>
       <p:ext uri="{BB962C8B-B14F-4D97-AF65-F5344CB8AC3E}">
-        <p14:creationId xmlns:p14="http://schemas.microsoft.com/office/powerpoint/2010/main" val="953122714"/>
+        <p14:creationId xmlns:p14="http://schemas.microsoft.com/office/powerpoint/2010/main" val="429873618"/>
       </p:ext>
     </p:extLst>
   </p:cSld>
@@ -629,46 +652,49 @@
           <a:bodyPr/>
           <a:lstStyle/>
           <a:p>
-            <a:pPr marL="0" marR="0" indent="0" algn="l" defTabSz="914400" rtl="0" eaLnBrk="1" fontAlgn="auto" latinLnBrk="0" hangingPunct="1">
-              <a:lnSpc>
-                <a:spcPct val="100000"/>
-              </a:lnSpc>
-              <a:spcBef>
-                <a:spcPts val="0"/>
-              </a:spcBef>
-              <a:spcAft>
-                <a:spcPts val="0"/>
-              </a:spcAft>
-              <a:buClrTx/>
-              <a:buSzTx/>
-              <a:buFontTx/>
-              <a:buNone/>
-              <a:tabLst/>
-              <a:defRPr/>
-            </a:pPr>
             <a:r>
               <a:rPr lang="en-US" dirty="0" smtClean="0"/>
-              <a:t>. Numbers of individuals (i.e., density effects)</a:t>
+              <a:t>But only rarely do we actually sample until the entire curve has </a:t>
+            </a:r>
+            <a:r>
+              <a:rPr lang="en-US" dirty="0" err="1" smtClean="0"/>
+              <a:t>assymptoted</a:t>
+            </a:r>
+            <a:r>
+              <a:rPr lang="en-US" dirty="0" smtClean="0"/>
+              <a:t>. </a:t>
+            </a:r>
+          </a:p>
+          <a:p>
+            <a:endParaRPr lang="en-US" dirty="0" smtClean="0"/>
+          </a:p>
+          <a:p>
+            <a:r>
+              <a:rPr lang="en-US" dirty="0" smtClean="0"/>
+              <a:t>The solution for this is a rarefaction curve: </a:t>
+            </a:r>
+          </a:p>
+          <a:p>
+            <a:endParaRPr lang="en-US" dirty="0" smtClean="0"/>
+          </a:p>
+          <a:p>
+            <a:r>
+              <a:rPr lang="en-US" dirty="0" smtClean="0"/>
+              <a:t>But results may differ depending </a:t>
             </a:r>
             <a:br>
               <a:rPr lang="en-US" dirty="0" smtClean="0"/>
             </a:br>
             <a:r>
               <a:rPr lang="en-US" dirty="0" smtClean="0"/>
-              <a:t>2. The distribution of rarity and commonness (i.e., the SAD) </a:t>
-            </a:r>
-            <a:br>
+              <a:t>on how you rarefy</a:t>
+            </a:r>
+          </a:p>
+          <a:p>
+            <a:r>
               <a:rPr lang="en-US" dirty="0" smtClean="0"/>
-            </a:br>
-            <a:r>
-              <a:rPr lang="en-US" dirty="0" smtClean="0"/>
-              <a:t>3. The spatial patchiness or aggregation of conspecifics. </a:t>
-            </a:r>
-            <a:endParaRPr lang="en-US" dirty="0" smtClean="0">
-              <a:effectLst/>
-            </a:endParaRPr>
-          </a:p>
-          <a:p>
+              <a:t>Standardizing data sets by area or sampling effort may produce very different results compared to standardizing by number of individuals collected, and it is not always clear which measure of diversity is more appropriate. Asymptotic richness estimators provide lower-bound estimates for taxon-rich groups such as tropical arthropods, in which observed richness rarely reaches an asymptote, despite intensive sampling.</a:t>
+            </a:r>
             <a:endParaRPr lang="en-US" dirty="0"/>
           </a:p>
         </p:txBody>
@@ -690,7 +716,7 @@
           <a:p>
             <a:fld id="{A0309D27-C847-6442-B1B3-8E323062575D}" type="slidenum">
               <a:rPr lang="en-US" smtClean="0"/>
-              <a:t>6</a:t>
+              <a:t>5</a:t>
             </a:fld>
             <a:endParaRPr lang="en-US"/>
           </a:p>
@@ -699,7 +725,7 @@
     </p:spTree>
     <p:extLst>
       <p:ext uri="{BB962C8B-B14F-4D97-AF65-F5344CB8AC3E}">
-        <p14:creationId xmlns:p14="http://schemas.microsoft.com/office/powerpoint/2010/main" val="433505111"/>
+        <p14:creationId xmlns:p14="http://schemas.microsoft.com/office/powerpoint/2010/main" val="953122714"/>
       </p:ext>
     </p:extLst>
   </p:cSld>
@@ -754,31 +780,70 @@
           <a:lstStyle/>
           <a:p>
             <a:r>
-              <a:rPr lang="en-US" dirty="0" smtClean="0"/>
-              <a:t>Creators of the package aimed to make it as close to click and point as possible</a:t>
-            </a:r>
-          </a:p>
-          <a:p>
-            <a:r>
-              <a:rPr lang="en-US" dirty="0" smtClean="0"/>
-              <a:t>Because so much happens backstage, and it</a:t>
-            </a:r>
-            <a:r>
-              <a:rPr lang="mr-IN" dirty="0" smtClean="0"/>
-              <a:t>’</a:t>
-            </a:r>
-            <a:r>
-              <a:rPr lang="en-US" dirty="0" smtClean="0"/>
-              <a:t>s a new package, this means that when you have a problem it’s almost impossible to troubleshoot</a:t>
-            </a:r>
-          </a:p>
-          <a:p>
-            <a:endParaRPr lang="en-US" dirty="0" smtClean="0"/>
-          </a:p>
-          <a:p>
-            <a:r>
-              <a:rPr lang="en-US" dirty="0" smtClean="0"/>
-              <a:t>My aim is to bring forward the code behind the package, apply to my data, and annotate to be able to find problems</a:t>
+              <a:rPr lang="en-US" sz="1200" kern="1200" dirty="0" smtClean="0">
+                <a:solidFill>
+                  <a:schemeClr val="tx1"/>
+                </a:solidFill>
+                <a:effectLst/>
+                <a:latin typeface="+mn-lt"/>
+                <a:ea typeface="+mn-ea"/>
+                <a:cs typeface="+mn-cs"/>
+              </a:rPr>
+              <a:t>If two</a:t>
+            </a:r>
+          </a:p>
+          <a:p>
+            <a:r>
+              <a:rPr lang="en-US" sz="1200" kern="1200" dirty="0" smtClean="0">
+                <a:solidFill>
+                  <a:schemeClr val="tx1"/>
+                </a:solidFill>
+                <a:effectLst/>
+                <a:latin typeface="+mn-lt"/>
+                <a:ea typeface="+mn-ea"/>
+                <a:cs typeface="+mn-cs"/>
+              </a:rPr>
+              <a:t>samples differ in species density, is it because of</a:t>
+            </a:r>
+          </a:p>
+          <a:p>
+            <a:r>
+              <a:rPr lang="en-US" sz="1200" kern="1200" dirty="0" smtClean="0">
+                <a:solidFill>
+                  <a:schemeClr val="tx1"/>
+                </a:solidFill>
+                <a:effectLst/>
+                <a:latin typeface="+mn-lt"/>
+                <a:ea typeface="+mn-ea"/>
+                <a:cs typeface="+mn-cs"/>
+              </a:rPr>
+              <a:t>differences in underlying species richness, differ-</a:t>
+            </a:r>
+          </a:p>
+          <a:p>
+            <a:r>
+              <a:rPr lang="en-US" sz="1200" kern="1200" dirty="0" err="1" smtClean="0">
+                <a:solidFill>
+                  <a:schemeClr val="tx1"/>
+                </a:solidFill>
+                <a:effectLst/>
+                <a:latin typeface="+mn-lt"/>
+                <a:ea typeface="+mn-ea"/>
+                <a:cs typeface="+mn-cs"/>
+              </a:rPr>
+              <a:t>ences</a:t>
+            </a:r>
+            <a:r>
+              <a:rPr lang="en-US" sz="1200" kern="1200" dirty="0" smtClean="0">
+                <a:solidFill>
+                  <a:schemeClr val="tx1"/>
+                </a:solidFill>
+                <a:effectLst/>
+                <a:latin typeface="+mn-lt"/>
+                <a:ea typeface="+mn-ea"/>
+                <a:cs typeface="+mn-cs"/>
+              </a:rPr>
+              <a:t> in abundance, or some combination of both?</a:t>
             </a:r>
           </a:p>
           <a:p>
@@ -803,7 +868,7 @@
           <a:p>
             <a:fld id="{A0309D27-C847-6442-B1B3-8E323062575D}" type="slidenum">
               <a:rPr lang="en-US" smtClean="0"/>
-              <a:t>8</a:t>
+              <a:t>6</a:t>
             </a:fld>
             <a:endParaRPr lang="en-US"/>
           </a:p>
@@ -812,7 +877,7 @@
     </p:spTree>
     <p:extLst>
       <p:ext uri="{BB962C8B-B14F-4D97-AF65-F5344CB8AC3E}">
-        <p14:creationId xmlns:p14="http://schemas.microsoft.com/office/powerpoint/2010/main" val="483991748"/>
+        <p14:creationId xmlns:p14="http://schemas.microsoft.com/office/powerpoint/2010/main" val="1819878027"/>
       </p:ext>
     </p:extLst>
   </p:cSld>
@@ -866,6 +931,291 @@
           <a:bodyPr/>
           <a:lstStyle/>
           <a:p>
+            <a:pPr marL="0" marR="0" indent="0" algn="l" defTabSz="914400" rtl="0" eaLnBrk="1" fontAlgn="auto" latinLnBrk="0" hangingPunct="1">
+              <a:lnSpc>
+                <a:spcPct val="100000"/>
+              </a:lnSpc>
+              <a:spcBef>
+                <a:spcPts val="0"/>
+              </a:spcBef>
+              <a:spcAft>
+                <a:spcPts val="0"/>
+              </a:spcAft>
+              <a:buClrTx/>
+              <a:buSzTx/>
+              <a:buFontTx/>
+              <a:buNone/>
+              <a:tabLst/>
+              <a:defRPr/>
+            </a:pPr>
+            <a:r>
+              <a:rPr lang="en-US" dirty="0" smtClean="0"/>
+              <a:t>An assumption</a:t>
+            </a:r>
+            <a:r>
+              <a:rPr lang="en-US" baseline="0" dirty="0" smtClean="0"/>
+              <a:t> for the construction of these rarefaction curves is that spatial distribution of species is random, which it rarely is in reality. </a:t>
+            </a:r>
+            <a:endParaRPr lang="en-US" dirty="0" smtClean="0"/>
+          </a:p>
+          <a:p>
+            <a:pPr marL="0" marR="0" indent="0" algn="l" defTabSz="914400" rtl="0" eaLnBrk="1" fontAlgn="auto" latinLnBrk="0" hangingPunct="1">
+              <a:lnSpc>
+                <a:spcPct val="100000"/>
+              </a:lnSpc>
+              <a:spcBef>
+                <a:spcPts val="0"/>
+              </a:spcBef>
+              <a:spcAft>
+                <a:spcPts val="0"/>
+              </a:spcAft>
+              <a:buClrTx/>
+              <a:buSzTx/>
+              <a:buFontTx/>
+              <a:buNone/>
+              <a:tabLst/>
+              <a:defRPr/>
+            </a:pPr>
+            <a:endParaRPr lang="en-US" dirty="0" smtClean="0"/>
+          </a:p>
+          <a:p>
+            <a:pPr marL="0" marR="0" indent="0" algn="l" defTabSz="914400" rtl="0" eaLnBrk="1" fontAlgn="auto" latinLnBrk="0" hangingPunct="1">
+              <a:lnSpc>
+                <a:spcPct val="100000"/>
+              </a:lnSpc>
+              <a:spcBef>
+                <a:spcPts val="0"/>
+              </a:spcBef>
+              <a:spcAft>
+                <a:spcPts val="0"/>
+              </a:spcAft>
+              <a:buClrTx/>
+              <a:buSzTx/>
+              <a:buFontTx/>
+              <a:buNone/>
+              <a:tabLst/>
+              <a:defRPr/>
+            </a:pPr>
+            <a:r>
+              <a:rPr lang="en-US" dirty="0" smtClean="0"/>
+              <a:t>Numbers of individuals (i.e., density effects)</a:t>
+            </a:r>
+            <a:br>
+              <a:rPr lang="en-US" dirty="0" smtClean="0"/>
+            </a:br>
+            <a:r>
+              <a:rPr lang="en-US" dirty="0" smtClean="0"/>
+              <a:t>The distribution of rarity and commonness (i.e., the SAD) </a:t>
+            </a:r>
+            <a:br>
+              <a:rPr lang="en-US" dirty="0" smtClean="0"/>
+            </a:br>
+            <a:r>
+              <a:rPr lang="en-US" dirty="0" smtClean="0"/>
+              <a:t>The spatial patchiness or aggregation of conspecifics. </a:t>
+            </a:r>
+            <a:endParaRPr lang="en-US" dirty="0" smtClean="0">
+              <a:effectLst/>
+            </a:endParaRPr>
+          </a:p>
+          <a:p>
+            <a:endParaRPr lang="en-US" dirty="0"/>
+          </a:p>
+        </p:txBody>
+      </p:sp>
+      <p:sp>
+        <p:nvSpPr>
+          <p:cNvPr id="4" name="Slide Number Placeholder 3"/>
+          <p:cNvSpPr>
+            <a:spLocks noGrp="1"/>
+          </p:cNvSpPr>
+          <p:nvPr>
+            <p:ph type="sldNum" sz="quarter" idx="10"/>
+          </p:nvPr>
+        </p:nvSpPr>
+        <p:spPr/>
+        <p:txBody>
+          <a:bodyPr/>
+          <a:lstStyle/>
+          <a:p>
+            <a:fld id="{A0309D27-C847-6442-B1B3-8E323062575D}" type="slidenum">
+              <a:rPr lang="en-US" smtClean="0"/>
+              <a:t>7</a:t>
+            </a:fld>
+            <a:endParaRPr lang="en-US"/>
+          </a:p>
+        </p:txBody>
+      </p:sp>
+    </p:spTree>
+    <p:extLst>
+      <p:ext uri="{BB962C8B-B14F-4D97-AF65-F5344CB8AC3E}">
+        <p14:creationId xmlns:p14="http://schemas.microsoft.com/office/powerpoint/2010/main" val="433505111"/>
+      </p:ext>
+    </p:extLst>
+  </p:cSld>
+  <p:clrMapOvr>
+    <a:masterClrMapping/>
+  </p:clrMapOvr>
+</p:notes>
+</file>
+
+<file path=ppt/notesSlides/notesSlide5.xml><?xml version="1.0" encoding="utf-8"?>
+<p:notes xmlns:a="http://schemas.openxmlformats.org/drawingml/2006/main" xmlns:r="http://schemas.openxmlformats.org/officeDocument/2006/relationships" xmlns:p="http://schemas.openxmlformats.org/presentationml/2006/main">
+  <p:cSld>
+    <p:spTree>
+      <p:nvGrpSpPr>
+        <p:cNvPr id="1" name=""/>
+        <p:cNvGrpSpPr/>
+        <p:nvPr/>
+      </p:nvGrpSpPr>
+      <p:grpSpPr>
+        <a:xfrm>
+          <a:off x="0" y="0"/>
+          <a:ext cx="0" cy="0"/>
+          <a:chOff x="0" y="0"/>
+          <a:chExt cx="0" cy="0"/>
+        </a:xfrm>
+      </p:grpSpPr>
+      <p:sp>
+        <p:nvSpPr>
+          <p:cNvPr id="2" name="Slide Image Placeholder 1"/>
+          <p:cNvSpPr>
+            <a:spLocks noGrp="1" noRot="1" noChangeAspect="1"/>
+          </p:cNvSpPr>
+          <p:nvPr>
+            <p:ph type="sldImg"/>
+          </p:nvPr>
+        </p:nvSpPr>
+        <p:spPr/>
+      </p:sp>
+      <p:sp>
+        <p:nvSpPr>
+          <p:cNvPr id="3" name="Notes Placeholder 2"/>
+          <p:cNvSpPr>
+            <a:spLocks noGrp="1"/>
+          </p:cNvSpPr>
+          <p:nvPr>
+            <p:ph type="body" idx="1"/>
+          </p:nvPr>
+        </p:nvSpPr>
+        <p:spPr/>
+        <p:txBody>
+          <a:bodyPr/>
+          <a:lstStyle/>
+          <a:p>
+            <a:r>
+              <a:rPr lang="en-US" dirty="0" smtClean="0"/>
+              <a:t>Creators of the package aimed to make it as close to click and point as possible</a:t>
+            </a:r>
+          </a:p>
+          <a:p>
+            <a:r>
+              <a:rPr lang="en-US" dirty="0" smtClean="0"/>
+              <a:t>Because so much happens backstage, and it</a:t>
+            </a:r>
+            <a:r>
+              <a:rPr lang="mr-IN" dirty="0" smtClean="0"/>
+              <a:t>’</a:t>
+            </a:r>
+            <a:r>
+              <a:rPr lang="en-US" dirty="0" smtClean="0"/>
+              <a:t>s a new package, this means that when you have a problem it’s almost impossible to troubleshoot</a:t>
+            </a:r>
+          </a:p>
+          <a:p>
+            <a:endParaRPr lang="en-US" dirty="0" smtClean="0"/>
+          </a:p>
+          <a:p>
+            <a:r>
+              <a:rPr lang="en-US" dirty="0" smtClean="0"/>
+              <a:t>My aim is to bring forward the code behind the package, apply to my data, and annotate to be able to find problems</a:t>
+            </a:r>
+          </a:p>
+          <a:p>
+            <a:endParaRPr lang="en-US" dirty="0"/>
+          </a:p>
+        </p:txBody>
+      </p:sp>
+      <p:sp>
+        <p:nvSpPr>
+          <p:cNvPr id="4" name="Slide Number Placeholder 3"/>
+          <p:cNvSpPr>
+            <a:spLocks noGrp="1"/>
+          </p:cNvSpPr>
+          <p:nvPr>
+            <p:ph type="sldNum" sz="quarter" idx="10"/>
+          </p:nvPr>
+        </p:nvSpPr>
+        <p:spPr/>
+        <p:txBody>
+          <a:bodyPr/>
+          <a:lstStyle/>
+          <a:p>
+            <a:fld id="{A0309D27-C847-6442-B1B3-8E323062575D}" type="slidenum">
+              <a:rPr lang="en-US" smtClean="0"/>
+              <a:t>9</a:t>
+            </a:fld>
+            <a:endParaRPr lang="en-US"/>
+          </a:p>
+        </p:txBody>
+      </p:sp>
+    </p:spTree>
+    <p:extLst>
+      <p:ext uri="{BB962C8B-B14F-4D97-AF65-F5344CB8AC3E}">
+        <p14:creationId xmlns:p14="http://schemas.microsoft.com/office/powerpoint/2010/main" val="483991748"/>
+      </p:ext>
+    </p:extLst>
+  </p:cSld>
+  <p:clrMapOvr>
+    <a:masterClrMapping/>
+  </p:clrMapOvr>
+</p:notes>
+</file>
+
+<file path=ppt/notesSlides/notesSlide6.xml><?xml version="1.0" encoding="utf-8"?>
+<p:notes xmlns:a="http://schemas.openxmlformats.org/drawingml/2006/main" xmlns:r="http://schemas.openxmlformats.org/officeDocument/2006/relationships" xmlns:p="http://schemas.openxmlformats.org/presentationml/2006/main">
+  <p:cSld>
+    <p:spTree>
+      <p:nvGrpSpPr>
+        <p:cNvPr id="1" name=""/>
+        <p:cNvGrpSpPr/>
+        <p:nvPr/>
+      </p:nvGrpSpPr>
+      <p:grpSpPr>
+        <a:xfrm>
+          <a:off x="0" y="0"/>
+          <a:ext cx="0" cy="0"/>
+          <a:chOff x="0" y="0"/>
+          <a:chExt cx="0" cy="0"/>
+        </a:xfrm>
+      </p:grpSpPr>
+      <p:sp>
+        <p:nvSpPr>
+          <p:cNvPr id="2" name="Slide Image Placeholder 1"/>
+          <p:cNvSpPr>
+            <a:spLocks noGrp="1" noRot="1" noChangeAspect="1"/>
+          </p:cNvSpPr>
+          <p:nvPr>
+            <p:ph type="sldImg"/>
+          </p:nvPr>
+        </p:nvSpPr>
+        <p:spPr/>
+      </p:sp>
+      <p:sp>
+        <p:nvSpPr>
+          <p:cNvPr id="3" name="Notes Placeholder 2"/>
+          <p:cNvSpPr>
+            <a:spLocks noGrp="1"/>
+          </p:cNvSpPr>
+          <p:nvPr>
+            <p:ph type="body" idx="1"/>
+          </p:nvPr>
+        </p:nvSpPr>
+        <p:spPr/>
+        <p:txBody>
+          <a:bodyPr/>
+          <a:lstStyle/>
+          <a:p>
             <a:r>
               <a:rPr lang="en-US" dirty="0" smtClean="0"/>
               <a:t>Of course when I code similar functions,</a:t>
@@ -912,7 +1262,7 @@
           <a:p>
             <a:fld id="{A0309D27-C847-6442-B1B3-8E323062575D}" type="slidenum">
               <a:rPr lang="en-US" smtClean="0"/>
-              <a:t>9</a:t>
+              <a:t>10</a:t>
             </a:fld>
             <a:endParaRPr lang="en-US"/>
           </a:p>
@@ -3800,12 +4150,14 @@
         </p:nvSpPr>
         <p:spPr/>
         <p:txBody>
-          <a:bodyPr/>
+          <a:bodyPr>
+            <a:normAutofit fontScale="90000"/>
+          </a:bodyPr>
           <a:lstStyle/>
           <a:p>
             <a:r>
               <a:rPr lang="en-US" dirty="0" smtClean="0"/>
-              <a:t>Understanding species richness and rarefaction</a:t>
+              <a:t>Understanding species richness and rarefaction across scales</a:t>
             </a:r>
             <a:endParaRPr lang="en-US" dirty="0"/>
           </a:p>
@@ -3847,6 +4199,1052 @@
     <p:extLst>
       <p:ext uri="{BB962C8B-B14F-4D97-AF65-F5344CB8AC3E}">
         <p14:creationId xmlns:p14="http://schemas.microsoft.com/office/powerpoint/2010/main" val="932379806"/>
+      </p:ext>
+    </p:extLst>
+  </p:cSld>
+  <p:clrMapOvr>
+    <a:masterClrMapping/>
+  </p:clrMapOvr>
+</p:sld>
+</file>
+
+<file path=ppt/slides/slide10.xml><?xml version="1.0" encoding="utf-8"?>
+<p:sld xmlns:a="http://schemas.openxmlformats.org/drawingml/2006/main" xmlns:r="http://schemas.openxmlformats.org/officeDocument/2006/relationships" xmlns:p="http://schemas.openxmlformats.org/presentationml/2006/main">
+  <p:cSld>
+    <p:spTree>
+      <p:nvGrpSpPr>
+        <p:cNvPr id="1" name=""/>
+        <p:cNvGrpSpPr/>
+        <p:nvPr/>
+      </p:nvGrpSpPr>
+      <p:grpSpPr>
+        <a:xfrm>
+          <a:off x="0" y="0"/>
+          <a:ext cx="0" cy="0"/>
+          <a:chOff x="0" y="0"/>
+          <a:chExt cx="0" cy="0"/>
+        </a:xfrm>
+      </p:grpSpPr>
+      <p:sp>
+        <p:nvSpPr>
+          <p:cNvPr id="9" name="TextBox 8"/>
+          <p:cNvSpPr txBox="1"/>
+          <p:nvPr/>
+        </p:nvSpPr>
+        <p:spPr>
+          <a:xfrm>
+            <a:off x="588936" y="337208"/>
+            <a:ext cx="3130657" cy="646331"/>
+          </a:xfrm>
+          <a:prstGeom prst="rect">
+            <a:avLst/>
+          </a:prstGeom>
+          <a:solidFill>
+            <a:schemeClr val="accent5">
+              <a:lumMod val="60000"/>
+              <a:lumOff val="40000"/>
+            </a:schemeClr>
+          </a:solidFill>
+        </p:spPr>
+        <p:txBody>
+          <a:bodyPr wrap="square" rtlCol="0">
+            <a:spAutoFit/>
+          </a:bodyPr>
+          <a:lstStyle/>
+          <a:p>
+            <a:r>
+              <a:rPr lang="en-US" dirty="0" smtClean="0"/>
+              <a:t>Get data in the right format</a:t>
+            </a:r>
+          </a:p>
+          <a:p>
+            <a:endParaRPr lang="en-US" dirty="0"/>
+          </a:p>
+        </p:txBody>
+      </p:sp>
+      <p:sp>
+        <p:nvSpPr>
+          <p:cNvPr id="10" name="TextBox 9"/>
+          <p:cNvSpPr txBox="1"/>
+          <p:nvPr/>
+        </p:nvSpPr>
+        <p:spPr>
+          <a:xfrm>
+            <a:off x="588936" y="1407062"/>
+            <a:ext cx="3130657" cy="646331"/>
+          </a:xfrm>
+          <a:prstGeom prst="rect">
+            <a:avLst/>
+          </a:prstGeom>
+          <a:solidFill>
+            <a:schemeClr val="accent5">
+              <a:lumMod val="60000"/>
+              <a:lumOff val="40000"/>
+            </a:schemeClr>
+          </a:solidFill>
+        </p:spPr>
+        <p:txBody>
+          <a:bodyPr wrap="square" rtlCol="0">
+            <a:spAutoFit/>
+          </a:bodyPr>
+          <a:lstStyle/>
+          <a:p>
+            <a:r>
+              <a:rPr lang="en-US" dirty="0" smtClean="0"/>
+              <a:t>Exploratory plotting:</a:t>
+            </a:r>
+          </a:p>
+          <a:p>
+            <a:r>
+              <a:rPr lang="en-US" dirty="0" smtClean="0"/>
+              <a:t>Calculate richness, SAD</a:t>
+            </a:r>
+            <a:endParaRPr lang="en-US" dirty="0"/>
+          </a:p>
+        </p:txBody>
+      </p:sp>
+      <p:sp>
+        <p:nvSpPr>
+          <p:cNvPr id="12" name="TextBox 11"/>
+          <p:cNvSpPr txBox="1"/>
+          <p:nvPr/>
+        </p:nvSpPr>
+        <p:spPr>
+          <a:xfrm>
+            <a:off x="588936" y="2678761"/>
+            <a:ext cx="3130657" cy="646331"/>
+          </a:xfrm>
+          <a:prstGeom prst="rect">
+            <a:avLst/>
+          </a:prstGeom>
+          <a:solidFill>
+            <a:schemeClr val="accent5">
+              <a:lumMod val="60000"/>
+              <a:lumOff val="40000"/>
+            </a:schemeClr>
+          </a:solidFill>
+        </p:spPr>
+        <p:txBody>
+          <a:bodyPr wrap="square" rtlCol="0">
+            <a:spAutoFit/>
+          </a:bodyPr>
+          <a:lstStyle/>
+          <a:p>
+            <a:r>
+              <a:rPr lang="en-US" dirty="0" smtClean="0"/>
+              <a:t>Create spatial, </a:t>
+            </a:r>
+            <a:r>
+              <a:rPr lang="en-US" dirty="0" err="1" smtClean="0"/>
+              <a:t>nonspatial</a:t>
+            </a:r>
+            <a:r>
+              <a:rPr lang="en-US" dirty="0" smtClean="0"/>
+              <a:t> </a:t>
+            </a:r>
+          </a:p>
+          <a:p>
+            <a:r>
+              <a:rPr lang="en-US" dirty="0" smtClean="0"/>
+              <a:t>and individual rarefaction curve</a:t>
+            </a:r>
+          </a:p>
+        </p:txBody>
+      </p:sp>
+      <p:sp>
+        <p:nvSpPr>
+          <p:cNvPr id="13" name="TextBox 12"/>
+          <p:cNvSpPr txBox="1"/>
+          <p:nvPr/>
+        </p:nvSpPr>
+        <p:spPr>
+          <a:xfrm>
+            <a:off x="588936" y="3986407"/>
+            <a:ext cx="3130656" cy="923330"/>
+          </a:xfrm>
+          <a:prstGeom prst="rect">
+            <a:avLst/>
+          </a:prstGeom>
+          <a:solidFill>
+            <a:schemeClr val="accent5">
+              <a:lumMod val="60000"/>
+              <a:lumOff val="40000"/>
+            </a:schemeClr>
+          </a:solidFill>
+        </p:spPr>
+        <p:txBody>
+          <a:bodyPr wrap="square" rtlCol="0">
+            <a:spAutoFit/>
+          </a:bodyPr>
+          <a:lstStyle/>
+          <a:p>
+            <a:r>
+              <a:rPr lang="en-US" dirty="0" smtClean="0"/>
+              <a:t>Calculate rarefied richness difference </a:t>
+            </a:r>
+            <a:r>
+              <a:rPr lang="en-US" smtClean="0"/>
+              <a:t>between treatments </a:t>
+            </a:r>
+            <a:r>
+              <a:rPr lang="en-US" dirty="0" smtClean="0"/>
+              <a:t>across samples/individuals</a:t>
+            </a:r>
+            <a:endParaRPr lang="en-US" dirty="0"/>
+          </a:p>
+        </p:txBody>
+      </p:sp>
+      <p:sp>
+        <p:nvSpPr>
+          <p:cNvPr id="14" name="TextBox 13"/>
+          <p:cNvSpPr txBox="1"/>
+          <p:nvPr/>
+        </p:nvSpPr>
+        <p:spPr>
+          <a:xfrm>
+            <a:off x="588936" y="5483665"/>
+            <a:ext cx="3130656" cy="923330"/>
+          </a:xfrm>
+          <a:prstGeom prst="rect">
+            <a:avLst/>
+          </a:prstGeom>
+          <a:solidFill>
+            <a:schemeClr val="accent5">
+              <a:lumMod val="60000"/>
+              <a:lumOff val="40000"/>
+            </a:schemeClr>
+          </a:solidFill>
+        </p:spPr>
+        <p:txBody>
+          <a:bodyPr wrap="square" rtlCol="0">
+            <a:spAutoFit/>
+          </a:bodyPr>
+          <a:lstStyle/>
+          <a:p>
+            <a:r>
+              <a:rPr lang="en-US" dirty="0" smtClean="0"/>
+              <a:t>Calculate difference between </a:t>
+            </a:r>
+          </a:p>
+          <a:p>
+            <a:r>
+              <a:rPr lang="en-US" dirty="0" smtClean="0"/>
+              <a:t>spatial, </a:t>
+            </a:r>
+            <a:r>
+              <a:rPr lang="en-US" dirty="0" err="1" smtClean="0"/>
+              <a:t>nonspatial</a:t>
+            </a:r>
+            <a:r>
+              <a:rPr lang="en-US" dirty="0" smtClean="0"/>
+              <a:t> and </a:t>
+            </a:r>
+          </a:p>
+          <a:p>
+            <a:r>
+              <a:rPr lang="en-US" dirty="0" smtClean="0"/>
+              <a:t>individual rarefaction</a:t>
+            </a:r>
+            <a:endParaRPr lang="en-US" dirty="0"/>
+          </a:p>
+        </p:txBody>
+      </p:sp>
+      <p:sp>
+        <p:nvSpPr>
+          <p:cNvPr id="15" name="TextBox 14"/>
+          <p:cNvSpPr txBox="1"/>
+          <p:nvPr/>
+        </p:nvSpPr>
+        <p:spPr>
+          <a:xfrm>
+            <a:off x="4472458" y="4309900"/>
+            <a:ext cx="2591215" cy="646331"/>
+          </a:xfrm>
+          <a:prstGeom prst="rect">
+            <a:avLst/>
+          </a:prstGeom>
+          <a:solidFill>
+            <a:schemeClr val="accent5">
+              <a:lumMod val="60000"/>
+              <a:lumOff val="40000"/>
+            </a:schemeClr>
+          </a:solidFill>
+        </p:spPr>
+        <p:txBody>
+          <a:bodyPr wrap="square" rtlCol="0">
+            <a:spAutoFit/>
+          </a:bodyPr>
+          <a:lstStyle/>
+          <a:p>
+            <a:r>
+              <a:rPr lang="en-US" dirty="0" smtClean="0"/>
+              <a:t>Plot these values against  sample n</a:t>
+            </a:r>
+          </a:p>
+        </p:txBody>
+      </p:sp>
+      <p:sp>
+        <p:nvSpPr>
+          <p:cNvPr id="16" name="TextBox 15"/>
+          <p:cNvSpPr txBox="1"/>
+          <p:nvPr/>
+        </p:nvSpPr>
+        <p:spPr>
+          <a:xfrm>
+            <a:off x="8493071" y="4726763"/>
+            <a:ext cx="2991173" cy="923330"/>
+          </a:xfrm>
+          <a:prstGeom prst="rect">
+            <a:avLst/>
+          </a:prstGeom>
+          <a:noFill/>
+          <a:ln w="44450">
+            <a:solidFill>
+              <a:schemeClr val="tx1"/>
+            </a:solidFill>
+          </a:ln>
+        </p:spPr>
+        <p:txBody>
+          <a:bodyPr wrap="square" rtlCol="0">
+            <a:spAutoFit/>
+          </a:bodyPr>
+          <a:lstStyle/>
+          <a:p>
+            <a:r>
+              <a:rPr lang="en-US" dirty="0" smtClean="0"/>
+              <a:t>Create code for some similar functions (annotated function can be cheat sheet)</a:t>
+            </a:r>
+            <a:endParaRPr lang="en-US" dirty="0"/>
+          </a:p>
+        </p:txBody>
+      </p:sp>
+      <p:sp>
+        <p:nvSpPr>
+          <p:cNvPr id="17" name="TextBox 16"/>
+          <p:cNvSpPr txBox="1"/>
+          <p:nvPr/>
+        </p:nvSpPr>
+        <p:spPr>
+          <a:xfrm>
+            <a:off x="8493071" y="2598824"/>
+            <a:ext cx="2991173" cy="646331"/>
+          </a:xfrm>
+          <a:prstGeom prst="rect">
+            <a:avLst/>
+          </a:prstGeom>
+          <a:noFill/>
+          <a:ln w="44450">
+            <a:solidFill>
+              <a:schemeClr val="tx1"/>
+            </a:solidFill>
+          </a:ln>
+        </p:spPr>
+        <p:txBody>
+          <a:bodyPr wrap="square" rtlCol="0">
+            <a:spAutoFit/>
+          </a:bodyPr>
+          <a:lstStyle/>
+          <a:p>
+            <a:r>
+              <a:rPr lang="en-US" dirty="0" smtClean="0"/>
+              <a:t>Extract functions from </a:t>
+            </a:r>
+            <a:r>
+              <a:rPr lang="en-US" dirty="0" err="1" smtClean="0"/>
+              <a:t>mobr</a:t>
+            </a:r>
+            <a:r>
+              <a:rPr lang="en-US" dirty="0" smtClean="0"/>
+              <a:t> package</a:t>
+            </a:r>
+            <a:endParaRPr lang="en-US" dirty="0"/>
+          </a:p>
+        </p:txBody>
+      </p:sp>
+      <p:sp>
+        <p:nvSpPr>
+          <p:cNvPr id="18" name="TextBox 17"/>
+          <p:cNvSpPr txBox="1"/>
+          <p:nvPr/>
+        </p:nvSpPr>
+        <p:spPr>
+          <a:xfrm>
+            <a:off x="8493071" y="3596569"/>
+            <a:ext cx="2991173" cy="646331"/>
+          </a:xfrm>
+          <a:prstGeom prst="rect">
+            <a:avLst/>
+          </a:prstGeom>
+          <a:noFill/>
+          <a:ln w="44450">
+            <a:solidFill>
+              <a:schemeClr val="tx1"/>
+            </a:solidFill>
+          </a:ln>
+        </p:spPr>
+        <p:txBody>
+          <a:bodyPr wrap="square" rtlCol="0">
+            <a:spAutoFit/>
+          </a:bodyPr>
+          <a:lstStyle/>
+          <a:p>
+            <a:r>
+              <a:rPr lang="en-US" dirty="0" smtClean="0"/>
+              <a:t>Annotate </a:t>
+            </a:r>
+            <a:r>
+              <a:rPr lang="en-US" dirty="0" err="1" smtClean="0"/>
+              <a:t>mobr</a:t>
+            </a:r>
+            <a:r>
+              <a:rPr lang="en-US" dirty="0" smtClean="0"/>
+              <a:t> functions to </a:t>
+            </a:r>
+          </a:p>
+          <a:p>
+            <a:r>
+              <a:rPr lang="en-US" dirty="0" smtClean="0"/>
+              <a:t>produce ‘dummy-proof’ code</a:t>
+            </a:r>
+            <a:endParaRPr lang="en-US" dirty="0"/>
+          </a:p>
+        </p:txBody>
+      </p:sp>
+      <p:sp>
+        <p:nvSpPr>
+          <p:cNvPr id="21" name="Down Arrow 20"/>
+          <p:cNvSpPr/>
+          <p:nvPr/>
+        </p:nvSpPr>
+        <p:spPr>
+          <a:xfrm>
+            <a:off x="1991532" y="895646"/>
+            <a:ext cx="325464" cy="323165"/>
+          </a:xfrm>
+          <a:prstGeom prst="downArrow">
+            <a:avLst/>
+          </a:prstGeom>
+          <a:solidFill>
+            <a:schemeClr val="tx1"/>
+          </a:solidFill>
+          <a:ln>
+            <a:solidFill>
+              <a:schemeClr val="tx1"/>
+            </a:solidFill>
+          </a:ln>
+        </p:spPr>
+        <p:style>
+          <a:lnRef idx="2">
+            <a:schemeClr val="accent1">
+              <a:shade val="50000"/>
+            </a:schemeClr>
+          </a:lnRef>
+          <a:fillRef idx="1">
+            <a:schemeClr val="accent1"/>
+          </a:fillRef>
+          <a:effectRef idx="0">
+            <a:schemeClr val="accent1"/>
+          </a:effectRef>
+          <a:fontRef idx="minor">
+            <a:schemeClr val="lt1"/>
+          </a:fontRef>
+        </p:style>
+        <p:txBody>
+          <a:bodyPr rtlCol="0" anchor="ctr"/>
+          <a:lstStyle/>
+          <a:p>
+            <a:pPr algn="ctr"/>
+            <a:endParaRPr lang="en-US"/>
+          </a:p>
+        </p:txBody>
+      </p:sp>
+      <p:sp>
+        <p:nvSpPr>
+          <p:cNvPr id="22" name="Down Arrow 21"/>
+          <p:cNvSpPr/>
+          <p:nvPr/>
+        </p:nvSpPr>
+        <p:spPr>
+          <a:xfrm>
+            <a:off x="1991532" y="2316828"/>
+            <a:ext cx="325464" cy="323165"/>
+          </a:xfrm>
+          <a:prstGeom prst="downArrow">
+            <a:avLst/>
+          </a:prstGeom>
+          <a:solidFill>
+            <a:schemeClr val="tx1"/>
+          </a:solidFill>
+          <a:ln>
+            <a:solidFill>
+              <a:schemeClr val="tx1"/>
+            </a:solidFill>
+          </a:ln>
+        </p:spPr>
+        <p:style>
+          <a:lnRef idx="2">
+            <a:schemeClr val="accent1">
+              <a:shade val="50000"/>
+            </a:schemeClr>
+          </a:lnRef>
+          <a:fillRef idx="1">
+            <a:schemeClr val="accent1"/>
+          </a:fillRef>
+          <a:effectRef idx="0">
+            <a:schemeClr val="accent1"/>
+          </a:effectRef>
+          <a:fontRef idx="minor">
+            <a:schemeClr val="lt1"/>
+          </a:fontRef>
+        </p:style>
+        <p:txBody>
+          <a:bodyPr rtlCol="0" anchor="ctr"/>
+          <a:lstStyle/>
+          <a:p>
+            <a:pPr algn="ctr"/>
+            <a:endParaRPr lang="en-US"/>
+          </a:p>
+        </p:txBody>
+      </p:sp>
+      <p:sp>
+        <p:nvSpPr>
+          <p:cNvPr id="23" name="Down Arrow 22"/>
+          <p:cNvSpPr/>
+          <p:nvPr/>
+        </p:nvSpPr>
+        <p:spPr>
+          <a:xfrm>
+            <a:off x="1991532" y="3596570"/>
+            <a:ext cx="325464" cy="323165"/>
+          </a:xfrm>
+          <a:prstGeom prst="downArrow">
+            <a:avLst/>
+          </a:prstGeom>
+          <a:solidFill>
+            <a:schemeClr val="tx1"/>
+          </a:solidFill>
+          <a:ln>
+            <a:solidFill>
+              <a:schemeClr val="tx1"/>
+            </a:solidFill>
+          </a:ln>
+        </p:spPr>
+        <p:style>
+          <a:lnRef idx="2">
+            <a:schemeClr val="accent1">
+              <a:shade val="50000"/>
+            </a:schemeClr>
+          </a:lnRef>
+          <a:fillRef idx="1">
+            <a:schemeClr val="accent1"/>
+          </a:fillRef>
+          <a:effectRef idx="0">
+            <a:schemeClr val="accent1"/>
+          </a:effectRef>
+          <a:fontRef idx="minor">
+            <a:schemeClr val="lt1"/>
+          </a:fontRef>
+        </p:style>
+        <p:txBody>
+          <a:bodyPr rtlCol="0" anchor="ctr"/>
+          <a:lstStyle/>
+          <a:p>
+            <a:pPr algn="ctr"/>
+            <a:endParaRPr lang="en-US"/>
+          </a:p>
+        </p:txBody>
+      </p:sp>
+      <p:sp>
+        <p:nvSpPr>
+          <p:cNvPr id="24" name="Down Arrow 23"/>
+          <p:cNvSpPr/>
+          <p:nvPr/>
+        </p:nvSpPr>
+        <p:spPr>
+          <a:xfrm>
+            <a:off x="1991532" y="5114006"/>
+            <a:ext cx="325464" cy="323165"/>
+          </a:xfrm>
+          <a:prstGeom prst="downArrow">
+            <a:avLst/>
+          </a:prstGeom>
+          <a:solidFill>
+            <a:schemeClr val="tx1"/>
+          </a:solidFill>
+          <a:ln>
+            <a:solidFill>
+              <a:schemeClr val="tx1"/>
+            </a:solidFill>
+          </a:ln>
+        </p:spPr>
+        <p:style>
+          <a:lnRef idx="2">
+            <a:schemeClr val="accent1">
+              <a:shade val="50000"/>
+            </a:schemeClr>
+          </a:lnRef>
+          <a:fillRef idx="1">
+            <a:schemeClr val="accent1"/>
+          </a:fillRef>
+          <a:effectRef idx="0">
+            <a:schemeClr val="accent1"/>
+          </a:effectRef>
+          <a:fontRef idx="minor">
+            <a:schemeClr val="lt1"/>
+          </a:fontRef>
+        </p:style>
+        <p:txBody>
+          <a:bodyPr rtlCol="0" anchor="ctr"/>
+          <a:lstStyle/>
+          <a:p>
+            <a:pPr algn="ctr"/>
+            <a:endParaRPr lang="en-US"/>
+          </a:p>
+        </p:txBody>
+      </p:sp>
+      <p:sp>
+        <p:nvSpPr>
+          <p:cNvPr id="25" name="TextBox 24"/>
+          <p:cNvSpPr txBox="1"/>
+          <p:nvPr/>
+        </p:nvSpPr>
+        <p:spPr>
+          <a:xfrm>
+            <a:off x="4472458" y="5437170"/>
+            <a:ext cx="2591215" cy="646331"/>
+          </a:xfrm>
+          <a:prstGeom prst="rect">
+            <a:avLst/>
+          </a:prstGeom>
+          <a:solidFill>
+            <a:schemeClr val="accent5">
+              <a:lumMod val="60000"/>
+              <a:lumOff val="40000"/>
+            </a:schemeClr>
+          </a:solidFill>
+        </p:spPr>
+        <p:txBody>
+          <a:bodyPr wrap="square" rtlCol="0">
+            <a:spAutoFit/>
+          </a:bodyPr>
+          <a:lstStyle/>
+          <a:p>
+            <a:r>
+              <a:rPr lang="en-US" dirty="0" smtClean="0"/>
+              <a:t>Interpret results</a:t>
+            </a:r>
+          </a:p>
+          <a:p>
+            <a:endParaRPr lang="en-US" dirty="0"/>
+          </a:p>
+        </p:txBody>
+      </p:sp>
+      <p:sp>
+        <p:nvSpPr>
+          <p:cNvPr id="26" name="Right Arrow 25"/>
+          <p:cNvSpPr/>
+          <p:nvPr/>
+        </p:nvSpPr>
+        <p:spPr>
+          <a:xfrm>
+            <a:off x="3518115" y="5054774"/>
+            <a:ext cx="954343" cy="267308"/>
+          </a:xfrm>
+          <a:prstGeom prst="rightArrow">
+            <a:avLst/>
+          </a:prstGeom>
+          <a:solidFill>
+            <a:schemeClr val="tx1"/>
+          </a:solidFill>
+          <a:ln>
+            <a:solidFill>
+              <a:schemeClr val="tx1"/>
+            </a:solidFill>
+          </a:ln>
+        </p:spPr>
+        <p:style>
+          <a:lnRef idx="2">
+            <a:schemeClr val="accent1">
+              <a:shade val="50000"/>
+            </a:schemeClr>
+          </a:lnRef>
+          <a:fillRef idx="1">
+            <a:schemeClr val="accent1"/>
+          </a:fillRef>
+          <a:effectRef idx="0">
+            <a:schemeClr val="accent1"/>
+          </a:effectRef>
+          <a:fontRef idx="minor">
+            <a:schemeClr val="lt1"/>
+          </a:fontRef>
+        </p:style>
+        <p:txBody>
+          <a:bodyPr rtlCol="0" anchor="ctr"/>
+          <a:lstStyle/>
+          <a:p>
+            <a:pPr algn="ctr"/>
+            <a:endParaRPr lang="en-US"/>
+          </a:p>
+        </p:txBody>
+      </p:sp>
+      <p:sp>
+        <p:nvSpPr>
+          <p:cNvPr id="27" name="TextBox 26"/>
+          <p:cNvSpPr txBox="1"/>
+          <p:nvPr/>
+        </p:nvSpPr>
+        <p:spPr>
+          <a:xfrm>
+            <a:off x="8493071" y="1191631"/>
+            <a:ext cx="2991173" cy="923330"/>
+          </a:xfrm>
+          <a:prstGeom prst="rect">
+            <a:avLst/>
+          </a:prstGeom>
+          <a:noFill/>
+          <a:ln w="44450">
+            <a:solidFill>
+              <a:schemeClr val="tx1"/>
+            </a:solidFill>
+          </a:ln>
+        </p:spPr>
+        <p:txBody>
+          <a:bodyPr wrap="square" rtlCol="0">
+            <a:spAutoFit/>
+          </a:bodyPr>
+          <a:lstStyle/>
+          <a:p>
+            <a:r>
+              <a:rPr lang="en-US" dirty="0" smtClean="0"/>
+              <a:t>Run data examples in </a:t>
+            </a:r>
+          </a:p>
+          <a:p>
+            <a:r>
+              <a:rPr lang="en-US" dirty="0" err="1" smtClean="0"/>
+              <a:t>mobr</a:t>
+            </a:r>
+            <a:r>
+              <a:rPr lang="en-US" dirty="0" smtClean="0"/>
+              <a:t> package</a:t>
+            </a:r>
+          </a:p>
+          <a:p>
+            <a:endParaRPr lang="en-US" dirty="0"/>
+          </a:p>
+        </p:txBody>
+      </p:sp>
+      <p:sp>
+        <p:nvSpPr>
+          <p:cNvPr id="28" name="Down Arrow 27"/>
+          <p:cNvSpPr/>
+          <p:nvPr/>
+        </p:nvSpPr>
+        <p:spPr>
+          <a:xfrm>
+            <a:off x="9825925" y="3119739"/>
+            <a:ext cx="325464" cy="323165"/>
+          </a:xfrm>
+          <a:prstGeom prst="downArrow">
+            <a:avLst/>
+          </a:prstGeom>
+          <a:solidFill>
+            <a:schemeClr val="tx1"/>
+          </a:solidFill>
+          <a:ln>
+            <a:solidFill>
+              <a:schemeClr val="tx1"/>
+            </a:solidFill>
+          </a:ln>
+        </p:spPr>
+        <p:style>
+          <a:lnRef idx="2">
+            <a:schemeClr val="accent1">
+              <a:shade val="50000"/>
+            </a:schemeClr>
+          </a:lnRef>
+          <a:fillRef idx="1">
+            <a:schemeClr val="accent1"/>
+          </a:fillRef>
+          <a:effectRef idx="0">
+            <a:schemeClr val="accent1"/>
+          </a:effectRef>
+          <a:fontRef idx="minor">
+            <a:schemeClr val="lt1"/>
+          </a:fontRef>
+        </p:style>
+        <p:txBody>
+          <a:bodyPr rtlCol="0" anchor="ctr"/>
+          <a:lstStyle/>
+          <a:p>
+            <a:pPr algn="ctr"/>
+            <a:endParaRPr lang="en-US"/>
+          </a:p>
+        </p:txBody>
+      </p:sp>
+      <p:sp>
+        <p:nvSpPr>
+          <p:cNvPr id="29" name="Down Arrow 28"/>
+          <p:cNvSpPr/>
+          <p:nvPr/>
+        </p:nvSpPr>
+        <p:spPr>
+          <a:xfrm>
+            <a:off x="9825925" y="2037244"/>
+            <a:ext cx="325464" cy="323165"/>
+          </a:xfrm>
+          <a:prstGeom prst="downArrow">
+            <a:avLst/>
+          </a:prstGeom>
+          <a:solidFill>
+            <a:schemeClr val="tx1"/>
+          </a:solidFill>
+          <a:ln>
+            <a:solidFill>
+              <a:schemeClr val="tx1"/>
+            </a:solidFill>
+          </a:ln>
+        </p:spPr>
+        <p:style>
+          <a:lnRef idx="2">
+            <a:schemeClr val="accent1">
+              <a:shade val="50000"/>
+            </a:schemeClr>
+          </a:lnRef>
+          <a:fillRef idx="1">
+            <a:schemeClr val="accent1"/>
+          </a:fillRef>
+          <a:effectRef idx="0">
+            <a:schemeClr val="accent1"/>
+          </a:effectRef>
+          <a:fontRef idx="minor">
+            <a:schemeClr val="lt1"/>
+          </a:fontRef>
+        </p:style>
+        <p:txBody>
+          <a:bodyPr rtlCol="0" anchor="ctr"/>
+          <a:lstStyle/>
+          <a:p>
+            <a:pPr algn="ctr"/>
+            <a:endParaRPr lang="en-US"/>
+          </a:p>
+        </p:txBody>
+      </p:sp>
+      <p:sp>
+        <p:nvSpPr>
+          <p:cNvPr id="30" name="Down Arrow 29"/>
+          <p:cNvSpPr/>
+          <p:nvPr/>
+        </p:nvSpPr>
+        <p:spPr>
+          <a:xfrm>
+            <a:off x="9825925" y="4343468"/>
+            <a:ext cx="325464" cy="323165"/>
+          </a:xfrm>
+          <a:prstGeom prst="downArrow">
+            <a:avLst/>
+          </a:prstGeom>
+          <a:solidFill>
+            <a:schemeClr val="tx1"/>
+          </a:solidFill>
+          <a:ln>
+            <a:solidFill>
+              <a:schemeClr val="tx1"/>
+            </a:solidFill>
+          </a:ln>
+        </p:spPr>
+        <p:style>
+          <a:lnRef idx="2">
+            <a:schemeClr val="accent1">
+              <a:shade val="50000"/>
+            </a:schemeClr>
+          </a:lnRef>
+          <a:fillRef idx="1">
+            <a:schemeClr val="accent1"/>
+          </a:fillRef>
+          <a:effectRef idx="0">
+            <a:schemeClr val="accent1"/>
+          </a:effectRef>
+          <a:fontRef idx="minor">
+            <a:schemeClr val="lt1"/>
+          </a:fontRef>
+        </p:style>
+        <p:txBody>
+          <a:bodyPr rtlCol="0" anchor="ctr"/>
+          <a:lstStyle/>
+          <a:p>
+            <a:pPr algn="ctr"/>
+            <a:endParaRPr lang="en-US"/>
+          </a:p>
+        </p:txBody>
+      </p:sp>
+      <p:sp>
+        <p:nvSpPr>
+          <p:cNvPr id="31" name="Title 30"/>
+          <p:cNvSpPr>
+            <a:spLocks noGrp="1"/>
+          </p:cNvSpPr>
+          <p:nvPr>
+            <p:ph type="title"/>
+          </p:nvPr>
+        </p:nvSpPr>
+        <p:spPr/>
+        <p:txBody>
+          <a:bodyPr/>
+          <a:lstStyle/>
+          <a:p>
+            <a:pPr algn="ctr"/>
+            <a:r>
+              <a:rPr lang="en-US" dirty="0" smtClean="0"/>
+              <a:t>Workflow:</a:t>
+            </a:r>
+            <a:endParaRPr lang="en-US" dirty="0"/>
+          </a:p>
+        </p:txBody>
+      </p:sp>
+    </p:spTree>
+    <p:extLst>
+      <p:ext uri="{BB962C8B-B14F-4D97-AF65-F5344CB8AC3E}">
+        <p14:creationId xmlns:p14="http://schemas.microsoft.com/office/powerpoint/2010/main" val="843910275"/>
+      </p:ext>
+    </p:extLst>
+  </p:cSld>
+  <p:clrMapOvr>
+    <a:masterClrMapping/>
+  </p:clrMapOvr>
+</p:sld>
+</file>
+
+<file path=ppt/slides/slide11.xml><?xml version="1.0" encoding="utf-8"?>
+<p:sld xmlns:a="http://schemas.openxmlformats.org/drawingml/2006/main" xmlns:r="http://schemas.openxmlformats.org/officeDocument/2006/relationships" xmlns:p="http://schemas.openxmlformats.org/presentationml/2006/main">
+  <p:cSld>
+    <p:spTree>
+      <p:nvGrpSpPr>
+        <p:cNvPr id="1" name=""/>
+        <p:cNvGrpSpPr/>
+        <p:nvPr/>
+      </p:nvGrpSpPr>
+      <p:grpSpPr>
+        <a:xfrm>
+          <a:off x="0" y="0"/>
+          <a:ext cx="0" cy="0"/>
+          <a:chOff x="0" y="0"/>
+          <a:chExt cx="0" cy="0"/>
+        </a:xfrm>
+      </p:grpSpPr>
+      <p:sp>
+        <p:nvSpPr>
+          <p:cNvPr id="2" name="Title 1"/>
+          <p:cNvSpPr>
+            <a:spLocks noGrp="1"/>
+          </p:cNvSpPr>
+          <p:nvPr>
+            <p:ph type="title"/>
+          </p:nvPr>
+        </p:nvSpPr>
+        <p:spPr/>
+        <p:txBody>
+          <a:bodyPr/>
+          <a:lstStyle/>
+          <a:p>
+            <a:endParaRPr lang="en-US"/>
+          </a:p>
+        </p:txBody>
+      </p:sp>
+    </p:spTree>
+    <p:extLst>
+      <p:ext uri="{BB962C8B-B14F-4D97-AF65-F5344CB8AC3E}">
+        <p14:creationId xmlns:p14="http://schemas.microsoft.com/office/powerpoint/2010/main" val="80415568"/>
+      </p:ext>
+    </p:extLst>
+  </p:cSld>
+  <p:clrMapOvr>
+    <a:masterClrMapping/>
+  </p:clrMapOvr>
+</p:sld>
+</file>
+
+<file path=ppt/slides/slide12.xml><?xml version="1.0" encoding="utf-8"?>
+<p:sld xmlns:a="http://schemas.openxmlformats.org/drawingml/2006/main" xmlns:r="http://schemas.openxmlformats.org/officeDocument/2006/relationships" xmlns:p="http://schemas.openxmlformats.org/presentationml/2006/main">
+  <p:cSld>
+    <p:spTree>
+      <p:nvGrpSpPr>
+        <p:cNvPr id="1" name=""/>
+        <p:cNvGrpSpPr/>
+        <p:nvPr/>
+      </p:nvGrpSpPr>
+      <p:grpSpPr>
+        <a:xfrm>
+          <a:off x="0" y="0"/>
+          <a:ext cx="0" cy="0"/>
+          <a:chOff x="0" y="0"/>
+          <a:chExt cx="0" cy="0"/>
+        </a:xfrm>
+      </p:grpSpPr>
+      <p:sp>
+        <p:nvSpPr>
+          <p:cNvPr id="2" name="Title 1"/>
+          <p:cNvSpPr>
+            <a:spLocks noGrp="1"/>
+          </p:cNvSpPr>
+          <p:nvPr>
+            <p:ph type="title"/>
+          </p:nvPr>
+        </p:nvSpPr>
+        <p:spPr/>
+        <p:txBody>
+          <a:bodyPr/>
+          <a:lstStyle/>
+          <a:p>
+            <a:endParaRPr lang="en-US"/>
+          </a:p>
+        </p:txBody>
+      </p:sp>
+      <p:pic>
+        <p:nvPicPr>
+          <p:cNvPr id="8193" name="Picture 1" descr="age11image712"/>
+          <p:cNvPicPr>
+            <a:picLocks noChangeAspect="1" noChangeArrowheads="1"/>
+          </p:cNvPicPr>
+          <p:nvPr/>
+        </p:nvPicPr>
+        <p:blipFill>
+          <a:blip r:embed="rId2">
+            <a:extLst>
+              <a:ext uri="{28A0092B-C50C-407E-A947-70E740481C1C}">
+                <a14:useLocalDpi xmlns:a14="http://schemas.microsoft.com/office/drawing/2010/main" val="0"/>
+              </a:ext>
+            </a:extLst>
+          </a:blip>
+          <a:srcRect/>
+          <a:stretch>
+            <a:fillRect/>
+          </a:stretch>
+        </p:blipFill>
+        <p:spPr bwMode="auto">
+          <a:xfrm>
+            <a:off x="2552843" y="622895"/>
+            <a:ext cx="7086313" cy="5847648"/>
+          </a:xfrm>
+          <a:prstGeom prst="rect">
+            <a:avLst/>
+          </a:prstGeom>
+          <a:noFill/>
+          <a:extLst>
+            <a:ext uri="{909E8E84-426E-40DD-AFC4-6F175D3DCCD1}">
+              <a14:hiddenFill xmlns:a14="http://schemas.microsoft.com/office/drawing/2010/main">
+                <a:solidFill>
+                  <a:srgbClr val="FFFFFF"/>
+                </a:solidFill>
+              </a14:hiddenFill>
+            </a:ext>
+          </a:extLst>
+        </p:spPr>
+      </p:pic>
+    </p:spTree>
+    <p:extLst>
+      <p:ext uri="{BB962C8B-B14F-4D97-AF65-F5344CB8AC3E}">
+        <p14:creationId xmlns:p14="http://schemas.microsoft.com/office/powerpoint/2010/main" val="777237413"/>
       </p:ext>
     </p:extLst>
   </p:cSld>
@@ -4133,7 +5531,12 @@
             <p:ph idx="1"/>
           </p:nvPr>
         </p:nvSpPr>
-        <p:spPr/>
+        <p:spPr>
+          <a:xfrm>
+            <a:off x="838200" y="1376174"/>
+            <a:ext cx="10515600" cy="4351338"/>
+          </a:xfrm>
+        </p:spPr>
         <p:txBody>
           <a:bodyPr/>
           <a:lstStyle/>
@@ -4147,6 +5550,12 @@
             <a:r>
               <a:rPr lang="en-US" dirty="0" smtClean="0"/>
               <a:t>Spatial autocorrelation</a:t>
+            </a:r>
+          </a:p>
+          <a:p>
+            <a:r>
+              <a:rPr lang="en-US" dirty="0" smtClean="0"/>
+              <a:t>Nonlinear richness to sampling curve</a:t>
             </a:r>
             <a:endParaRPr lang="en-US" dirty="0"/>
           </a:p>
@@ -4161,7 +5570,7 @@
           <p:nvPr/>
         </p:nvPicPr>
         <p:blipFill rotWithShape="1">
-          <a:blip r:embed="rId2">
+          <a:blip r:embed="rId3">
             <a:extLst>
               <a:ext uri="{28A0092B-C50C-407E-A947-70E740481C1C}">
                 <a14:useLocalDpi xmlns:a14="http://schemas.microsoft.com/office/drawing/2010/main" val="0"/>
@@ -4280,7 +5689,41 @@
       </p:sp>
       <p:sp>
         <p:nvSpPr>
-          <p:cNvPr id="3" name="Content Placeholder 2"/>
+          <p:cNvPr id="4" name="TextBox 3"/>
+          <p:cNvSpPr txBox="1"/>
+          <p:nvPr/>
+        </p:nvSpPr>
+        <p:spPr>
+          <a:xfrm>
+            <a:off x="8493072" y="6488668"/>
+            <a:ext cx="3787832" cy="369332"/>
+          </a:xfrm>
+          <a:prstGeom prst="rect">
+            <a:avLst/>
+          </a:prstGeom>
+          <a:noFill/>
+        </p:spPr>
+        <p:txBody>
+          <a:bodyPr wrap="none" rtlCol="0">
+            <a:spAutoFit/>
+          </a:bodyPr>
+          <a:lstStyle/>
+          <a:p>
+            <a:r>
+              <a:rPr lang="en-US" dirty="0" err="1" smtClean="0"/>
+              <a:t>Gotelli</a:t>
+            </a:r>
+            <a:r>
+              <a:rPr lang="en-US" dirty="0" smtClean="0"/>
+              <a:t> &amp; Colwell, Ecology Letters 2001</a:t>
+            </a:r>
+            <a:endParaRPr lang="en-US" dirty="0"/>
+          </a:p>
+        </p:txBody>
+      </p:sp>
+      <p:sp>
+        <p:nvSpPr>
+          <p:cNvPr id="6" name="Content Placeholder 5"/>
           <p:cNvSpPr>
             <a:spLocks noGrp="1"/>
           </p:cNvSpPr>
@@ -4293,13 +5736,120 @@
           <a:bodyPr/>
           <a:lstStyle/>
           <a:p>
-            <a:endParaRPr lang="en-US" dirty="0"/>
+            <a:endParaRPr lang="en-US"/>
           </a:p>
         </p:txBody>
       </p:sp>
       <p:pic>
         <p:nvPicPr>
-          <p:cNvPr id="1026" name="Picture 2" descr="/var/folders/1k/frw0hb79133_p4hnc2v2_vtc0000gn/T/com.microsoft.Powerpoint/WebArchiveCopyPasteTempFiles/p3744"/>
+          <p:cNvPr id="8" name="Picture 2" descr="/var/folders/1k/frw0hb79133_p4hnc2v2_vtc0000gn/T/com.microsoft.Powerpoint/WebArchiveCopyPasteTempFiles/p3744"/>
+          <p:cNvPicPr>
+            <a:picLocks noChangeAspect="1" noChangeArrowheads="1"/>
+          </p:cNvPicPr>
+          <p:nvPr/>
+        </p:nvPicPr>
+        <p:blipFill rotWithShape="1">
+          <a:blip r:embed="rId3">
+            <a:extLst>
+              <a:ext uri="{28A0092B-C50C-407E-A947-70E740481C1C}">
+                <a14:useLocalDpi xmlns:a14="http://schemas.microsoft.com/office/drawing/2010/main" val="0"/>
+              </a:ext>
+            </a:extLst>
+          </a:blip>
+          <a:srcRect b="67237"/>
+          <a:stretch/>
+        </p:blipFill>
+        <p:spPr bwMode="auto">
+          <a:xfrm>
+            <a:off x="2261492" y="2018869"/>
+            <a:ext cx="8071971" cy="4215541"/>
+          </a:xfrm>
+          <a:prstGeom prst="rect">
+            <a:avLst/>
+          </a:prstGeom>
+          <a:noFill/>
+          <a:extLst>
+            <a:ext uri="{909E8E84-426E-40DD-AFC4-6F175D3DCCD1}">
+              <a14:hiddenFill xmlns:a14="http://schemas.microsoft.com/office/drawing/2010/main">
+                <a:solidFill>
+                  <a:srgbClr val="FFFFFF"/>
+                </a:solidFill>
+              </a14:hiddenFill>
+            </a:ext>
+          </a:extLst>
+        </p:spPr>
+      </p:pic>
+    </p:spTree>
+    <p:extLst>
+      <p:ext uri="{BB962C8B-B14F-4D97-AF65-F5344CB8AC3E}">
+        <p14:creationId xmlns:p14="http://schemas.microsoft.com/office/powerpoint/2010/main" val="834406941"/>
+      </p:ext>
+    </p:extLst>
+  </p:cSld>
+  <p:clrMapOvr>
+    <a:masterClrMapping/>
+  </p:clrMapOvr>
+</p:sld>
+</file>
+
+<file path=ppt/slides/slide6.xml><?xml version="1.0" encoding="utf-8"?>
+<p:sld xmlns:a="http://schemas.openxmlformats.org/drawingml/2006/main" xmlns:r="http://schemas.openxmlformats.org/officeDocument/2006/relationships" xmlns:p="http://schemas.openxmlformats.org/presentationml/2006/main">
+  <p:cSld>
+    <p:spTree>
+      <p:nvGrpSpPr>
+        <p:cNvPr id="1" name=""/>
+        <p:cNvGrpSpPr/>
+        <p:nvPr/>
+      </p:nvGrpSpPr>
+      <p:grpSpPr>
+        <a:xfrm>
+          <a:off x="0" y="0"/>
+          <a:ext cx="0" cy="0"/>
+          <a:chOff x="0" y="0"/>
+          <a:chExt cx="0" cy="0"/>
+        </a:xfrm>
+      </p:grpSpPr>
+      <p:sp>
+        <p:nvSpPr>
+          <p:cNvPr id="2" name="Title 1"/>
+          <p:cNvSpPr>
+            <a:spLocks noGrp="1"/>
+          </p:cNvSpPr>
+          <p:nvPr>
+            <p:ph type="title"/>
+          </p:nvPr>
+        </p:nvSpPr>
+        <p:spPr/>
+        <p:txBody>
+          <a:bodyPr/>
+          <a:lstStyle/>
+          <a:p>
+            <a:endParaRPr lang="en-US"/>
+          </a:p>
+        </p:txBody>
+      </p:sp>
+      <p:sp>
+        <p:nvSpPr>
+          <p:cNvPr id="3" name="Content Placeholder 2"/>
+          <p:cNvSpPr>
+            <a:spLocks noGrp="1"/>
+          </p:cNvSpPr>
+          <p:nvPr>
+            <p:ph idx="1"/>
+          </p:nvPr>
+        </p:nvSpPr>
+        <p:spPr/>
+        <p:txBody>
+          <a:bodyPr/>
+          <a:lstStyle/>
+          <a:p>
+            <a:endParaRPr lang="en-US"/>
+          </a:p>
+        </p:txBody>
+      </p:sp>
+      <p:pic>
+        <p:nvPicPr>
+          <p:cNvPr id="4" name="Picture 2" descr="/var/folders/1k/frw0hb79133_p4hnc2v2_vtc0000gn/T/com.microsoft.Powerpoint/WebArchiveCopyPasteTempFiles/p3744"/>
           <p:cNvPicPr>
             <a:picLocks noChangeAspect="1" noChangeArrowheads="1"/>
           </p:cNvPicPr>
@@ -4340,7 +5890,7 @@
       </p:pic>
       <p:sp>
         <p:nvSpPr>
-          <p:cNvPr id="4" name="TextBox 3"/>
+          <p:cNvPr id="5" name="TextBox 4"/>
           <p:cNvSpPr txBox="1"/>
           <p:nvPr/>
         </p:nvSpPr>
@@ -4375,7 +5925,7 @@
     </p:spTree>
     <p:extLst>
       <p:ext uri="{BB962C8B-B14F-4D97-AF65-F5344CB8AC3E}">
-        <p14:creationId xmlns:p14="http://schemas.microsoft.com/office/powerpoint/2010/main" val="834406941"/>
+        <p14:creationId xmlns:p14="http://schemas.microsoft.com/office/powerpoint/2010/main" val="1757869352"/>
       </p:ext>
     </p:extLst>
   </p:cSld>
@@ -4385,7 +5935,7 @@
 </p:sld>
 </file>
 
-<file path=ppt/slides/slide6.xml><?xml version="1.0" encoding="utf-8"?>
+<file path=ppt/slides/slide7.xml><?xml version="1.0" encoding="utf-8"?>
 <p:sld xmlns:a="http://schemas.openxmlformats.org/drawingml/2006/main" xmlns:r="http://schemas.openxmlformats.org/officeDocument/2006/relationships" xmlns:p="http://schemas.openxmlformats.org/presentationml/2006/main">
   <p:cSld>
     <p:spTree>
@@ -4471,6 +6021,79 @@
           </a:p>
         </p:txBody>
       </p:sp>
+      <p:pic>
+        <p:nvPicPr>
+          <p:cNvPr id="4" name="Picture 2" descr="/var/folders/1k/frw0hb79133_p4hnc2v2_vtc0000gn/T/com.microsoft.Powerpoint/WebArchiveCopyPasteTempFiles/p3744"/>
+          <p:cNvPicPr>
+            <a:picLocks noChangeAspect="1" noChangeArrowheads="1"/>
+          </p:cNvPicPr>
+          <p:nvPr/>
+        </p:nvPicPr>
+        <p:blipFill rotWithShape="1">
+          <a:blip r:embed="rId3">
+            <a:extLst>
+              <a:ext uri="{28A0092B-C50C-407E-A947-70E740481C1C}">
+                <a14:useLocalDpi xmlns:a14="http://schemas.microsoft.com/office/drawing/2010/main" val="0"/>
+              </a:ext>
+            </a:extLst>
+          </a:blip>
+          <a:srcRect b="31147"/>
+          <a:stretch/>
+        </p:blipFill>
+        <p:spPr bwMode="auto">
+          <a:xfrm>
+            <a:off x="7857977" y="1825625"/>
+            <a:ext cx="4334023" cy="4756607"/>
+          </a:xfrm>
+          <a:prstGeom prst="rect">
+            <a:avLst/>
+          </a:prstGeom>
+          <a:noFill/>
+          <a:extLst>
+            <a:ext uri="{909E8E84-426E-40DD-AFC4-6F175D3DCCD1}">
+              <a14:hiddenFill xmlns:a14="http://schemas.microsoft.com/office/drawing/2010/main">
+                <a:solidFill>
+                  <a:srgbClr val="FFFFFF"/>
+                </a:solidFill>
+              </a14:hiddenFill>
+            </a:ext>
+          </a:extLst>
+        </p:spPr>
+      </p:pic>
+      <p:sp>
+        <p:nvSpPr>
+          <p:cNvPr id="5" name="TextBox 4"/>
+          <p:cNvSpPr txBox="1"/>
+          <p:nvPr/>
+        </p:nvSpPr>
+        <p:spPr>
+          <a:xfrm>
+            <a:off x="8493072" y="6488668"/>
+            <a:ext cx="3787832" cy="369332"/>
+          </a:xfrm>
+          <a:prstGeom prst="rect">
+            <a:avLst/>
+          </a:prstGeom>
+          <a:noFill/>
+        </p:spPr>
+        <p:txBody>
+          <a:bodyPr wrap="none" rtlCol="0">
+            <a:spAutoFit/>
+          </a:bodyPr>
+          <a:lstStyle/>
+          <a:p>
+            <a:r>
+              <a:rPr lang="en-US" dirty="0" err="1" smtClean="0"/>
+              <a:t>Gotelli</a:t>
+            </a:r>
+            <a:r>
+              <a:rPr lang="en-US" dirty="0" smtClean="0"/>
+              <a:t> &amp; Colwell, Ecology Letters 2001</a:t>
+            </a:r>
+            <a:endParaRPr lang="en-US" dirty="0"/>
+          </a:p>
+        </p:txBody>
+      </p:sp>
     </p:spTree>
     <p:extLst>
       <p:ext uri="{BB962C8B-B14F-4D97-AF65-F5344CB8AC3E}">
@@ -4484,7 +6107,7 @@
 </p:sld>
 </file>
 
-<file path=ppt/slides/slide7.xml><?xml version="1.0" encoding="utf-8"?>
+<file path=ppt/slides/slide8.xml><?xml version="1.0" encoding="utf-8"?>
 <p:sld xmlns:a="http://schemas.openxmlformats.org/drawingml/2006/main" xmlns:r="http://schemas.openxmlformats.org/officeDocument/2006/relationships" xmlns:p="http://schemas.openxmlformats.org/presentationml/2006/main">
   <p:cSld>
     <p:spTree>
@@ -4621,7 +6244,7 @@
 </p:sld>
 </file>
 
-<file path=ppt/slides/slide8.xml><?xml version="1.0" encoding="utf-8"?>
+<file path=ppt/slides/slide9.xml><?xml version="1.0" encoding="utf-8"?>
 <p:sld xmlns:a="http://schemas.openxmlformats.org/drawingml/2006/main" xmlns:r="http://schemas.openxmlformats.org/officeDocument/2006/relationships" xmlns:p="http://schemas.openxmlformats.org/presentationml/2006/main">
   <p:cSld>
     <p:spTree>
@@ -4742,933 +6365,6 @@
     <p:extLst>
       <p:ext uri="{BB962C8B-B14F-4D97-AF65-F5344CB8AC3E}">
         <p14:creationId xmlns:p14="http://schemas.microsoft.com/office/powerpoint/2010/main" val="1940931787"/>
-      </p:ext>
-    </p:extLst>
-  </p:cSld>
-  <p:clrMapOvr>
-    <a:masterClrMapping/>
-  </p:clrMapOvr>
-</p:sld>
-</file>
-
-<file path=ppt/slides/slide9.xml><?xml version="1.0" encoding="utf-8"?>
-<p:sld xmlns:a="http://schemas.openxmlformats.org/drawingml/2006/main" xmlns:r="http://schemas.openxmlformats.org/officeDocument/2006/relationships" xmlns:p="http://schemas.openxmlformats.org/presentationml/2006/main">
-  <p:cSld>
-    <p:spTree>
-      <p:nvGrpSpPr>
-        <p:cNvPr id="1" name=""/>
-        <p:cNvGrpSpPr/>
-        <p:nvPr/>
-      </p:nvGrpSpPr>
-      <p:grpSpPr>
-        <a:xfrm>
-          <a:off x="0" y="0"/>
-          <a:ext cx="0" cy="0"/>
-          <a:chOff x="0" y="0"/>
-          <a:chExt cx="0" cy="0"/>
-        </a:xfrm>
-      </p:grpSpPr>
-      <p:sp>
-        <p:nvSpPr>
-          <p:cNvPr id="9" name="TextBox 8"/>
-          <p:cNvSpPr txBox="1"/>
-          <p:nvPr/>
-        </p:nvSpPr>
-        <p:spPr>
-          <a:xfrm>
-            <a:off x="588936" y="337208"/>
-            <a:ext cx="3130657" cy="646331"/>
-          </a:xfrm>
-          <a:prstGeom prst="rect">
-            <a:avLst/>
-          </a:prstGeom>
-          <a:solidFill>
-            <a:schemeClr val="accent5">
-              <a:lumMod val="60000"/>
-              <a:lumOff val="40000"/>
-            </a:schemeClr>
-          </a:solidFill>
-        </p:spPr>
-        <p:txBody>
-          <a:bodyPr wrap="square" rtlCol="0">
-            <a:spAutoFit/>
-          </a:bodyPr>
-          <a:lstStyle/>
-          <a:p>
-            <a:r>
-              <a:rPr lang="en-US" dirty="0" smtClean="0"/>
-              <a:t>Get data in the right format</a:t>
-            </a:r>
-          </a:p>
-          <a:p>
-            <a:endParaRPr lang="en-US" dirty="0"/>
-          </a:p>
-        </p:txBody>
-      </p:sp>
-      <p:sp>
-        <p:nvSpPr>
-          <p:cNvPr id="10" name="TextBox 9"/>
-          <p:cNvSpPr txBox="1"/>
-          <p:nvPr/>
-        </p:nvSpPr>
-        <p:spPr>
-          <a:xfrm>
-            <a:off x="588936" y="1407062"/>
-            <a:ext cx="3130657" cy="646331"/>
-          </a:xfrm>
-          <a:prstGeom prst="rect">
-            <a:avLst/>
-          </a:prstGeom>
-          <a:solidFill>
-            <a:schemeClr val="accent5">
-              <a:lumMod val="60000"/>
-              <a:lumOff val="40000"/>
-            </a:schemeClr>
-          </a:solidFill>
-        </p:spPr>
-        <p:txBody>
-          <a:bodyPr wrap="square" rtlCol="0">
-            <a:spAutoFit/>
-          </a:bodyPr>
-          <a:lstStyle/>
-          <a:p>
-            <a:r>
-              <a:rPr lang="en-US" dirty="0" smtClean="0"/>
-              <a:t>Exploratory plotting:</a:t>
-            </a:r>
-          </a:p>
-          <a:p>
-            <a:r>
-              <a:rPr lang="en-US" dirty="0" smtClean="0"/>
-              <a:t>Calculate richness, SAD</a:t>
-            </a:r>
-            <a:endParaRPr lang="en-US" dirty="0"/>
-          </a:p>
-        </p:txBody>
-      </p:sp>
-      <p:sp>
-        <p:nvSpPr>
-          <p:cNvPr id="12" name="TextBox 11"/>
-          <p:cNvSpPr txBox="1"/>
-          <p:nvPr/>
-        </p:nvSpPr>
-        <p:spPr>
-          <a:xfrm>
-            <a:off x="588936" y="2678761"/>
-            <a:ext cx="3130657" cy="646331"/>
-          </a:xfrm>
-          <a:prstGeom prst="rect">
-            <a:avLst/>
-          </a:prstGeom>
-          <a:solidFill>
-            <a:schemeClr val="accent5">
-              <a:lumMod val="60000"/>
-              <a:lumOff val="40000"/>
-            </a:schemeClr>
-          </a:solidFill>
-        </p:spPr>
-        <p:txBody>
-          <a:bodyPr wrap="square" rtlCol="0">
-            <a:spAutoFit/>
-          </a:bodyPr>
-          <a:lstStyle/>
-          <a:p>
-            <a:r>
-              <a:rPr lang="en-US" dirty="0" smtClean="0"/>
-              <a:t>Create spatial, </a:t>
-            </a:r>
-            <a:r>
-              <a:rPr lang="en-US" dirty="0" err="1" smtClean="0"/>
-              <a:t>nonspatial</a:t>
-            </a:r>
-            <a:r>
-              <a:rPr lang="en-US" dirty="0" smtClean="0"/>
-              <a:t> </a:t>
-            </a:r>
-          </a:p>
-          <a:p>
-            <a:r>
-              <a:rPr lang="en-US" dirty="0" smtClean="0"/>
-              <a:t>and individual rarefaction curve</a:t>
-            </a:r>
-          </a:p>
-        </p:txBody>
-      </p:sp>
-      <p:sp>
-        <p:nvSpPr>
-          <p:cNvPr id="13" name="TextBox 12"/>
-          <p:cNvSpPr txBox="1"/>
-          <p:nvPr/>
-        </p:nvSpPr>
-        <p:spPr>
-          <a:xfrm>
-            <a:off x="588936" y="3986407"/>
-            <a:ext cx="3130656" cy="923330"/>
-          </a:xfrm>
-          <a:prstGeom prst="rect">
-            <a:avLst/>
-          </a:prstGeom>
-          <a:solidFill>
-            <a:schemeClr val="accent5">
-              <a:lumMod val="60000"/>
-              <a:lumOff val="40000"/>
-            </a:schemeClr>
-          </a:solidFill>
-        </p:spPr>
-        <p:txBody>
-          <a:bodyPr wrap="square" rtlCol="0">
-            <a:spAutoFit/>
-          </a:bodyPr>
-          <a:lstStyle/>
-          <a:p>
-            <a:r>
-              <a:rPr lang="en-US" dirty="0" smtClean="0"/>
-              <a:t>Calculate rarefied richness difference </a:t>
-            </a:r>
-            <a:r>
-              <a:rPr lang="en-US" smtClean="0"/>
-              <a:t>between treatments </a:t>
-            </a:r>
-            <a:r>
-              <a:rPr lang="en-US" dirty="0" smtClean="0"/>
-              <a:t>across samples/individuals</a:t>
-            </a:r>
-            <a:endParaRPr lang="en-US" dirty="0"/>
-          </a:p>
-        </p:txBody>
-      </p:sp>
-      <p:sp>
-        <p:nvSpPr>
-          <p:cNvPr id="14" name="TextBox 13"/>
-          <p:cNvSpPr txBox="1"/>
-          <p:nvPr/>
-        </p:nvSpPr>
-        <p:spPr>
-          <a:xfrm>
-            <a:off x="588936" y="5483665"/>
-            <a:ext cx="3130656" cy="923330"/>
-          </a:xfrm>
-          <a:prstGeom prst="rect">
-            <a:avLst/>
-          </a:prstGeom>
-          <a:solidFill>
-            <a:schemeClr val="accent5">
-              <a:lumMod val="60000"/>
-              <a:lumOff val="40000"/>
-            </a:schemeClr>
-          </a:solidFill>
-        </p:spPr>
-        <p:txBody>
-          <a:bodyPr wrap="square" rtlCol="0">
-            <a:spAutoFit/>
-          </a:bodyPr>
-          <a:lstStyle/>
-          <a:p>
-            <a:r>
-              <a:rPr lang="en-US" dirty="0" smtClean="0"/>
-              <a:t>Calculate difference between </a:t>
-            </a:r>
-          </a:p>
-          <a:p>
-            <a:r>
-              <a:rPr lang="en-US" dirty="0" smtClean="0"/>
-              <a:t>spatial, </a:t>
-            </a:r>
-            <a:r>
-              <a:rPr lang="en-US" dirty="0" err="1" smtClean="0"/>
-              <a:t>nonspatial</a:t>
-            </a:r>
-            <a:r>
-              <a:rPr lang="en-US" dirty="0" smtClean="0"/>
-              <a:t> and </a:t>
-            </a:r>
-          </a:p>
-          <a:p>
-            <a:r>
-              <a:rPr lang="en-US" dirty="0" smtClean="0"/>
-              <a:t>individual rarefaction</a:t>
-            </a:r>
-            <a:endParaRPr lang="en-US" dirty="0"/>
-          </a:p>
-        </p:txBody>
-      </p:sp>
-      <p:sp>
-        <p:nvSpPr>
-          <p:cNvPr id="15" name="TextBox 14"/>
-          <p:cNvSpPr txBox="1"/>
-          <p:nvPr/>
-        </p:nvSpPr>
-        <p:spPr>
-          <a:xfrm>
-            <a:off x="4472458" y="4309900"/>
-            <a:ext cx="2591215" cy="646331"/>
-          </a:xfrm>
-          <a:prstGeom prst="rect">
-            <a:avLst/>
-          </a:prstGeom>
-          <a:solidFill>
-            <a:schemeClr val="accent5">
-              <a:lumMod val="60000"/>
-              <a:lumOff val="40000"/>
-            </a:schemeClr>
-          </a:solidFill>
-        </p:spPr>
-        <p:txBody>
-          <a:bodyPr wrap="square" rtlCol="0">
-            <a:spAutoFit/>
-          </a:bodyPr>
-          <a:lstStyle/>
-          <a:p>
-            <a:r>
-              <a:rPr lang="en-US" dirty="0" smtClean="0"/>
-              <a:t>Plot these values against  sample n</a:t>
-            </a:r>
-          </a:p>
-        </p:txBody>
-      </p:sp>
-      <p:sp>
-        <p:nvSpPr>
-          <p:cNvPr id="16" name="TextBox 15"/>
-          <p:cNvSpPr txBox="1"/>
-          <p:nvPr/>
-        </p:nvSpPr>
-        <p:spPr>
-          <a:xfrm>
-            <a:off x="8493071" y="4726763"/>
-            <a:ext cx="2991173" cy="923330"/>
-          </a:xfrm>
-          <a:prstGeom prst="rect">
-            <a:avLst/>
-          </a:prstGeom>
-          <a:noFill/>
-          <a:ln w="44450">
-            <a:solidFill>
-              <a:schemeClr val="tx1"/>
-            </a:solidFill>
-          </a:ln>
-        </p:spPr>
-        <p:txBody>
-          <a:bodyPr wrap="square" rtlCol="0">
-            <a:spAutoFit/>
-          </a:bodyPr>
-          <a:lstStyle/>
-          <a:p>
-            <a:r>
-              <a:rPr lang="en-US" smtClean="0"/>
-              <a:t>Hand code </a:t>
-            </a:r>
-            <a:r>
-              <a:rPr lang="en-US" dirty="0" smtClean="0"/>
-              <a:t>similar </a:t>
-            </a:r>
-            <a:r>
-              <a:rPr lang="en-US" smtClean="0"/>
-              <a:t>functions (</a:t>
-            </a:r>
-            <a:r>
-              <a:rPr lang="en-US" dirty="0" smtClean="0"/>
-              <a:t>annotated function can function as </a:t>
-            </a:r>
-            <a:r>
-              <a:rPr lang="en-US" dirty="0" err="1" smtClean="0"/>
-              <a:t>cheatsheet</a:t>
-            </a:r>
-            <a:r>
-              <a:rPr lang="en-US" dirty="0" smtClean="0"/>
-              <a:t>)</a:t>
-            </a:r>
-            <a:endParaRPr lang="en-US" dirty="0"/>
-          </a:p>
-        </p:txBody>
-      </p:sp>
-      <p:sp>
-        <p:nvSpPr>
-          <p:cNvPr id="17" name="TextBox 16"/>
-          <p:cNvSpPr txBox="1"/>
-          <p:nvPr/>
-        </p:nvSpPr>
-        <p:spPr>
-          <a:xfrm>
-            <a:off x="8493071" y="2598824"/>
-            <a:ext cx="2991173" cy="646331"/>
-          </a:xfrm>
-          <a:prstGeom prst="rect">
-            <a:avLst/>
-          </a:prstGeom>
-          <a:noFill/>
-          <a:ln w="44450">
-            <a:solidFill>
-              <a:schemeClr val="tx1"/>
-            </a:solidFill>
-          </a:ln>
-        </p:spPr>
-        <p:txBody>
-          <a:bodyPr wrap="square" rtlCol="0">
-            <a:spAutoFit/>
-          </a:bodyPr>
-          <a:lstStyle/>
-          <a:p>
-            <a:r>
-              <a:rPr lang="en-US" dirty="0" smtClean="0"/>
-              <a:t>Extract functions from </a:t>
-            </a:r>
-            <a:r>
-              <a:rPr lang="en-US" dirty="0" err="1" smtClean="0"/>
-              <a:t>mobr</a:t>
-            </a:r>
-            <a:r>
-              <a:rPr lang="en-US" dirty="0" smtClean="0"/>
-              <a:t> package</a:t>
-            </a:r>
-            <a:endParaRPr lang="en-US" dirty="0"/>
-          </a:p>
-        </p:txBody>
-      </p:sp>
-      <p:sp>
-        <p:nvSpPr>
-          <p:cNvPr id="18" name="TextBox 17"/>
-          <p:cNvSpPr txBox="1"/>
-          <p:nvPr/>
-        </p:nvSpPr>
-        <p:spPr>
-          <a:xfrm>
-            <a:off x="8493071" y="3596569"/>
-            <a:ext cx="2991173" cy="646331"/>
-          </a:xfrm>
-          <a:prstGeom prst="rect">
-            <a:avLst/>
-          </a:prstGeom>
-          <a:noFill/>
-          <a:ln w="44450">
-            <a:solidFill>
-              <a:schemeClr val="tx1"/>
-            </a:solidFill>
-          </a:ln>
-        </p:spPr>
-        <p:txBody>
-          <a:bodyPr wrap="square" rtlCol="0">
-            <a:spAutoFit/>
-          </a:bodyPr>
-          <a:lstStyle/>
-          <a:p>
-            <a:r>
-              <a:rPr lang="en-US" dirty="0" smtClean="0"/>
-              <a:t>Annotate </a:t>
-            </a:r>
-            <a:r>
-              <a:rPr lang="en-US" dirty="0" err="1" smtClean="0"/>
-              <a:t>mobr</a:t>
-            </a:r>
-            <a:r>
-              <a:rPr lang="en-US" dirty="0" smtClean="0"/>
-              <a:t> functions to </a:t>
-            </a:r>
-          </a:p>
-          <a:p>
-            <a:r>
-              <a:rPr lang="en-US" dirty="0" smtClean="0"/>
-              <a:t>produce ‘dummy-proof’ code</a:t>
-            </a:r>
-            <a:endParaRPr lang="en-US" dirty="0"/>
-          </a:p>
-        </p:txBody>
-      </p:sp>
-      <p:sp>
-        <p:nvSpPr>
-          <p:cNvPr id="21" name="Down Arrow 20"/>
-          <p:cNvSpPr/>
-          <p:nvPr/>
-        </p:nvSpPr>
-        <p:spPr>
-          <a:xfrm>
-            <a:off x="1991532" y="895646"/>
-            <a:ext cx="325464" cy="323165"/>
-          </a:xfrm>
-          <a:prstGeom prst="downArrow">
-            <a:avLst/>
-          </a:prstGeom>
-          <a:solidFill>
-            <a:schemeClr val="tx1"/>
-          </a:solidFill>
-          <a:ln>
-            <a:solidFill>
-              <a:schemeClr val="tx1"/>
-            </a:solidFill>
-          </a:ln>
-        </p:spPr>
-        <p:style>
-          <a:lnRef idx="2">
-            <a:schemeClr val="accent1">
-              <a:shade val="50000"/>
-            </a:schemeClr>
-          </a:lnRef>
-          <a:fillRef idx="1">
-            <a:schemeClr val="accent1"/>
-          </a:fillRef>
-          <a:effectRef idx="0">
-            <a:schemeClr val="accent1"/>
-          </a:effectRef>
-          <a:fontRef idx="minor">
-            <a:schemeClr val="lt1"/>
-          </a:fontRef>
-        </p:style>
-        <p:txBody>
-          <a:bodyPr rtlCol="0" anchor="ctr"/>
-          <a:lstStyle/>
-          <a:p>
-            <a:pPr algn="ctr"/>
-            <a:endParaRPr lang="en-US"/>
-          </a:p>
-        </p:txBody>
-      </p:sp>
-      <p:sp>
-        <p:nvSpPr>
-          <p:cNvPr id="22" name="Down Arrow 21"/>
-          <p:cNvSpPr/>
-          <p:nvPr/>
-        </p:nvSpPr>
-        <p:spPr>
-          <a:xfrm>
-            <a:off x="1991532" y="2316828"/>
-            <a:ext cx="325464" cy="323165"/>
-          </a:xfrm>
-          <a:prstGeom prst="downArrow">
-            <a:avLst/>
-          </a:prstGeom>
-          <a:solidFill>
-            <a:schemeClr val="tx1"/>
-          </a:solidFill>
-          <a:ln>
-            <a:solidFill>
-              <a:schemeClr val="tx1"/>
-            </a:solidFill>
-          </a:ln>
-        </p:spPr>
-        <p:style>
-          <a:lnRef idx="2">
-            <a:schemeClr val="accent1">
-              <a:shade val="50000"/>
-            </a:schemeClr>
-          </a:lnRef>
-          <a:fillRef idx="1">
-            <a:schemeClr val="accent1"/>
-          </a:fillRef>
-          <a:effectRef idx="0">
-            <a:schemeClr val="accent1"/>
-          </a:effectRef>
-          <a:fontRef idx="minor">
-            <a:schemeClr val="lt1"/>
-          </a:fontRef>
-        </p:style>
-        <p:txBody>
-          <a:bodyPr rtlCol="0" anchor="ctr"/>
-          <a:lstStyle/>
-          <a:p>
-            <a:pPr algn="ctr"/>
-            <a:endParaRPr lang="en-US"/>
-          </a:p>
-        </p:txBody>
-      </p:sp>
-      <p:sp>
-        <p:nvSpPr>
-          <p:cNvPr id="23" name="Down Arrow 22"/>
-          <p:cNvSpPr/>
-          <p:nvPr/>
-        </p:nvSpPr>
-        <p:spPr>
-          <a:xfrm>
-            <a:off x="1991532" y="3596570"/>
-            <a:ext cx="325464" cy="323165"/>
-          </a:xfrm>
-          <a:prstGeom prst="downArrow">
-            <a:avLst/>
-          </a:prstGeom>
-          <a:solidFill>
-            <a:schemeClr val="tx1"/>
-          </a:solidFill>
-          <a:ln>
-            <a:solidFill>
-              <a:schemeClr val="tx1"/>
-            </a:solidFill>
-          </a:ln>
-        </p:spPr>
-        <p:style>
-          <a:lnRef idx="2">
-            <a:schemeClr val="accent1">
-              <a:shade val="50000"/>
-            </a:schemeClr>
-          </a:lnRef>
-          <a:fillRef idx="1">
-            <a:schemeClr val="accent1"/>
-          </a:fillRef>
-          <a:effectRef idx="0">
-            <a:schemeClr val="accent1"/>
-          </a:effectRef>
-          <a:fontRef idx="minor">
-            <a:schemeClr val="lt1"/>
-          </a:fontRef>
-        </p:style>
-        <p:txBody>
-          <a:bodyPr rtlCol="0" anchor="ctr"/>
-          <a:lstStyle/>
-          <a:p>
-            <a:pPr algn="ctr"/>
-            <a:endParaRPr lang="en-US"/>
-          </a:p>
-        </p:txBody>
-      </p:sp>
-      <p:sp>
-        <p:nvSpPr>
-          <p:cNvPr id="24" name="Down Arrow 23"/>
-          <p:cNvSpPr/>
-          <p:nvPr/>
-        </p:nvSpPr>
-        <p:spPr>
-          <a:xfrm>
-            <a:off x="1991532" y="5114006"/>
-            <a:ext cx="325464" cy="323165"/>
-          </a:xfrm>
-          <a:prstGeom prst="downArrow">
-            <a:avLst/>
-          </a:prstGeom>
-          <a:solidFill>
-            <a:schemeClr val="tx1"/>
-          </a:solidFill>
-          <a:ln>
-            <a:solidFill>
-              <a:schemeClr val="tx1"/>
-            </a:solidFill>
-          </a:ln>
-        </p:spPr>
-        <p:style>
-          <a:lnRef idx="2">
-            <a:schemeClr val="accent1">
-              <a:shade val="50000"/>
-            </a:schemeClr>
-          </a:lnRef>
-          <a:fillRef idx="1">
-            <a:schemeClr val="accent1"/>
-          </a:fillRef>
-          <a:effectRef idx="0">
-            <a:schemeClr val="accent1"/>
-          </a:effectRef>
-          <a:fontRef idx="minor">
-            <a:schemeClr val="lt1"/>
-          </a:fontRef>
-        </p:style>
-        <p:txBody>
-          <a:bodyPr rtlCol="0" anchor="ctr"/>
-          <a:lstStyle/>
-          <a:p>
-            <a:pPr algn="ctr"/>
-            <a:endParaRPr lang="en-US"/>
-          </a:p>
-        </p:txBody>
-      </p:sp>
-      <p:sp>
-        <p:nvSpPr>
-          <p:cNvPr id="25" name="TextBox 24"/>
-          <p:cNvSpPr txBox="1"/>
-          <p:nvPr/>
-        </p:nvSpPr>
-        <p:spPr>
-          <a:xfrm>
-            <a:off x="4472458" y="5437170"/>
-            <a:ext cx="2591215" cy="646331"/>
-          </a:xfrm>
-          <a:prstGeom prst="rect">
-            <a:avLst/>
-          </a:prstGeom>
-          <a:solidFill>
-            <a:schemeClr val="accent5">
-              <a:lumMod val="60000"/>
-              <a:lumOff val="40000"/>
-            </a:schemeClr>
-          </a:solidFill>
-        </p:spPr>
-        <p:txBody>
-          <a:bodyPr wrap="square" rtlCol="0">
-            <a:spAutoFit/>
-          </a:bodyPr>
-          <a:lstStyle/>
-          <a:p>
-            <a:r>
-              <a:rPr lang="en-US" dirty="0" smtClean="0"/>
-              <a:t>Interpret results</a:t>
-            </a:r>
-          </a:p>
-          <a:p>
-            <a:endParaRPr lang="en-US" dirty="0"/>
-          </a:p>
-        </p:txBody>
-      </p:sp>
-      <p:sp>
-        <p:nvSpPr>
-          <p:cNvPr id="26" name="Right Arrow 25"/>
-          <p:cNvSpPr/>
-          <p:nvPr/>
-        </p:nvSpPr>
-        <p:spPr>
-          <a:xfrm>
-            <a:off x="3518115" y="5054774"/>
-            <a:ext cx="954343" cy="267308"/>
-          </a:xfrm>
-          <a:prstGeom prst="rightArrow">
-            <a:avLst/>
-          </a:prstGeom>
-          <a:solidFill>
-            <a:schemeClr val="tx1"/>
-          </a:solidFill>
-          <a:ln>
-            <a:solidFill>
-              <a:schemeClr val="tx1"/>
-            </a:solidFill>
-          </a:ln>
-        </p:spPr>
-        <p:style>
-          <a:lnRef idx="2">
-            <a:schemeClr val="accent1">
-              <a:shade val="50000"/>
-            </a:schemeClr>
-          </a:lnRef>
-          <a:fillRef idx="1">
-            <a:schemeClr val="accent1"/>
-          </a:fillRef>
-          <a:effectRef idx="0">
-            <a:schemeClr val="accent1"/>
-          </a:effectRef>
-          <a:fontRef idx="minor">
-            <a:schemeClr val="lt1"/>
-          </a:fontRef>
-        </p:style>
-        <p:txBody>
-          <a:bodyPr rtlCol="0" anchor="ctr"/>
-          <a:lstStyle/>
-          <a:p>
-            <a:pPr algn="ctr"/>
-            <a:endParaRPr lang="en-US"/>
-          </a:p>
-        </p:txBody>
-      </p:sp>
-      <p:sp>
-        <p:nvSpPr>
-          <p:cNvPr id="27" name="TextBox 26"/>
-          <p:cNvSpPr txBox="1"/>
-          <p:nvPr/>
-        </p:nvSpPr>
-        <p:spPr>
-          <a:xfrm>
-            <a:off x="8493071" y="1191631"/>
-            <a:ext cx="2991173" cy="923330"/>
-          </a:xfrm>
-          <a:prstGeom prst="rect">
-            <a:avLst/>
-          </a:prstGeom>
-          <a:noFill/>
-          <a:ln w="44450">
-            <a:solidFill>
-              <a:schemeClr val="tx1"/>
-            </a:solidFill>
-          </a:ln>
-        </p:spPr>
-        <p:txBody>
-          <a:bodyPr wrap="square" rtlCol="0">
-            <a:spAutoFit/>
-          </a:bodyPr>
-          <a:lstStyle/>
-          <a:p>
-            <a:r>
-              <a:rPr lang="en-US" dirty="0" smtClean="0"/>
-              <a:t>Run data examples in </a:t>
-            </a:r>
-          </a:p>
-          <a:p>
-            <a:r>
-              <a:rPr lang="en-US" dirty="0" err="1" smtClean="0"/>
-              <a:t>mobr</a:t>
-            </a:r>
-            <a:r>
-              <a:rPr lang="en-US" dirty="0" smtClean="0"/>
-              <a:t> package</a:t>
-            </a:r>
-          </a:p>
-          <a:p>
-            <a:endParaRPr lang="en-US" dirty="0"/>
-          </a:p>
-        </p:txBody>
-      </p:sp>
-      <p:sp>
-        <p:nvSpPr>
-          <p:cNvPr id="28" name="Down Arrow 27"/>
-          <p:cNvSpPr/>
-          <p:nvPr/>
-        </p:nvSpPr>
-        <p:spPr>
-          <a:xfrm>
-            <a:off x="9825925" y="3119739"/>
-            <a:ext cx="325464" cy="323165"/>
-          </a:xfrm>
-          <a:prstGeom prst="downArrow">
-            <a:avLst/>
-          </a:prstGeom>
-          <a:solidFill>
-            <a:schemeClr val="tx1"/>
-          </a:solidFill>
-          <a:ln>
-            <a:solidFill>
-              <a:schemeClr val="tx1"/>
-            </a:solidFill>
-          </a:ln>
-        </p:spPr>
-        <p:style>
-          <a:lnRef idx="2">
-            <a:schemeClr val="accent1">
-              <a:shade val="50000"/>
-            </a:schemeClr>
-          </a:lnRef>
-          <a:fillRef idx="1">
-            <a:schemeClr val="accent1"/>
-          </a:fillRef>
-          <a:effectRef idx="0">
-            <a:schemeClr val="accent1"/>
-          </a:effectRef>
-          <a:fontRef idx="minor">
-            <a:schemeClr val="lt1"/>
-          </a:fontRef>
-        </p:style>
-        <p:txBody>
-          <a:bodyPr rtlCol="0" anchor="ctr"/>
-          <a:lstStyle/>
-          <a:p>
-            <a:pPr algn="ctr"/>
-            <a:endParaRPr lang="en-US"/>
-          </a:p>
-        </p:txBody>
-      </p:sp>
-      <p:sp>
-        <p:nvSpPr>
-          <p:cNvPr id="29" name="Down Arrow 28"/>
-          <p:cNvSpPr/>
-          <p:nvPr/>
-        </p:nvSpPr>
-        <p:spPr>
-          <a:xfrm>
-            <a:off x="9825925" y="2037244"/>
-            <a:ext cx="325464" cy="323165"/>
-          </a:xfrm>
-          <a:prstGeom prst="downArrow">
-            <a:avLst/>
-          </a:prstGeom>
-          <a:solidFill>
-            <a:schemeClr val="tx1"/>
-          </a:solidFill>
-          <a:ln>
-            <a:solidFill>
-              <a:schemeClr val="tx1"/>
-            </a:solidFill>
-          </a:ln>
-        </p:spPr>
-        <p:style>
-          <a:lnRef idx="2">
-            <a:schemeClr val="accent1">
-              <a:shade val="50000"/>
-            </a:schemeClr>
-          </a:lnRef>
-          <a:fillRef idx="1">
-            <a:schemeClr val="accent1"/>
-          </a:fillRef>
-          <a:effectRef idx="0">
-            <a:schemeClr val="accent1"/>
-          </a:effectRef>
-          <a:fontRef idx="minor">
-            <a:schemeClr val="lt1"/>
-          </a:fontRef>
-        </p:style>
-        <p:txBody>
-          <a:bodyPr rtlCol="0" anchor="ctr"/>
-          <a:lstStyle/>
-          <a:p>
-            <a:pPr algn="ctr"/>
-            <a:endParaRPr lang="en-US"/>
-          </a:p>
-        </p:txBody>
-      </p:sp>
-      <p:sp>
-        <p:nvSpPr>
-          <p:cNvPr id="30" name="Down Arrow 29"/>
-          <p:cNvSpPr/>
-          <p:nvPr/>
-        </p:nvSpPr>
-        <p:spPr>
-          <a:xfrm>
-            <a:off x="9825925" y="4343468"/>
-            <a:ext cx="325464" cy="323165"/>
-          </a:xfrm>
-          <a:prstGeom prst="downArrow">
-            <a:avLst/>
-          </a:prstGeom>
-          <a:solidFill>
-            <a:schemeClr val="tx1"/>
-          </a:solidFill>
-          <a:ln>
-            <a:solidFill>
-              <a:schemeClr val="tx1"/>
-            </a:solidFill>
-          </a:ln>
-        </p:spPr>
-        <p:style>
-          <a:lnRef idx="2">
-            <a:schemeClr val="accent1">
-              <a:shade val="50000"/>
-            </a:schemeClr>
-          </a:lnRef>
-          <a:fillRef idx="1">
-            <a:schemeClr val="accent1"/>
-          </a:fillRef>
-          <a:effectRef idx="0">
-            <a:schemeClr val="accent1"/>
-          </a:effectRef>
-          <a:fontRef idx="minor">
-            <a:schemeClr val="lt1"/>
-          </a:fontRef>
-        </p:style>
-        <p:txBody>
-          <a:bodyPr rtlCol="0" anchor="ctr"/>
-          <a:lstStyle/>
-          <a:p>
-            <a:pPr algn="ctr"/>
-            <a:endParaRPr lang="en-US"/>
-          </a:p>
-        </p:txBody>
-      </p:sp>
-      <p:sp>
-        <p:nvSpPr>
-          <p:cNvPr id="31" name="Title 30"/>
-          <p:cNvSpPr>
-            <a:spLocks noGrp="1"/>
-          </p:cNvSpPr>
-          <p:nvPr>
-            <p:ph type="title"/>
-          </p:nvPr>
-        </p:nvSpPr>
-        <p:spPr/>
-        <p:txBody>
-          <a:bodyPr/>
-          <a:lstStyle/>
-          <a:p>
-            <a:pPr algn="ctr"/>
-            <a:r>
-              <a:rPr lang="en-US" dirty="0" smtClean="0"/>
-              <a:t>Workflow:</a:t>
-            </a:r>
-            <a:endParaRPr lang="en-US" dirty="0"/>
-          </a:p>
-        </p:txBody>
-      </p:sp>
-    </p:spTree>
-    <p:extLst>
-      <p:ext uri="{BB962C8B-B14F-4D97-AF65-F5344CB8AC3E}">
-        <p14:creationId xmlns:p14="http://schemas.microsoft.com/office/powerpoint/2010/main" val="843910275"/>
       </p:ext>
     </p:extLst>
   </p:cSld>
